--- a/wind_solar_time_series_analysis/Wind_Solar_Energy_Modeling_Analysis.pptx
+++ b/wind_solar_time_series_analysis/Wind_Solar_Energy_Modeling_Analysis.pptx
@@ -5575,7 +5575,32 @@
               <a:ea typeface="Times New Roman" charset="0"/>
               <a:cs typeface="Times New Roman" charset="0"/>
             </a:rPr>
-            <a:t>Solar Energy Resources Modeling and Analysis</a:t>
+            <a:t>Solar Energy Resources</a:t>
+          </a:r>
+        </a:p>
+        <a:p>
+          <a:pPr marL="0" lvl="0" indent="0" algn="ctr" defTabSz="889000">
+            <a:lnSpc>
+              <a:spcPct val="90000"/>
+            </a:lnSpc>
+            <a:spcBef>
+              <a:spcPct val="0"/>
+            </a:spcBef>
+            <a:spcAft>
+              <a:spcPct val="35000"/>
+            </a:spcAft>
+            <a:buNone/>
+          </a:pPr>
+          <a:r>
+            <a:rPr lang="en-US" sz="2000" b="1" i="0" kern="1200" dirty="0">
+              <a:solidFill>
+                <a:schemeClr val="tx1"/>
+              </a:solidFill>
+              <a:latin typeface="Times New Roman" charset="0"/>
+              <a:ea typeface="Times New Roman" charset="0"/>
+              <a:cs typeface="Times New Roman" charset="0"/>
+            </a:rPr>
+            <a:t>Modeling</a:t>
           </a:r>
           <a:endParaRPr lang="en-US" sz="2000" b="1" i="0" kern="1200" dirty="0">
             <a:solidFill>
@@ -5632,7 +5657,20 @@
               <a:ea typeface="Times New Roman" charset="0"/>
               <a:cs typeface="Times New Roman" charset="0"/>
             </a:rPr>
-            <a:t>Wind Energy Resources Modeling and Analysis</a:t>
+            <a:t>Wind Energy Resources</a:t>
+          </a:r>
+        </a:p>
+        <a:p>
+          <a:r>
+            <a:rPr lang="en-US" sz="2000" b="1" i="0" dirty="0">
+              <a:solidFill>
+                <a:schemeClr val="tx1"/>
+              </a:solidFill>
+              <a:latin typeface="Times New Roman" charset="0"/>
+              <a:ea typeface="Times New Roman" charset="0"/>
+              <a:cs typeface="Times New Roman" charset="0"/>
+            </a:rPr>
+            <a:t>Modeling</a:t>
           </a:r>
         </a:p>
       </dgm:t>
@@ -6231,7 +6269,32 @@
               <a:ea typeface="Times New Roman" charset="0"/>
               <a:cs typeface="Times New Roman" charset="0"/>
             </a:rPr>
-            <a:t>Wind Energy Resources Modeling and Analysis</a:t>
+            <a:t>Wind Energy Resources</a:t>
+          </a:r>
+        </a:p>
+        <a:p>
+          <a:pPr marL="0" lvl="0" indent="0" algn="ctr" defTabSz="889000">
+            <a:lnSpc>
+              <a:spcPct val="90000"/>
+            </a:lnSpc>
+            <a:spcBef>
+              <a:spcPct val="0"/>
+            </a:spcBef>
+            <a:spcAft>
+              <a:spcPct val="35000"/>
+            </a:spcAft>
+            <a:buNone/>
+          </a:pPr>
+          <a:r>
+            <a:rPr lang="en-US" sz="2000" b="1" i="0" kern="1200" dirty="0">
+              <a:solidFill>
+                <a:schemeClr val="tx1"/>
+              </a:solidFill>
+              <a:latin typeface="Times New Roman" charset="0"/>
+              <a:ea typeface="Times New Roman" charset="0"/>
+              <a:cs typeface="Times New Roman" charset="0"/>
+            </a:rPr>
+            <a:t>Modeling</a:t>
           </a:r>
         </a:p>
       </dsp:txBody>
@@ -6345,7 +6408,32 @@
               <a:ea typeface="Times New Roman" charset="0"/>
               <a:cs typeface="Times New Roman" charset="0"/>
             </a:rPr>
-            <a:t>Solar Energy Resources Modeling and Analysis</a:t>
+            <a:t>Solar Energy Resources</a:t>
+          </a:r>
+        </a:p>
+        <a:p>
+          <a:pPr marL="0" lvl="0" indent="0" algn="ctr" defTabSz="889000">
+            <a:lnSpc>
+              <a:spcPct val="90000"/>
+            </a:lnSpc>
+            <a:spcBef>
+              <a:spcPct val="0"/>
+            </a:spcBef>
+            <a:spcAft>
+              <a:spcPct val="35000"/>
+            </a:spcAft>
+            <a:buNone/>
+          </a:pPr>
+          <a:r>
+            <a:rPr lang="en-US" sz="2000" b="1" i="0" kern="1200" dirty="0">
+              <a:solidFill>
+                <a:schemeClr val="tx1"/>
+              </a:solidFill>
+              <a:latin typeface="Times New Roman" charset="0"/>
+              <a:ea typeface="Times New Roman" charset="0"/>
+              <a:cs typeface="Times New Roman" charset="0"/>
+            </a:rPr>
+            <a:t>Modeling</a:t>
           </a:r>
           <a:endParaRPr lang="en-US" sz="2000" b="1" i="0" kern="1200" dirty="0">
             <a:solidFill>
@@ -32739,7 +32827,7 @@
           <p:nvPr>
             <p:extLst>
               <p:ext uri="{D42A27DB-BD31-4B8C-83A1-F6EECF244321}">
-                <p14:modId xmlns:p14="http://schemas.microsoft.com/office/powerpoint/2010/main" val="3557623080"/>
+                <p14:modId xmlns:p14="http://schemas.microsoft.com/office/powerpoint/2010/main" val="464208637"/>
               </p:ext>
             </p:extLst>
           </p:nvPr>
@@ -32831,8 +32919,8 @@
         </p:nvSpPr>
         <p:spPr>
           <a:xfrm>
-            <a:off x="2969815" y="88599"/>
-            <a:ext cx="3346044" cy="369332"/>
+            <a:off x="2409260" y="97930"/>
+            <a:ext cx="4325479" cy="369332"/>
           </a:xfrm>
           <a:prstGeom prst="rect">
             <a:avLst/>
@@ -32846,7 +32934,7 @@
           <a:p>
             <a:r>
               <a:rPr lang="en-US" b="1" dirty="0"/>
-              <a:t>Solar Energy Resources Modeling</a:t>
+              <a:t>Wind and Solar Energy Resources Modeling</a:t>
             </a:r>
           </a:p>
         </p:txBody>
@@ -33932,8 +34020,8 @@
         </p:nvSpPr>
         <p:spPr>
           <a:xfrm>
-            <a:off x="2589847" y="497135"/>
-            <a:ext cx="4289508" cy="369332"/>
+            <a:off x="3000600" y="489739"/>
+            <a:ext cx="3380734" cy="369332"/>
           </a:xfrm>
           <a:prstGeom prst="rect">
             <a:avLst/>
@@ -33948,7 +34036,7 @@
           <a:p>
             <a:r>
               <a:rPr lang="en-US" dirty="0"/>
-              <a:t>Modeling for Different Locations in the U.S. </a:t>
+              <a:t>For Different Locations in the U.S. </a:t>
             </a:r>
           </a:p>
         </p:txBody>
@@ -34008,8 +34096,8 @@
         </p:nvSpPr>
         <p:spPr>
           <a:xfrm>
-            <a:off x="2453579" y="136524"/>
-            <a:ext cx="4325479" cy="369332"/>
+            <a:off x="1905397" y="120407"/>
+            <a:ext cx="5571141" cy="369332"/>
           </a:xfrm>
           <a:prstGeom prst="rect">
             <a:avLst/>
@@ -34023,7 +34111,7 @@
           <a:p>
             <a:r>
               <a:rPr lang="en-US" b="1" dirty="0"/>
-              <a:t>Wind and Solar Energy Resources Modeling</a:t>
+              <a:t>Wind and Solar Energy Resources Modeling and Analysis</a:t>
             </a:r>
           </a:p>
         </p:txBody>

--- a/wind_solar_time_series_analysis/Wind_Solar_Energy_Modeling_Analysis.pptx
+++ b/wind_solar_time_series_analysis/Wind_Solar_Energy_Modeling_Analysis.pptx
@@ -5,7 +5,7 @@
     <p:sldMasterId id="2147483660" r:id="rId1"/>
   </p:sldMasterIdLst>
   <p:notesMasterIdLst>
-    <p:notesMasterId r:id="rId23"/>
+    <p:notesMasterId r:id="rId22"/>
   </p:notesMasterIdLst>
   <p:sldIdLst>
     <p:sldId id="326" r:id="rId2"/>
@@ -21,14 +21,13 @@
     <p:sldId id="333" r:id="rId12"/>
     <p:sldId id="341" r:id="rId13"/>
     <p:sldId id="339" r:id="rId14"/>
-    <p:sldId id="349" r:id="rId15"/>
-    <p:sldId id="351" r:id="rId16"/>
-    <p:sldId id="350" r:id="rId17"/>
-    <p:sldId id="348" r:id="rId18"/>
-    <p:sldId id="334" r:id="rId19"/>
-    <p:sldId id="340" r:id="rId20"/>
-    <p:sldId id="279" r:id="rId21"/>
-    <p:sldId id="280" r:id="rId22"/>
+    <p:sldId id="351" r:id="rId15"/>
+    <p:sldId id="350" r:id="rId16"/>
+    <p:sldId id="348" r:id="rId17"/>
+    <p:sldId id="334" r:id="rId18"/>
+    <p:sldId id="340" r:id="rId19"/>
+    <p:sldId id="279" r:id="rId20"/>
+    <p:sldId id="280" r:id="rId21"/>
   </p:sldIdLst>
   <p:sldSz cx="9144000" cy="6858000" type="screen4x3"/>
   <p:notesSz cx="6858000" cy="9144000"/>
@@ -9053,7 +9052,7 @@
           <a:p>
             <a:fld id="{11472842-1580-4E2C-A4E0-1474F4390AED}" type="slidenum">
               <a:rPr lang="en-US" smtClean="0"/>
-              <a:t>20</a:t>
+              <a:t>19</a:t>
             </a:fld>
             <a:endParaRPr lang="en-US" dirty="0"/>
           </a:p>
@@ -9142,7 +9141,7 @@
           <a:p>
             <a:fld id="{11472842-1580-4E2C-A4E0-1474F4390AED}" type="slidenum">
               <a:rPr lang="en-US" smtClean="0"/>
-              <a:t>21</a:t>
+              <a:t>20</a:t>
             </a:fld>
             <a:endParaRPr lang="en-US" dirty="0"/>
           </a:p>
@@ -26332,7 +26331,7 @@
           <p:cNvPr id="11" name="Rectangle 10">
             <a:extLst>
               <a:ext uri="{FF2B5EF4-FFF2-40B4-BE49-F238E27FC236}">
-                <a16:creationId xmlns:a16="http://schemas.microsoft.com/office/drawing/2014/main" id="{92C6FC3A-9B85-45BD-8CBA-80A5F6A27DEA}"/>
+                <a16:creationId xmlns:a16="http://schemas.microsoft.com/office/drawing/2014/main" id="{59960F00-DB88-43A0-B47D-32B1641394A0}"/>
               </a:ext>
             </a:extLst>
           </p:cNvPr>
@@ -26364,7 +26363,7 @@
     </p:spTree>
     <p:extLst>
       <p:ext uri="{BB962C8B-B14F-4D97-AF65-F5344CB8AC3E}">
-        <p14:creationId xmlns:p14="http://schemas.microsoft.com/office/powerpoint/2010/main" val="1972258126"/>
+        <p14:creationId xmlns:p14="http://schemas.microsoft.com/office/powerpoint/2010/main" val="2531246657"/>
       </p:ext>
     </p:extLst>
   </p:cSld>
@@ -26443,350 +26442,6 @@
             <a:fld id="{564B1479-74DF-4380-85F6-AB0A2FFC7165}" type="slidenum">
               <a:rPr lang="en-US" smtClean="0"/>
               <a:t>15</a:t>
-            </a:fld>
-            <a:endParaRPr lang="en-US"/>
-          </a:p>
-        </p:txBody>
-      </p:sp>
-      <p:pic>
-        <p:nvPicPr>
-          <p:cNvPr id="2052" name="Picture 4">
-            <a:extLst>
-              <a:ext uri="{FF2B5EF4-FFF2-40B4-BE49-F238E27FC236}">
-                <a16:creationId xmlns:a16="http://schemas.microsoft.com/office/drawing/2014/main" id="{C10F1AE0-D1C5-4A47-ACEF-29D2549644B9}"/>
-              </a:ext>
-            </a:extLst>
-          </p:cNvPr>
-          <p:cNvPicPr>
-            <a:picLocks noChangeAspect="1" noChangeArrowheads="1"/>
-          </p:cNvPicPr>
-          <p:nvPr/>
-        </p:nvPicPr>
-        <p:blipFill>
-          <a:blip r:embed="rId2">
-            <a:extLst>
-              <a:ext uri="{28A0092B-C50C-407E-A947-70E740481C1C}">
-                <a14:useLocalDpi xmlns:a14="http://schemas.microsoft.com/office/drawing/2010/main" val="0"/>
-              </a:ext>
-            </a:extLst>
-          </a:blip>
-          <a:srcRect/>
-          <a:stretch>
-            <a:fillRect/>
-          </a:stretch>
-        </p:blipFill>
-        <p:spPr bwMode="auto">
-          <a:xfrm>
-            <a:off x="0" y="840182"/>
-            <a:ext cx="3790950" cy="2571750"/>
-          </a:xfrm>
-          <a:prstGeom prst="rect">
-            <a:avLst/>
-          </a:prstGeom>
-          <a:noFill/>
-          <a:extLst>
-            <a:ext uri="{909E8E84-426E-40DD-AFC4-6F175D3DCCD1}">
-              <a14:hiddenFill xmlns:a14="http://schemas.microsoft.com/office/drawing/2010/main">
-                <a:solidFill>
-                  <a:srgbClr val="FFFFFF"/>
-                </a:solidFill>
-              </a14:hiddenFill>
-            </a:ext>
-          </a:extLst>
-        </p:spPr>
-      </p:pic>
-      <p:sp>
-        <p:nvSpPr>
-          <p:cNvPr id="16" name="Rectangle 15">
-            <a:extLst>
-              <a:ext uri="{FF2B5EF4-FFF2-40B4-BE49-F238E27FC236}">
-                <a16:creationId xmlns:a16="http://schemas.microsoft.com/office/drawing/2014/main" id="{6BD1D454-425A-4D1E-BEE3-8ECEFFF29775}"/>
-              </a:ext>
-            </a:extLst>
-          </p:cNvPr>
-          <p:cNvSpPr/>
-          <p:nvPr/>
-        </p:nvSpPr>
-        <p:spPr>
-          <a:xfrm>
-            <a:off x="1621193" y="470850"/>
-            <a:ext cx="5901613" cy="369332"/>
-          </a:xfrm>
-          <a:prstGeom prst="rect">
-            <a:avLst/>
-          </a:prstGeom>
-        </p:spPr>
-        <p:txBody>
-          <a:bodyPr wrap="square">
-            <a:spAutoFit/>
-          </a:bodyPr>
-          <a:lstStyle/>
-          <a:p>
-            <a:pPr algn="ctr"/>
-            <a:r>
-              <a:rPr lang="en-US" dirty="0"/>
-              <a:t>Global Horizontal Irradiance (GHI) at the plane of array (POA)</a:t>
-            </a:r>
-          </a:p>
-        </p:txBody>
-      </p:sp>
-      <p:pic>
-        <p:nvPicPr>
-          <p:cNvPr id="2054" name="Picture 6">
-            <a:extLst>
-              <a:ext uri="{FF2B5EF4-FFF2-40B4-BE49-F238E27FC236}">
-                <a16:creationId xmlns:a16="http://schemas.microsoft.com/office/drawing/2014/main" id="{268D6486-A1A2-4541-BF46-0EB964D49C23}"/>
-              </a:ext>
-            </a:extLst>
-          </p:cNvPr>
-          <p:cNvPicPr>
-            <a:picLocks noChangeAspect="1" noChangeArrowheads="1"/>
-          </p:cNvPicPr>
-          <p:nvPr/>
-        </p:nvPicPr>
-        <p:blipFill>
-          <a:blip r:embed="rId3">
-            <a:extLst>
-              <a:ext uri="{28A0092B-C50C-407E-A947-70E740481C1C}">
-                <a14:useLocalDpi xmlns:a14="http://schemas.microsoft.com/office/drawing/2010/main" val="0"/>
-              </a:ext>
-            </a:extLst>
-          </a:blip>
-          <a:srcRect/>
-          <a:stretch>
-            <a:fillRect/>
-          </a:stretch>
-        </p:blipFill>
-        <p:spPr bwMode="auto">
-          <a:xfrm>
-            <a:off x="0" y="3598266"/>
-            <a:ext cx="3790950" cy="2571750"/>
-          </a:xfrm>
-          <a:prstGeom prst="rect">
-            <a:avLst/>
-          </a:prstGeom>
-          <a:noFill/>
-          <a:extLst>
-            <a:ext uri="{909E8E84-426E-40DD-AFC4-6F175D3DCCD1}">
-              <a14:hiddenFill xmlns:a14="http://schemas.microsoft.com/office/drawing/2010/main">
-                <a:solidFill>
-                  <a:srgbClr val="FFFFFF"/>
-                </a:solidFill>
-              </a14:hiddenFill>
-            </a:ext>
-          </a:extLst>
-        </p:spPr>
-      </p:pic>
-      <p:pic>
-        <p:nvPicPr>
-          <p:cNvPr id="2056" name="Picture 8">
-            <a:extLst>
-              <a:ext uri="{FF2B5EF4-FFF2-40B4-BE49-F238E27FC236}">
-                <a16:creationId xmlns:a16="http://schemas.microsoft.com/office/drawing/2014/main" id="{1491529E-7D59-43C9-8D8F-9FAC8FE6B970}"/>
-              </a:ext>
-            </a:extLst>
-          </p:cNvPr>
-          <p:cNvPicPr>
-            <a:picLocks noChangeAspect="1" noChangeArrowheads="1"/>
-          </p:cNvPicPr>
-          <p:nvPr/>
-        </p:nvPicPr>
-        <p:blipFill>
-          <a:blip r:embed="rId4">
-            <a:extLst>
-              <a:ext uri="{28A0092B-C50C-407E-A947-70E740481C1C}">
-                <a14:useLocalDpi xmlns:a14="http://schemas.microsoft.com/office/drawing/2010/main" val="0"/>
-              </a:ext>
-            </a:extLst>
-          </a:blip>
-          <a:srcRect/>
-          <a:stretch>
-            <a:fillRect/>
-          </a:stretch>
-        </p:blipFill>
-        <p:spPr bwMode="auto">
-          <a:xfrm>
-            <a:off x="5353052" y="840182"/>
-            <a:ext cx="3790950" cy="2571750"/>
-          </a:xfrm>
-          <a:prstGeom prst="rect">
-            <a:avLst/>
-          </a:prstGeom>
-          <a:noFill/>
-          <a:extLst>
-            <a:ext uri="{909E8E84-426E-40DD-AFC4-6F175D3DCCD1}">
-              <a14:hiddenFill xmlns:a14="http://schemas.microsoft.com/office/drawing/2010/main">
-                <a:solidFill>
-                  <a:srgbClr val="FFFFFF"/>
-                </a:solidFill>
-              </a14:hiddenFill>
-            </a:ext>
-          </a:extLst>
-        </p:spPr>
-      </p:pic>
-      <p:pic>
-        <p:nvPicPr>
-          <p:cNvPr id="2060" name="Picture 12">
-            <a:extLst>
-              <a:ext uri="{FF2B5EF4-FFF2-40B4-BE49-F238E27FC236}">
-                <a16:creationId xmlns:a16="http://schemas.microsoft.com/office/drawing/2014/main" id="{5778FE30-9B5D-49D0-85F6-C75B2B4C808D}"/>
-              </a:ext>
-            </a:extLst>
-          </p:cNvPr>
-          <p:cNvPicPr>
-            <a:picLocks noChangeAspect="1" noChangeArrowheads="1"/>
-          </p:cNvPicPr>
-          <p:nvPr/>
-        </p:nvPicPr>
-        <p:blipFill>
-          <a:blip r:embed="rId5">
-            <a:extLst>
-              <a:ext uri="{28A0092B-C50C-407E-A947-70E740481C1C}">
-                <a14:useLocalDpi xmlns:a14="http://schemas.microsoft.com/office/drawing/2010/main" val="0"/>
-              </a:ext>
-            </a:extLst>
-          </a:blip>
-          <a:srcRect/>
-          <a:stretch>
-            <a:fillRect/>
-          </a:stretch>
-        </p:blipFill>
-        <p:spPr bwMode="auto">
-          <a:xfrm>
-            <a:off x="5353050" y="3598266"/>
-            <a:ext cx="3790950" cy="2571750"/>
-          </a:xfrm>
-          <a:prstGeom prst="rect">
-            <a:avLst/>
-          </a:prstGeom>
-          <a:noFill/>
-          <a:extLst>
-            <a:ext uri="{909E8E84-426E-40DD-AFC4-6F175D3DCCD1}">
-              <a14:hiddenFill xmlns:a14="http://schemas.microsoft.com/office/drawing/2010/main">
-                <a:solidFill>
-                  <a:srgbClr val="FFFFFF"/>
-                </a:solidFill>
-              </a14:hiddenFill>
-            </a:ext>
-          </a:extLst>
-        </p:spPr>
-      </p:pic>
-      <p:sp>
-        <p:nvSpPr>
-          <p:cNvPr id="11" name="Rectangle 10">
-            <a:extLst>
-              <a:ext uri="{FF2B5EF4-FFF2-40B4-BE49-F238E27FC236}">
-                <a16:creationId xmlns:a16="http://schemas.microsoft.com/office/drawing/2014/main" id="{59960F00-DB88-43A0-B47D-32B1641394A0}"/>
-              </a:ext>
-            </a:extLst>
-          </p:cNvPr>
-          <p:cNvSpPr/>
-          <p:nvPr/>
-        </p:nvSpPr>
-        <p:spPr>
-          <a:xfrm>
-            <a:off x="2969815" y="88599"/>
-            <a:ext cx="3346044" cy="369332"/>
-          </a:xfrm>
-          <a:prstGeom prst="rect">
-            <a:avLst/>
-          </a:prstGeom>
-        </p:spPr>
-        <p:txBody>
-          <a:bodyPr wrap="none">
-            <a:spAutoFit/>
-          </a:bodyPr>
-          <a:lstStyle/>
-          <a:p>
-            <a:r>
-              <a:rPr lang="en-US" b="1" dirty="0"/>
-              <a:t>Solar Energy Resources Modeling</a:t>
-            </a:r>
-          </a:p>
-        </p:txBody>
-      </p:sp>
-    </p:spTree>
-    <p:extLst>
-      <p:ext uri="{BB962C8B-B14F-4D97-AF65-F5344CB8AC3E}">
-        <p14:creationId xmlns:p14="http://schemas.microsoft.com/office/powerpoint/2010/main" val="2531246657"/>
-      </p:ext>
-    </p:extLst>
-  </p:cSld>
-  <p:clrMapOvr>
-    <a:masterClrMapping/>
-  </p:clrMapOvr>
-</p:sld>
-</file>
-
-<file path=ppt/slides/slide16.xml><?xml version="1.0" encoding="utf-8"?>
-<p:sld xmlns:a="http://schemas.openxmlformats.org/drawingml/2006/main" xmlns:r="http://schemas.openxmlformats.org/officeDocument/2006/relationships" xmlns:p="http://schemas.openxmlformats.org/presentationml/2006/main">
-  <p:cSld>
-    <p:spTree>
-      <p:nvGrpSpPr>
-        <p:cNvPr id="1" name=""/>
-        <p:cNvGrpSpPr/>
-        <p:nvPr/>
-      </p:nvGrpSpPr>
-      <p:grpSpPr>
-        <a:xfrm>
-          <a:off x="0" y="0"/>
-          <a:ext cx="0" cy="0"/>
-          <a:chOff x="0" y="0"/>
-          <a:chExt cx="0" cy="0"/>
-        </a:xfrm>
-      </p:grpSpPr>
-      <p:sp>
-        <p:nvSpPr>
-          <p:cNvPr id="2" name="Date Placeholder 1">
-            <a:extLst>
-              <a:ext uri="{FF2B5EF4-FFF2-40B4-BE49-F238E27FC236}">
-                <a16:creationId xmlns:a16="http://schemas.microsoft.com/office/drawing/2014/main" id="{E5C7501F-05AD-4696-A094-872D500C6BEE}"/>
-              </a:ext>
-            </a:extLst>
-          </p:cNvPr>
-          <p:cNvSpPr>
-            <a:spLocks noGrp="1"/>
-          </p:cNvSpPr>
-          <p:nvPr>
-            <p:ph type="dt" sz="half" idx="10"/>
-          </p:nvPr>
-        </p:nvSpPr>
-        <p:spPr/>
-        <p:txBody>
-          <a:bodyPr/>
-          <a:lstStyle/>
-          <a:p>
-            <a:r>
-              <a:rPr lang="en-US"/>
-              <a:t>8/6/2019</a:t>
-            </a:r>
-          </a:p>
-        </p:txBody>
-      </p:sp>
-      <p:sp>
-        <p:nvSpPr>
-          <p:cNvPr id="4" name="Slide Number Placeholder 3">
-            <a:extLst>
-              <a:ext uri="{FF2B5EF4-FFF2-40B4-BE49-F238E27FC236}">
-                <a16:creationId xmlns:a16="http://schemas.microsoft.com/office/drawing/2014/main" id="{025CB2AE-DF2C-4873-8659-B4DBC48FA091}"/>
-              </a:ext>
-            </a:extLst>
-          </p:cNvPr>
-          <p:cNvSpPr>
-            <a:spLocks noGrp="1"/>
-          </p:cNvSpPr>
-          <p:nvPr>
-            <p:ph type="sldNum" sz="quarter" idx="12"/>
-          </p:nvPr>
-        </p:nvSpPr>
-        <p:spPr/>
-        <p:txBody>
-          <a:bodyPr/>
-          <a:lstStyle/>
-          <a:p>
-            <a:fld id="{564B1479-74DF-4380-85F6-AB0A2FFC7165}" type="slidenum">
-              <a:rPr lang="en-US" smtClean="0"/>
-              <a:t>16</a:t>
             </a:fld>
             <a:endParaRPr lang="en-US"/>
           </a:p>
@@ -27691,7 +27346,7 @@
 </p:sld>
 </file>
 
-<file path=ppt/slides/slide17.xml><?xml version="1.0" encoding="utf-8"?>
+<file path=ppt/slides/slide16.xml><?xml version="1.0" encoding="utf-8"?>
 <p:sld xmlns:a="http://schemas.openxmlformats.org/drawingml/2006/main" xmlns:r="http://schemas.openxmlformats.org/officeDocument/2006/relationships" xmlns:p="http://schemas.openxmlformats.org/presentationml/2006/main">
   <p:cSld>
     <p:spTree>
@@ -27759,7 +27414,7 @@
           <a:p>
             <a:fld id="{564B1479-74DF-4380-85F6-AB0A2FFC7165}" type="slidenum">
               <a:rPr lang="en-US" smtClean="0"/>
-              <a:t>17</a:t>
+              <a:t>16</a:t>
             </a:fld>
             <a:endParaRPr lang="en-US"/>
           </a:p>
@@ -28035,7 +27690,7 @@
 </p:sld>
 </file>
 
-<file path=ppt/slides/slide18.xml><?xml version="1.0" encoding="utf-8"?>
+<file path=ppt/slides/slide17.xml><?xml version="1.0" encoding="utf-8"?>
 <p:sld xmlns:a="http://schemas.openxmlformats.org/drawingml/2006/main" xmlns:r="http://schemas.openxmlformats.org/officeDocument/2006/relationships" xmlns:p="http://schemas.openxmlformats.org/presentationml/2006/main">
   <p:cSld>
     <p:spTree>
@@ -28103,7 +27758,7 @@
           <a:p>
             <a:fld id="{564B1479-74DF-4380-85F6-AB0A2FFC7165}" type="slidenum">
               <a:rPr lang="en-US" smtClean="0"/>
-              <a:t>18</a:t>
+              <a:t>17</a:t>
             </a:fld>
             <a:endParaRPr lang="en-US"/>
           </a:p>
@@ -30332,7 +29987,7 @@
 </p:sld>
 </file>
 
-<file path=ppt/slides/slide19.xml><?xml version="1.0" encoding="utf-8"?>
+<file path=ppt/slides/slide18.xml><?xml version="1.0" encoding="utf-8"?>
 <p:sld xmlns:a="http://schemas.openxmlformats.org/drawingml/2006/main" xmlns:r="http://schemas.openxmlformats.org/officeDocument/2006/relationships" xmlns:p="http://schemas.openxmlformats.org/presentationml/2006/main">
   <p:cSld>
     <p:spTree>
@@ -30400,7 +30055,7 @@
           <a:p>
             <a:fld id="{564B1479-74DF-4380-85F6-AB0A2FFC7165}" type="slidenum">
               <a:rPr lang="en-US" smtClean="0"/>
-              <a:t>19</a:t>
+              <a:t>18</a:t>
             </a:fld>
             <a:endParaRPr lang="en-US"/>
           </a:p>
@@ -32772,123 +32427,7 @@
 </p:sld>
 </file>
 
-<file path=ppt/slides/slide2.xml><?xml version="1.0" encoding="utf-8"?>
-<p:sld xmlns:a="http://schemas.openxmlformats.org/drawingml/2006/main" xmlns:r="http://schemas.openxmlformats.org/officeDocument/2006/relationships" xmlns:p="http://schemas.openxmlformats.org/presentationml/2006/main">
-  <p:cSld>
-    <p:spTree>
-      <p:nvGrpSpPr>
-        <p:cNvPr id="1" name=""/>
-        <p:cNvGrpSpPr/>
-        <p:nvPr/>
-      </p:nvGrpSpPr>
-      <p:grpSpPr>
-        <a:xfrm>
-          <a:off x="0" y="0"/>
-          <a:ext cx="0" cy="0"/>
-          <a:chOff x="0" y="0"/>
-          <a:chExt cx="0" cy="0"/>
-        </a:xfrm>
-      </p:grpSpPr>
-      <p:sp>
-        <p:nvSpPr>
-          <p:cNvPr id="4" name="Slide Number Placeholder 3"/>
-          <p:cNvSpPr>
-            <a:spLocks noGrp="1"/>
-          </p:cNvSpPr>
-          <p:nvPr>
-            <p:ph type="sldNum" sz="quarter" idx="12"/>
-          </p:nvPr>
-        </p:nvSpPr>
-        <p:spPr/>
-        <p:txBody>
-          <a:bodyPr/>
-          <a:lstStyle/>
-          <a:p>
-            <a:fld id="{10038807-1F43-C242-97ED-819D14105488}" type="slidenum">
-              <a:rPr lang="en-US" smtClean="0">
-                <a:solidFill>
-                  <a:schemeClr val="tx1"/>
-                </a:solidFill>
-              </a:rPr>
-              <a:t>2</a:t>
-            </a:fld>
-            <a:endParaRPr lang="en-US" dirty="0">
-              <a:solidFill>
-                <a:schemeClr val="tx1"/>
-              </a:solidFill>
-            </a:endParaRPr>
-          </a:p>
-        </p:txBody>
-      </p:sp>
-      <p:graphicFrame>
-        <p:nvGraphicFramePr>
-          <p:cNvPr id="5" name="Diagram 4"/>
-          <p:cNvGraphicFramePr/>
-          <p:nvPr>
-            <p:extLst>
-              <p:ext uri="{D42A27DB-BD31-4B8C-83A1-F6EECF244321}">
-                <p14:modId xmlns:p14="http://schemas.microsoft.com/office/powerpoint/2010/main" val="464208637"/>
-              </p:ext>
-            </p:extLst>
-          </p:nvPr>
-        </p:nvGraphicFramePr>
-        <p:xfrm>
-          <a:off x="1771650" y="1028701"/>
-          <a:ext cx="5943600" cy="4235450"/>
-        </p:xfrm>
-        <a:graphic>
-          <a:graphicData uri="http://schemas.openxmlformats.org/drawingml/2006/diagram">
-            <dgm:relIds xmlns:dgm="http://schemas.openxmlformats.org/drawingml/2006/diagram" xmlns:r="http://schemas.openxmlformats.org/officeDocument/2006/relationships" r:dm="rId2" r:lo="rId3" r:qs="rId4" r:cs="rId5"/>
-          </a:graphicData>
-        </a:graphic>
-      </p:graphicFrame>
-      <p:sp>
-        <p:nvSpPr>
-          <p:cNvPr id="6" name="Date Placeholder 1">
-            <a:extLst>
-              <a:ext uri="{FF2B5EF4-FFF2-40B4-BE49-F238E27FC236}">
-                <a16:creationId xmlns:a16="http://schemas.microsoft.com/office/drawing/2014/main" id="{692AD37A-9EC1-4F6F-9640-352DD1C6BD89}"/>
-              </a:ext>
-            </a:extLst>
-          </p:cNvPr>
-          <p:cNvSpPr>
-            <a:spLocks noGrp="1"/>
-          </p:cNvSpPr>
-          <p:nvPr>
-            <p:ph type="dt" sz="half" idx="10"/>
-          </p:nvPr>
-        </p:nvSpPr>
-        <p:spPr>
-          <a:xfrm>
-            <a:off x="628650" y="6356351"/>
-            <a:ext cx="2057400" cy="365125"/>
-          </a:xfrm>
-        </p:spPr>
-        <p:txBody>
-          <a:bodyPr/>
-          <a:lstStyle/>
-          <a:p>
-            <a:r>
-              <a:rPr lang="en-US" dirty="0"/>
-              <a:t>8/6/2019</a:t>
-            </a:r>
-          </a:p>
-        </p:txBody>
-      </p:sp>
-    </p:spTree>
-    <p:extLst>
-      <p:ext uri="{BB962C8B-B14F-4D97-AF65-F5344CB8AC3E}">
-        <p14:creationId xmlns:p14="http://schemas.microsoft.com/office/powerpoint/2010/main" val="3405449710"/>
-      </p:ext>
-    </p:extLst>
-  </p:cSld>
-  <p:clrMapOvr>
-    <a:masterClrMapping/>
-  </p:clrMapOvr>
-</p:sld>
-</file>
-
-<file path=ppt/slides/slide20.xml><?xml version="1.0" encoding="utf-8"?>
+<file path=ppt/slides/slide19.xml><?xml version="1.0" encoding="utf-8"?>
 <p:sld xmlns:a="http://schemas.openxmlformats.org/drawingml/2006/main" xmlns:r="http://schemas.openxmlformats.org/officeDocument/2006/relationships" xmlns:p="http://schemas.openxmlformats.org/presentationml/2006/main">
   <p:cSld>
     <p:spTree>
@@ -33000,7 +32539,7 @@
           <a:p>
             <a:fld id="{564B1479-74DF-4380-85F6-AB0A2FFC7165}" type="slidenum">
               <a:rPr lang="en-US" smtClean="0"/>
-              <a:t>20</a:t>
+              <a:t>19</a:t>
             </a:fld>
             <a:endParaRPr lang="en-US"/>
           </a:p>
@@ -33258,7 +32797,123 @@
 </p:sld>
 </file>
 
-<file path=ppt/slides/slide21.xml><?xml version="1.0" encoding="utf-8"?>
+<file path=ppt/slides/slide2.xml><?xml version="1.0" encoding="utf-8"?>
+<p:sld xmlns:a="http://schemas.openxmlformats.org/drawingml/2006/main" xmlns:r="http://schemas.openxmlformats.org/officeDocument/2006/relationships" xmlns:p="http://schemas.openxmlformats.org/presentationml/2006/main">
+  <p:cSld>
+    <p:spTree>
+      <p:nvGrpSpPr>
+        <p:cNvPr id="1" name=""/>
+        <p:cNvGrpSpPr/>
+        <p:nvPr/>
+      </p:nvGrpSpPr>
+      <p:grpSpPr>
+        <a:xfrm>
+          <a:off x="0" y="0"/>
+          <a:ext cx="0" cy="0"/>
+          <a:chOff x="0" y="0"/>
+          <a:chExt cx="0" cy="0"/>
+        </a:xfrm>
+      </p:grpSpPr>
+      <p:sp>
+        <p:nvSpPr>
+          <p:cNvPr id="4" name="Slide Number Placeholder 3"/>
+          <p:cNvSpPr>
+            <a:spLocks noGrp="1"/>
+          </p:cNvSpPr>
+          <p:nvPr>
+            <p:ph type="sldNum" sz="quarter" idx="12"/>
+          </p:nvPr>
+        </p:nvSpPr>
+        <p:spPr/>
+        <p:txBody>
+          <a:bodyPr/>
+          <a:lstStyle/>
+          <a:p>
+            <a:fld id="{10038807-1F43-C242-97ED-819D14105488}" type="slidenum">
+              <a:rPr lang="en-US" smtClean="0">
+                <a:solidFill>
+                  <a:schemeClr val="tx1"/>
+                </a:solidFill>
+              </a:rPr>
+              <a:t>2</a:t>
+            </a:fld>
+            <a:endParaRPr lang="en-US" dirty="0">
+              <a:solidFill>
+                <a:schemeClr val="tx1"/>
+              </a:solidFill>
+            </a:endParaRPr>
+          </a:p>
+        </p:txBody>
+      </p:sp>
+      <p:graphicFrame>
+        <p:nvGraphicFramePr>
+          <p:cNvPr id="5" name="Diagram 4"/>
+          <p:cNvGraphicFramePr/>
+          <p:nvPr>
+            <p:extLst>
+              <p:ext uri="{D42A27DB-BD31-4B8C-83A1-F6EECF244321}">
+                <p14:modId xmlns:p14="http://schemas.microsoft.com/office/powerpoint/2010/main" val="464208637"/>
+              </p:ext>
+            </p:extLst>
+          </p:nvPr>
+        </p:nvGraphicFramePr>
+        <p:xfrm>
+          <a:off x="1771650" y="1028701"/>
+          <a:ext cx="5943600" cy="4235450"/>
+        </p:xfrm>
+        <a:graphic>
+          <a:graphicData uri="http://schemas.openxmlformats.org/drawingml/2006/diagram">
+            <dgm:relIds xmlns:dgm="http://schemas.openxmlformats.org/drawingml/2006/diagram" xmlns:r="http://schemas.openxmlformats.org/officeDocument/2006/relationships" r:dm="rId2" r:lo="rId3" r:qs="rId4" r:cs="rId5"/>
+          </a:graphicData>
+        </a:graphic>
+      </p:graphicFrame>
+      <p:sp>
+        <p:nvSpPr>
+          <p:cNvPr id="6" name="Date Placeholder 1">
+            <a:extLst>
+              <a:ext uri="{FF2B5EF4-FFF2-40B4-BE49-F238E27FC236}">
+                <a16:creationId xmlns:a16="http://schemas.microsoft.com/office/drawing/2014/main" id="{692AD37A-9EC1-4F6F-9640-352DD1C6BD89}"/>
+              </a:ext>
+            </a:extLst>
+          </p:cNvPr>
+          <p:cNvSpPr>
+            <a:spLocks noGrp="1"/>
+          </p:cNvSpPr>
+          <p:nvPr>
+            <p:ph type="dt" sz="half" idx="10"/>
+          </p:nvPr>
+        </p:nvSpPr>
+        <p:spPr>
+          <a:xfrm>
+            <a:off x="628650" y="6356351"/>
+            <a:ext cx="2057400" cy="365125"/>
+          </a:xfrm>
+        </p:spPr>
+        <p:txBody>
+          <a:bodyPr/>
+          <a:lstStyle/>
+          <a:p>
+            <a:r>
+              <a:rPr lang="en-US" dirty="0"/>
+              <a:t>8/6/2019</a:t>
+            </a:r>
+          </a:p>
+        </p:txBody>
+      </p:sp>
+    </p:spTree>
+    <p:extLst>
+      <p:ext uri="{BB962C8B-B14F-4D97-AF65-F5344CB8AC3E}">
+        <p14:creationId xmlns:p14="http://schemas.microsoft.com/office/powerpoint/2010/main" val="3405449710"/>
+      </p:ext>
+    </p:extLst>
+  </p:cSld>
+  <p:clrMapOvr>
+    <a:masterClrMapping/>
+  </p:clrMapOvr>
+</p:sld>
+</file>
+
+<file path=ppt/slides/slide20.xml><?xml version="1.0" encoding="utf-8"?>
 <p:sld xmlns:a="http://schemas.openxmlformats.org/drawingml/2006/main" xmlns:r="http://schemas.openxmlformats.org/officeDocument/2006/relationships" xmlns:p="http://schemas.openxmlformats.org/presentationml/2006/main">
   <p:cSld>
     <p:spTree>

--- a/wind_solar_time_series_analysis/Wind_Solar_Energy_Modeling_Analysis.pptx
+++ b/wind_solar_time_series_analysis/Wind_Solar_Energy_Modeling_Analysis.pptx
@@ -5,29 +5,28 @@
     <p:sldMasterId id="2147483660" r:id="rId1"/>
   </p:sldMasterIdLst>
   <p:notesMasterIdLst>
-    <p:notesMasterId r:id="rId22"/>
+    <p:notesMasterId r:id="rId21"/>
   </p:notesMasterIdLst>
   <p:sldIdLst>
     <p:sldId id="326" r:id="rId2"/>
     <p:sldId id="290" r:id="rId3"/>
-    <p:sldId id="338" r:id="rId4"/>
-    <p:sldId id="325" r:id="rId5"/>
-    <p:sldId id="343" r:id="rId6"/>
-    <p:sldId id="344" r:id="rId7"/>
-    <p:sldId id="345" r:id="rId8"/>
-    <p:sldId id="346" r:id="rId9"/>
-    <p:sldId id="331" r:id="rId10"/>
-    <p:sldId id="332" r:id="rId11"/>
-    <p:sldId id="333" r:id="rId12"/>
-    <p:sldId id="341" r:id="rId13"/>
-    <p:sldId id="339" r:id="rId14"/>
-    <p:sldId id="351" r:id="rId15"/>
-    <p:sldId id="350" r:id="rId16"/>
-    <p:sldId id="348" r:id="rId17"/>
-    <p:sldId id="334" r:id="rId18"/>
-    <p:sldId id="340" r:id="rId19"/>
-    <p:sldId id="279" r:id="rId20"/>
-    <p:sldId id="280" r:id="rId21"/>
+    <p:sldId id="325" r:id="rId4"/>
+    <p:sldId id="343" r:id="rId5"/>
+    <p:sldId id="344" r:id="rId6"/>
+    <p:sldId id="345" r:id="rId7"/>
+    <p:sldId id="346" r:id="rId8"/>
+    <p:sldId id="331" r:id="rId9"/>
+    <p:sldId id="332" r:id="rId10"/>
+    <p:sldId id="333" r:id="rId11"/>
+    <p:sldId id="341" r:id="rId12"/>
+    <p:sldId id="339" r:id="rId13"/>
+    <p:sldId id="351" r:id="rId14"/>
+    <p:sldId id="350" r:id="rId15"/>
+    <p:sldId id="348" r:id="rId16"/>
+    <p:sldId id="352" r:id="rId17"/>
+    <p:sldId id="340" r:id="rId18"/>
+    <p:sldId id="279" r:id="rId19"/>
+    <p:sldId id="280" r:id="rId20"/>
   </p:sldIdLst>
   <p:sldSz cx="9144000" cy="6858000" type="screen4x3"/>
   <p:notesSz cx="6858000" cy="9144000"/>
@@ -8715,7 +8714,7 @@
           <a:p>
             <a:fld id="{CA543562-D6DA-4F27-BC22-6D6509F6FC14}" type="datetimeFigureOut">
               <a:rPr lang="en-US" smtClean="0"/>
-              <a:t>8/6/2019</a:t>
+              <a:t>8/7/2019</a:t>
             </a:fld>
             <a:endParaRPr lang="en-US"/>
           </a:p>
@@ -9052,7 +9051,7 @@
           <a:p>
             <a:fld id="{11472842-1580-4E2C-A4E0-1474F4390AED}" type="slidenum">
               <a:rPr lang="en-US" smtClean="0"/>
-              <a:t>19</a:t>
+              <a:t>18</a:t>
             </a:fld>
             <a:endParaRPr lang="en-US" dirty="0"/>
           </a:p>
@@ -9141,7 +9140,7 @@
           <a:p>
             <a:fld id="{11472842-1580-4E2C-A4E0-1474F4390AED}" type="slidenum">
               <a:rPr lang="en-US" smtClean="0"/>
-              <a:t>20</a:t>
+              <a:t>19</a:t>
             </a:fld>
             <a:endParaRPr lang="en-US" dirty="0"/>
           </a:p>
@@ -12348,668 +12347,6 @@
           </a:p>
         </p:txBody>
       </p:sp>
-      <p:pic>
-        <p:nvPicPr>
-          <p:cNvPr id="9" name="Picture 8">
-            <a:extLst>
-              <a:ext uri="{FF2B5EF4-FFF2-40B4-BE49-F238E27FC236}">
-                <a16:creationId xmlns:a16="http://schemas.microsoft.com/office/drawing/2014/main" id="{083E2912-5E65-4725-8A4A-D5CB0C7EC27F}"/>
-              </a:ext>
-            </a:extLst>
-          </p:cNvPr>
-          <p:cNvPicPr>
-            <a:picLocks noChangeAspect="1"/>
-          </p:cNvPicPr>
-          <p:nvPr/>
-        </p:nvPicPr>
-        <p:blipFill>
-          <a:blip r:embed="rId2"/>
-          <a:stretch>
-            <a:fillRect/>
-          </a:stretch>
-        </p:blipFill>
-        <p:spPr>
-          <a:xfrm>
-            <a:off x="0" y="744745"/>
-            <a:ext cx="4480560" cy="2524358"/>
-          </a:xfrm>
-          <a:prstGeom prst="rect">
-            <a:avLst/>
-          </a:prstGeom>
-        </p:spPr>
-      </p:pic>
-      <p:pic>
-        <p:nvPicPr>
-          <p:cNvPr id="10" name="Picture 9">
-            <a:extLst>
-              <a:ext uri="{FF2B5EF4-FFF2-40B4-BE49-F238E27FC236}">
-                <a16:creationId xmlns:a16="http://schemas.microsoft.com/office/drawing/2014/main" id="{521924C2-9CD1-45D8-886D-C297BC6FF8F5}"/>
-              </a:ext>
-            </a:extLst>
-          </p:cNvPr>
-          <p:cNvPicPr>
-            <a:picLocks noChangeAspect="1"/>
-          </p:cNvPicPr>
-          <p:nvPr/>
-        </p:nvPicPr>
-        <p:blipFill>
-          <a:blip r:embed="rId3"/>
-          <a:stretch>
-            <a:fillRect/>
-          </a:stretch>
-        </p:blipFill>
-        <p:spPr>
-          <a:xfrm>
-            <a:off x="0" y="3831992"/>
-            <a:ext cx="4480560" cy="2524359"/>
-          </a:xfrm>
-          <a:prstGeom prst="rect">
-            <a:avLst/>
-          </a:prstGeom>
-        </p:spPr>
-      </p:pic>
-      <p:pic>
-        <p:nvPicPr>
-          <p:cNvPr id="11" name="Picture 10">
-            <a:extLst>
-              <a:ext uri="{FF2B5EF4-FFF2-40B4-BE49-F238E27FC236}">
-                <a16:creationId xmlns:a16="http://schemas.microsoft.com/office/drawing/2014/main" id="{48588986-E906-4136-B54B-603A5CAB1915}"/>
-              </a:ext>
-            </a:extLst>
-          </p:cNvPr>
-          <p:cNvPicPr>
-            <a:picLocks noChangeAspect="1"/>
-          </p:cNvPicPr>
-          <p:nvPr/>
-        </p:nvPicPr>
-        <p:blipFill>
-          <a:blip r:embed="rId4"/>
-          <a:stretch>
-            <a:fillRect/>
-          </a:stretch>
-        </p:blipFill>
-        <p:spPr>
-          <a:xfrm>
-            <a:off x="4663440" y="751754"/>
-            <a:ext cx="4480560" cy="2524359"/>
-          </a:xfrm>
-          <a:prstGeom prst="rect">
-            <a:avLst/>
-          </a:prstGeom>
-        </p:spPr>
-      </p:pic>
-      <p:pic>
-        <p:nvPicPr>
-          <p:cNvPr id="12" name="Picture 11">
-            <a:extLst>
-              <a:ext uri="{FF2B5EF4-FFF2-40B4-BE49-F238E27FC236}">
-                <a16:creationId xmlns:a16="http://schemas.microsoft.com/office/drawing/2014/main" id="{9C55AAD8-C817-47CE-BA77-721778A253C0}"/>
-              </a:ext>
-            </a:extLst>
-          </p:cNvPr>
-          <p:cNvPicPr>
-            <a:picLocks noChangeAspect="1"/>
-          </p:cNvPicPr>
-          <p:nvPr/>
-        </p:nvPicPr>
-        <p:blipFill>
-          <a:blip r:embed="rId5"/>
-          <a:stretch>
-            <a:fillRect/>
-          </a:stretch>
-        </p:blipFill>
-        <p:spPr>
-          <a:xfrm>
-            <a:off x="4663440" y="3831992"/>
-            <a:ext cx="4480560" cy="2524359"/>
-          </a:xfrm>
-          <a:prstGeom prst="rect">
-            <a:avLst/>
-          </a:prstGeom>
-        </p:spPr>
-      </p:pic>
-      <p:sp>
-        <p:nvSpPr>
-          <p:cNvPr id="15" name="Rectangle 14">
-            <a:extLst>
-              <a:ext uri="{FF2B5EF4-FFF2-40B4-BE49-F238E27FC236}">
-                <a16:creationId xmlns:a16="http://schemas.microsoft.com/office/drawing/2014/main" id="{88454873-0E08-4851-BC5F-5482392BA648}"/>
-              </a:ext>
-            </a:extLst>
-          </p:cNvPr>
-          <p:cNvSpPr/>
-          <p:nvPr/>
-        </p:nvSpPr>
-        <p:spPr>
-          <a:xfrm>
-            <a:off x="1622490" y="462704"/>
-            <a:ext cx="5901613" cy="369332"/>
-          </a:xfrm>
-          <a:prstGeom prst="rect">
-            <a:avLst/>
-          </a:prstGeom>
-        </p:spPr>
-        <p:txBody>
-          <a:bodyPr wrap="square">
-            <a:spAutoFit/>
-          </a:bodyPr>
-          <a:lstStyle/>
-          <a:p>
-            <a:pPr algn="ctr"/>
-            <a:r>
-              <a:rPr lang="en-US" dirty="0"/>
-              <a:t>Probability density distribution of wind power </a:t>
-            </a:r>
-          </a:p>
-        </p:txBody>
-      </p:sp>
-      <mc:AlternateContent xmlns:mc="http://schemas.openxmlformats.org/markup-compatibility/2006" xmlns:a14="http://schemas.microsoft.com/office/drawing/2010/main">
-        <mc:Choice Requires="a14">
-          <p:sp>
-            <p:nvSpPr>
-              <p:cNvPr id="14" name="TextBox 13">
-                <a:extLst>
-                  <a:ext uri="{FF2B5EF4-FFF2-40B4-BE49-F238E27FC236}">
-                    <a16:creationId xmlns:a16="http://schemas.microsoft.com/office/drawing/2014/main" id="{D75B130C-55D6-4493-92CD-0738B2B05AD0}"/>
-                  </a:ext>
-                </a:extLst>
-              </p:cNvPr>
-              <p:cNvSpPr txBox="1"/>
-              <p:nvPr/>
-            </p:nvSpPr>
-            <p:spPr>
-              <a:xfrm>
-                <a:off x="6457950" y="3224607"/>
-                <a:ext cx="1478679" cy="576183"/>
-              </a:xfrm>
-              <a:prstGeom prst="rect">
-                <a:avLst/>
-              </a:prstGeom>
-            </p:spPr>
-            <p:style>
-              <a:lnRef idx="2">
-                <a:schemeClr val="accent1"/>
-              </a:lnRef>
-              <a:fillRef idx="1">
-                <a:schemeClr val="lt1"/>
-              </a:fillRef>
-              <a:effectRef idx="0">
-                <a:schemeClr val="accent1"/>
-              </a:effectRef>
-              <a:fontRef idx="minor">
-                <a:schemeClr val="dk1"/>
-              </a:fontRef>
-            </p:style>
-            <p:txBody>
-              <a:bodyPr wrap="square" lIns="0" tIns="0" rIns="0" bIns="0" rtlCol="0">
-                <a:spAutoFit/>
-              </a:bodyPr>
-              <a:lstStyle/>
-              <a:p>
-                <a:pPr/>
-                <a14:m>
-                  <m:oMathPara xmlns:m="http://schemas.openxmlformats.org/officeDocument/2006/math">
-                    <m:oMathParaPr>
-                      <m:jc m:val="centerGroup"/>
-                    </m:oMathParaPr>
-                    <m:oMath xmlns:m="http://schemas.openxmlformats.org/officeDocument/2006/math">
-                      <m:r>
-                        <a:rPr lang="en-US" sz="2000" b="0" i="1" smtClean="0">
-                          <a:solidFill>
-                            <a:sysClr val="windowText" lastClr="000000"/>
-                          </a:solidFill>
-                          <a:latin typeface="Cambria Math" panose="02040503050406030204" pitchFamily="18" charset="0"/>
-                        </a:rPr>
-                        <m:t>𝑃𝑤</m:t>
-                      </m:r>
-                      <m:r>
-                        <a:rPr lang="en-US" sz="2000" b="0" i="1" smtClean="0">
-                          <a:solidFill>
-                            <a:sysClr val="windowText" lastClr="000000"/>
-                          </a:solidFill>
-                          <a:latin typeface="Cambria Math" panose="02040503050406030204" pitchFamily="18" charset="0"/>
-                        </a:rPr>
-                        <m:t>=</m:t>
-                      </m:r>
-                      <m:f>
-                        <m:fPr>
-                          <m:ctrlPr>
-                            <a:rPr lang="en-US" sz="2000" b="0" i="1" smtClean="0">
-                              <a:solidFill>
-                                <a:sysClr val="windowText" lastClr="000000"/>
-                              </a:solidFill>
-                              <a:latin typeface="Cambria Math" panose="02040503050406030204" pitchFamily="18" charset="0"/>
-                            </a:rPr>
-                          </m:ctrlPr>
-                        </m:fPr>
-                        <m:num>
-                          <m:r>
-                            <a:rPr lang="en-US" sz="2000" b="0" i="1" smtClean="0">
-                              <a:solidFill>
-                                <a:sysClr val="windowText" lastClr="000000"/>
-                              </a:solidFill>
-                              <a:latin typeface="Cambria Math" panose="02040503050406030204" pitchFamily="18" charset="0"/>
-                            </a:rPr>
-                            <m:t>1</m:t>
-                          </m:r>
-                        </m:num>
-                        <m:den>
-                          <m:r>
-                            <a:rPr lang="en-US" sz="2000" b="0" i="1" smtClean="0">
-                              <a:solidFill>
-                                <a:sysClr val="windowText" lastClr="000000"/>
-                              </a:solidFill>
-                              <a:latin typeface="Cambria Math" panose="02040503050406030204" pitchFamily="18" charset="0"/>
-                            </a:rPr>
-                            <m:t>2</m:t>
-                          </m:r>
-                        </m:den>
-                      </m:f>
-                      <m:r>
-                        <a:rPr lang="en-US" sz="2000" b="0" i="1" smtClean="0">
-                          <a:solidFill>
-                            <a:sysClr val="windowText" lastClr="000000"/>
-                          </a:solidFill>
-                          <a:latin typeface="Cambria Math" panose="02040503050406030204" pitchFamily="18" charset="0"/>
-                          <a:ea typeface="Cambria Math" panose="02040503050406030204" pitchFamily="18" charset="0"/>
-                        </a:rPr>
-                        <m:t>𝜌</m:t>
-                      </m:r>
-                      <m:r>
-                        <a:rPr lang="en-US" sz="2000" b="0" i="1" smtClean="0">
-                          <a:solidFill>
-                            <a:sysClr val="windowText" lastClr="000000"/>
-                          </a:solidFill>
-                          <a:latin typeface="Cambria Math" panose="02040503050406030204" pitchFamily="18" charset="0"/>
-                        </a:rPr>
-                        <m:t>𝐴</m:t>
-                      </m:r>
-                      <m:sSup>
-                        <m:sSupPr>
-                          <m:ctrlPr>
-                            <a:rPr lang="en-US" sz="2000" i="1" smtClean="0">
-                              <a:solidFill>
-                                <a:sysClr val="windowText" lastClr="000000"/>
-                              </a:solidFill>
-                              <a:latin typeface="Cambria Math" panose="02040503050406030204" pitchFamily="18" charset="0"/>
-                            </a:rPr>
-                          </m:ctrlPr>
-                        </m:sSupPr>
-                        <m:e>
-                          <m:r>
-                            <a:rPr lang="en-US" sz="2000" b="0" i="1" smtClean="0">
-                              <a:solidFill>
-                                <a:sysClr val="windowText" lastClr="000000"/>
-                              </a:solidFill>
-                              <a:latin typeface="Cambria Math" panose="02040503050406030204" pitchFamily="18" charset="0"/>
-                            </a:rPr>
-                            <m:t>𝑣</m:t>
-                          </m:r>
-                        </m:e>
-                        <m:sup>
-                          <m:r>
-                            <a:rPr lang="en-US" sz="2000" b="0" i="1" smtClean="0">
-                              <a:solidFill>
-                                <a:sysClr val="windowText" lastClr="000000"/>
-                              </a:solidFill>
-                              <a:latin typeface="Cambria Math" panose="02040503050406030204" pitchFamily="18" charset="0"/>
-                            </a:rPr>
-                            <m:t>3</m:t>
-                          </m:r>
-                        </m:sup>
-                      </m:sSup>
-                    </m:oMath>
-                  </m:oMathPara>
-                </a14:m>
-                <a:endParaRPr lang="en-US" sz="2000" dirty="0">
-                  <a:solidFill>
-                    <a:sysClr val="windowText" lastClr="000000"/>
-                  </a:solidFill>
-                </a:endParaRPr>
-              </a:p>
-            </p:txBody>
-          </p:sp>
-        </mc:Choice>
-        <mc:Fallback xmlns="">
-          <p:sp>
-            <p:nvSpPr>
-              <p:cNvPr id="14" name="TextBox 13">
-                <a:extLst>
-                  <a:ext uri="{FF2B5EF4-FFF2-40B4-BE49-F238E27FC236}">
-                    <a16:creationId xmlns:a16="http://schemas.microsoft.com/office/drawing/2014/main" id="{D75B130C-55D6-4493-92CD-0738B2B05AD0}"/>
-                  </a:ext>
-                </a:extLst>
-              </p:cNvPr>
-              <p:cNvSpPr txBox="1">
-                <a:spLocks noRot="1" noChangeAspect="1" noMove="1" noResize="1" noEditPoints="1" noAdjustHandles="1" noChangeArrowheads="1" noChangeShapeType="1" noTextEdit="1"/>
-              </p:cNvSpPr>
-              <p:nvPr/>
-            </p:nvSpPr>
-            <p:spPr>
-              <a:xfrm>
-                <a:off x="6457950" y="3224607"/>
-                <a:ext cx="1478679" cy="576183"/>
-              </a:xfrm>
-              <a:prstGeom prst="rect">
-                <a:avLst/>
-              </a:prstGeom>
-              <a:blipFill>
-                <a:blip r:embed="rId6"/>
-                <a:stretch>
-                  <a:fillRect/>
-                </a:stretch>
-              </a:blipFill>
-            </p:spPr>
-            <p:txBody>
-              <a:bodyPr/>
-              <a:lstStyle/>
-              <a:p>
-                <a:r>
-                  <a:rPr lang="en-US">
-                    <a:noFill/>
-                  </a:rPr>
-                  <a:t> </a:t>
-                </a:r>
-              </a:p>
-            </p:txBody>
-          </p:sp>
-        </mc:Fallback>
-      </mc:AlternateContent>
-      <p:sp>
-        <p:nvSpPr>
-          <p:cNvPr id="16" name="Rectangle 15">
-            <a:extLst>
-              <a:ext uri="{FF2B5EF4-FFF2-40B4-BE49-F238E27FC236}">
-                <a16:creationId xmlns:a16="http://schemas.microsoft.com/office/drawing/2014/main" id="{CBB407A2-5605-461E-8DED-644CB9BEE7B5}"/>
-              </a:ext>
-            </a:extLst>
-          </p:cNvPr>
-          <p:cNvSpPr/>
-          <p:nvPr/>
-        </p:nvSpPr>
-        <p:spPr>
-          <a:xfrm>
-            <a:off x="1359211" y="3224607"/>
-            <a:ext cx="5046253" cy="646331"/>
-          </a:xfrm>
-          <a:prstGeom prst="rect">
-            <a:avLst/>
-          </a:prstGeom>
-        </p:spPr>
-        <p:txBody>
-          <a:bodyPr wrap="square">
-            <a:spAutoFit/>
-          </a:bodyPr>
-          <a:lstStyle/>
-          <a:p>
-            <a:r>
-              <a:rPr lang="en-US" dirty="0"/>
-              <a:t>Considering other parameters such as air pressure, temperature and density at the given height=100m </a:t>
-            </a:r>
-          </a:p>
-        </p:txBody>
-      </p:sp>
-      <p:sp>
-        <p:nvSpPr>
-          <p:cNvPr id="18" name="Rectangle 17">
-            <a:extLst>
-              <a:ext uri="{FF2B5EF4-FFF2-40B4-BE49-F238E27FC236}">
-                <a16:creationId xmlns:a16="http://schemas.microsoft.com/office/drawing/2014/main" id="{C5B8727E-659D-4B3F-A143-CCBF8188B923}"/>
-              </a:ext>
-            </a:extLst>
-          </p:cNvPr>
-          <p:cNvSpPr/>
-          <p:nvPr/>
-        </p:nvSpPr>
-        <p:spPr>
-          <a:xfrm>
-            <a:off x="2969815" y="88599"/>
-            <a:ext cx="3374898" cy="369332"/>
-          </a:xfrm>
-          <a:prstGeom prst="rect">
-            <a:avLst/>
-          </a:prstGeom>
-        </p:spPr>
-        <p:txBody>
-          <a:bodyPr wrap="none">
-            <a:spAutoFit/>
-          </a:bodyPr>
-          <a:lstStyle/>
-          <a:p>
-            <a:r>
-              <a:rPr lang="en-US" b="1" dirty="0"/>
-              <a:t>Wind Energy Resources Modeling</a:t>
-            </a:r>
-          </a:p>
-        </p:txBody>
-      </p:sp>
-    </p:spTree>
-    <p:extLst>
-      <p:ext uri="{BB962C8B-B14F-4D97-AF65-F5344CB8AC3E}">
-        <p14:creationId xmlns:p14="http://schemas.microsoft.com/office/powerpoint/2010/main" val="1543804401"/>
-      </p:ext>
-    </p:extLst>
-  </p:cSld>
-  <p:clrMapOvr>
-    <a:masterClrMapping/>
-  </p:clrMapOvr>
-</p:sld>
-</file>
-
-<file path=ppt/slides/slide11.xml><?xml version="1.0" encoding="utf-8"?>
-<p:sld xmlns:a="http://schemas.openxmlformats.org/drawingml/2006/main" xmlns:r="http://schemas.openxmlformats.org/officeDocument/2006/relationships" xmlns:p="http://schemas.openxmlformats.org/presentationml/2006/main">
-  <p:cSld>
-    <p:spTree>
-      <p:nvGrpSpPr>
-        <p:cNvPr id="1" name=""/>
-        <p:cNvGrpSpPr/>
-        <p:nvPr/>
-      </p:nvGrpSpPr>
-      <p:grpSpPr>
-        <a:xfrm>
-          <a:off x="0" y="0"/>
-          <a:ext cx="0" cy="0"/>
-          <a:chOff x="0" y="0"/>
-          <a:chExt cx="0" cy="0"/>
-        </a:xfrm>
-      </p:grpSpPr>
-      <p:sp>
-        <p:nvSpPr>
-          <p:cNvPr id="5" name="TextBox 4">
-            <a:extLst>
-              <a:ext uri="{FF2B5EF4-FFF2-40B4-BE49-F238E27FC236}">
-                <a16:creationId xmlns:a16="http://schemas.microsoft.com/office/drawing/2014/main" id="{B4E0BA46-F2AB-4FF3-8521-235972F3EE53}"/>
-              </a:ext>
-            </a:extLst>
-          </p:cNvPr>
-          <p:cNvSpPr txBox="1"/>
-          <p:nvPr/>
-        </p:nvSpPr>
-        <p:spPr>
-          <a:xfrm>
-            <a:off x="9081" y="414358"/>
-            <a:ext cx="1442061" cy="369332"/>
-          </a:xfrm>
-          <a:prstGeom prst="rect">
-            <a:avLst/>
-          </a:prstGeom>
-          <a:noFill/>
-        </p:spPr>
-        <p:txBody>
-          <a:bodyPr wrap="none" rtlCol="0">
-            <a:spAutoFit/>
-          </a:bodyPr>
-          <a:lstStyle/>
-          <a:p>
-            <a:r>
-              <a:rPr lang="en-US" dirty="0"/>
-              <a:t>Charlotte, NC</a:t>
-            </a:r>
-          </a:p>
-        </p:txBody>
-      </p:sp>
-      <p:sp>
-        <p:nvSpPr>
-          <p:cNvPr id="2" name="Date Placeholder 1">
-            <a:extLst>
-              <a:ext uri="{FF2B5EF4-FFF2-40B4-BE49-F238E27FC236}">
-                <a16:creationId xmlns:a16="http://schemas.microsoft.com/office/drawing/2014/main" id="{E5C7501F-05AD-4696-A094-872D500C6BEE}"/>
-              </a:ext>
-            </a:extLst>
-          </p:cNvPr>
-          <p:cNvSpPr>
-            <a:spLocks noGrp="1"/>
-          </p:cNvSpPr>
-          <p:nvPr>
-            <p:ph type="dt" sz="half" idx="10"/>
-          </p:nvPr>
-        </p:nvSpPr>
-        <p:spPr/>
-        <p:txBody>
-          <a:bodyPr/>
-          <a:lstStyle/>
-          <a:p>
-            <a:r>
-              <a:rPr lang="en-US"/>
-              <a:t>8/6/2019</a:t>
-            </a:r>
-          </a:p>
-        </p:txBody>
-      </p:sp>
-      <p:sp>
-        <p:nvSpPr>
-          <p:cNvPr id="4" name="Slide Number Placeholder 3">
-            <a:extLst>
-              <a:ext uri="{FF2B5EF4-FFF2-40B4-BE49-F238E27FC236}">
-                <a16:creationId xmlns:a16="http://schemas.microsoft.com/office/drawing/2014/main" id="{025CB2AE-DF2C-4873-8659-B4DBC48FA091}"/>
-              </a:ext>
-            </a:extLst>
-          </p:cNvPr>
-          <p:cNvSpPr>
-            <a:spLocks noGrp="1"/>
-          </p:cNvSpPr>
-          <p:nvPr>
-            <p:ph type="sldNum" sz="quarter" idx="12"/>
-          </p:nvPr>
-        </p:nvSpPr>
-        <p:spPr/>
-        <p:txBody>
-          <a:bodyPr/>
-          <a:lstStyle/>
-          <a:p>
-            <a:fld id="{564B1479-74DF-4380-85F6-AB0A2FFC7165}" type="slidenum">
-              <a:rPr lang="en-US" smtClean="0"/>
-              <a:t>11</a:t>
-            </a:fld>
-            <a:endParaRPr lang="en-US"/>
-          </a:p>
-        </p:txBody>
-      </p:sp>
-      <p:sp>
-        <p:nvSpPr>
-          <p:cNvPr id="6" name="TextBox 5">
-            <a:extLst>
-              <a:ext uri="{FF2B5EF4-FFF2-40B4-BE49-F238E27FC236}">
-                <a16:creationId xmlns:a16="http://schemas.microsoft.com/office/drawing/2014/main" id="{E112157D-BCF0-4D0F-A7E0-DFEF5BE70AD6}"/>
-              </a:ext>
-            </a:extLst>
-          </p:cNvPr>
-          <p:cNvSpPr txBox="1"/>
-          <p:nvPr/>
-        </p:nvSpPr>
-        <p:spPr>
-          <a:xfrm>
-            <a:off x="7854554" y="414358"/>
-            <a:ext cx="1277914" cy="369332"/>
-          </a:xfrm>
-          <a:prstGeom prst="rect">
-            <a:avLst/>
-          </a:prstGeom>
-          <a:noFill/>
-        </p:spPr>
-        <p:txBody>
-          <a:bodyPr wrap="none" rtlCol="0">
-            <a:spAutoFit/>
-          </a:bodyPr>
-          <a:lstStyle/>
-          <a:p>
-            <a:r>
-              <a:rPr lang="en-US" dirty="0"/>
-              <a:t>Boston, MA</a:t>
-            </a:r>
-          </a:p>
-        </p:txBody>
-      </p:sp>
-      <p:sp>
-        <p:nvSpPr>
-          <p:cNvPr id="7" name="TextBox 6">
-            <a:extLst>
-              <a:ext uri="{FF2B5EF4-FFF2-40B4-BE49-F238E27FC236}">
-                <a16:creationId xmlns:a16="http://schemas.microsoft.com/office/drawing/2014/main" id="{E40C0CC0-7365-4486-8B1B-25B557616A28}"/>
-              </a:ext>
-            </a:extLst>
-          </p:cNvPr>
-          <p:cNvSpPr txBox="1"/>
-          <p:nvPr/>
-        </p:nvSpPr>
-        <p:spPr>
-          <a:xfrm>
-            <a:off x="17742" y="3501606"/>
-            <a:ext cx="1288110" cy="369332"/>
-          </a:xfrm>
-          <a:prstGeom prst="rect">
-            <a:avLst/>
-          </a:prstGeom>
-          <a:noFill/>
-        </p:spPr>
-        <p:txBody>
-          <a:bodyPr wrap="none" rtlCol="0">
-            <a:spAutoFit/>
-          </a:bodyPr>
-          <a:lstStyle/>
-          <a:p>
-            <a:r>
-              <a:rPr lang="en-US" dirty="0"/>
-              <a:t>Boulder, CO</a:t>
-            </a:r>
-          </a:p>
-        </p:txBody>
-      </p:sp>
-      <p:sp>
-        <p:nvSpPr>
-          <p:cNvPr id="8" name="TextBox 7">
-            <a:extLst>
-              <a:ext uri="{FF2B5EF4-FFF2-40B4-BE49-F238E27FC236}">
-                <a16:creationId xmlns:a16="http://schemas.microsoft.com/office/drawing/2014/main" id="{3AF726A4-22D6-45EF-8FCD-2DFD023ADE74}"/>
-              </a:ext>
-            </a:extLst>
-          </p:cNvPr>
-          <p:cNvSpPr txBox="1"/>
-          <p:nvPr/>
-        </p:nvSpPr>
-        <p:spPr>
-          <a:xfrm>
-            <a:off x="7951851" y="3501606"/>
-            <a:ext cx="1186672" cy="369332"/>
-          </a:xfrm>
-          <a:prstGeom prst="rect">
-            <a:avLst/>
-          </a:prstGeom>
-          <a:noFill/>
-        </p:spPr>
-        <p:txBody>
-          <a:bodyPr wrap="none" rtlCol="0">
-            <a:spAutoFit/>
-          </a:bodyPr>
-          <a:lstStyle/>
-          <a:p>
-            <a:r>
-              <a:rPr lang="en-US" dirty="0"/>
-              <a:t>Tucson, AZ</a:t>
-            </a:r>
-          </a:p>
-        </p:txBody>
-      </p:sp>
       <p:graphicFrame>
         <p:nvGraphicFramePr>
           <p:cNvPr id="12" name="Table 11">
@@ -23077,7 +22414,7 @@
 </p:sld>
 </file>
 
-<file path=ppt/slides/slide12.xml><?xml version="1.0" encoding="utf-8"?>
+<file path=ppt/slides/slide11.xml><?xml version="1.0" encoding="utf-8"?>
 <p:sld xmlns:a="http://schemas.openxmlformats.org/drawingml/2006/main" xmlns:r="http://schemas.openxmlformats.org/officeDocument/2006/relationships" xmlns:p="http://schemas.openxmlformats.org/presentationml/2006/main">
   <p:cSld>
     <p:spTree>
@@ -23145,7 +22482,7 @@
           <a:p>
             <a:fld id="{564B1479-74DF-4380-85F6-AB0A2FFC7165}" type="slidenum">
               <a:rPr lang="en-US" smtClean="0"/>
-              <a:t>12</a:t>
+              <a:t>11</a:t>
             </a:fld>
             <a:endParaRPr lang="en-US"/>
           </a:p>
@@ -25677,7 +25014,7 @@
 </p:sld>
 </file>
 
-<file path=ppt/slides/slide13.xml><?xml version="1.0" encoding="utf-8"?>
+<file path=ppt/slides/slide12.xml><?xml version="1.0" encoding="utf-8"?>
 <p:sld xmlns:a="http://schemas.openxmlformats.org/drawingml/2006/main" xmlns:r="http://schemas.openxmlformats.org/officeDocument/2006/relationships" xmlns:p="http://schemas.openxmlformats.org/presentationml/2006/main">
   <p:cSld>
     <p:spTree>
@@ -25745,7 +25082,7 @@
           <a:p>
             <a:fld id="{564B1479-74DF-4380-85F6-AB0A2FFC7165}" type="slidenum">
               <a:rPr lang="en-US" smtClean="0"/>
-              <a:t>13</a:t>
+              <a:t>12</a:t>
             </a:fld>
             <a:endParaRPr lang="en-US"/>
           </a:p>
@@ -26029,7 +25366,7 @@
 </p:sld>
 </file>
 
-<file path=ppt/slides/slide14.xml><?xml version="1.0" encoding="utf-8"?>
+<file path=ppt/slides/slide13.xml><?xml version="1.0" encoding="utf-8"?>
 <p:sld xmlns:a="http://schemas.openxmlformats.org/drawingml/2006/main" xmlns:r="http://schemas.openxmlformats.org/officeDocument/2006/relationships" xmlns:p="http://schemas.openxmlformats.org/presentationml/2006/main">
   <p:cSld>
     <p:spTree>
@@ -26097,7 +25434,7 @@
           <a:p>
             <a:fld id="{564B1479-74DF-4380-85F6-AB0A2FFC7165}" type="slidenum">
               <a:rPr lang="en-US" smtClean="0"/>
-              <a:t>14</a:t>
+              <a:t>13</a:t>
             </a:fld>
             <a:endParaRPr lang="en-US"/>
           </a:p>
@@ -26373,7 +25710,7 @@
 </p:sld>
 </file>
 
-<file path=ppt/slides/slide15.xml><?xml version="1.0" encoding="utf-8"?>
+<file path=ppt/slides/slide14.xml><?xml version="1.0" encoding="utf-8"?>
 <p:sld xmlns:a="http://schemas.openxmlformats.org/drawingml/2006/main" xmlns:r="http://schemas.openxmlformats.org/officeDocument/2006/relationships" xmlns:p="http://schemas.openxmlformats.org/presentationml/2006/main">
   <p:cSld>
     <p:spTree>
@@ -26441,7 +25778,7 @@
           <a:p>
             <a:fld id="{564B1479-74DF-4380-85F6-AB0A2FFC7165}" type="slidenum">
               <a:rPr lang="en-US" smtClean="0"/>
-              <a:t>15</a:t>
+              <a:t>14</a:t>
             </a:fld>
             <a:endParaRPr lang="en-US"/>
           </a:p>
@@ -27346,7 +26683,7 @@
 </p:sld>
 </file>
 
-<file path=ppt/slides/slide16.xml><?xml version="1.0" encoding="utf-8"?>
+<file path=ppt/slides/slide15.xml><?xml version="1.0" encoding="utf-8"?>
 <p:sld xmlns:a="http://schemas.openxmlformats.org/drawingml/2006/main" xmlns:r="http://schemas.openxmlformats.org/officeDocument/2006/relationships" xmlns:p="http://schemas.openxmlformats.org/presentationml/2006/main">
   <p:cSld>
     <p:spTree>
@@ -27414,7 +26751,7 @@
           <a:p>
             <a:fld id="{564B1479-74DF-4380-85F6-AB0A2FFC7165}" type="slidenum">
               <a:rPr lang="en-US" smtClean="0"/>
-              <a:t>16</a:t>
+              <a:t>15</a:t>
             </a:fld>
             <a:endParaRPr lang="en-US"/>
           </a:p>
@@ -27690,7 +27027,7 @@
 </p:sld>
 </file>
 
-<file path=ppt/slides/slide17.xml><?xml version="1.0" encoding="utf-8"?>
+<file path=ppt/slides/slide16.xml><?xml version="1.0" encoding="utf-8"?>
 <p:sld xmlns:a="http://schemas.openxmlformats.org/drawingml/2006/main" xmlns:r="http://schemas.openxmlformats.org/officeDocument/2006/relationships" xmlns:p="http://schemas.openxmlformats.org/presentationml/2006/main">
   <p:cSld>
     <p:spTree>
@@ -27758,7 +27095,7 @@
           <a:p>
             <a:fld id="{564B1479-74DF-4380-85F6-AB0A2FFC7165}" type="slidenum">
               <a:rPr lang="en-US" smtClean="0"/>
-              <a:t>17</a:t>
+              <a:t>16</a:t>
             </a:fld>
             <a:endParaRPr lang="en-US"/>
           </a:p>
@@ -27779,13 +27116,13 @@
           <p:nvPr>
             <p:extLst>
               <p:ext uri="{D42A27DB-BD31-4B8C-83A1-F6EECF244321}">
-                <p14:modId xmlns:p14="http://schemas.microsoft.com/office/powerpoint/2010/main" val="2969555913"/>
+                <p14:modId xmlns:p14="http://schemas.microsoft.com/office/powerpoint/2010/main" val="537247682"/>
               </p:ext>
             </p:extLst>
           </p:nvPr>
         </p:nvGraphicFramePr>
         <p:xfrm>
-          <a:off x="128089" y="1449373"/>
+          <a:off x="99759" y="1263429"/>
           <a:ext cx="8700797" cy="1390650"/>
         </p:xfrm>
         <a:graphic>
@@ -27908,7 +27245,7 @@
                     <a:p>
                       <a:pPr algn="ctr" fontAlgn="ctr"/>
                       <a:r>
-                        <a:rPr lang="en-US" sz="1800" b="1" i="0" u="none" strike="noStrike">
+                        <a:rPr lang="en-US" sz="1800" b="1" i="0" u="none" strike="noStrike" dirty="0" err="1">
                           <a:solidFill>
                             <a:srgbClr val="000000"/>
                           </a:solidFill>
@@ -27917,6 +27254,13 @@
                         </a:rPr>
                         <a:t>Wh</a:t>
                       </a:r>
+                      <a:endParaRPr lang="en-US" sz="1800" b="1" i="0" u="none" strike="noStrike" dirty="0">
+                        <a:solidFill>
+                          <a:srgbClr val="000000"/>
+                        </a:solidFill>
+                        <a:effectLst/>
+                        <a:latin typeface="Calibri" panose="020F0502020204030204" pitchFamily="34" charset="0"/>
+                      </a:endParaRPr>
                     </a:p>
                   </a:txBody>
                   <a:tcPr marL="3810" marR="3810" marT="3810" marB="0" anchor="ctr">
@@ -29802,40 +29146,6 @@
           </a:graphicData>
         </a:graphic>
       </p:graphicFrame>
-      <p:sp>
-        <p:nvSpPr>
-          <p:cNvPr id="14" name="Rectangle 13">
-            <a:extLst>
-              <a:ext uri="{FF2B5EF4-FFF2-40B4-BE49-F238E27FC236}">
-                <a16:creationId xmlns:a16="http://schemas.microsoft.com/office/drawing/2014/main" id="{9727E2CB-B762-40FC-B925-7F904DBAC400}"/>
-              </a:ext>
-            </a:extLst>
-          </p:cNvPr>
-          <p:cNvSpPr/>
-          <p:nvPr/>
-        </p:nvSpPr>
-        <p:spPr>
-          <a:xfrm>
-            <a:off x="2109992" y="537312"/>
-            <a:ext cx="5040291" cy="369332"/>
-          </a:xfrm>
-          <a:prstGeom prst="rect">
-            <a:avLst/>
-          </a:prstGeom>
-        </p:spPr>
-        <p:txBody>
-          <a:bodyPr wrap="none">
-            <a:spAutoFit/>
-          </a:bodyPr>
-          <a:lstStyle/>
-          <a:p>
-            <a:r>
-              <a:rPr lang="en-US" dirty="0"/>
-              <a:t>For 2009 and 2010, as in the wind energy modeling</a:t>
-            </a:r>
-          </a:p>
-        </p:txBody>
-      </p:sp>
       <p:graphicFrame>
         <p:nvGraphicFramePr>
           <p:cNvPr id="15" name="Chart 14">
@@ -29851,13 +29161,13 @@
           <p:nvPr>
             <p:extLst>
               <p:ext uri="{D42A27DB-BD31-4B8C-83A1-F6EECF244321}">
-                <p14:modId xmlns:p14="http://schemas.microsoft.com/office/powerpoint/2010/main" val="563544682"/>
+                <p14:modId xmlns:p14="http://schemas.microsoft.com/office/powerpoint/2010/main" val="1820068928"/>
               </p:ext>
             </p:extLst>
           </p:nvPr>
         </p:nvGraphicFramePr>
         <p:xfrm>
-          <a:off x="99759" y="3497075"/>
+          <a:off x="73770" y="3718069"/>
           <a:ext cx="4472240" cy="2651798"/>
         </p:xfrm>
         <a:graphic>
@@ -29881,13 +29191,13 @@
           <p:nvPr>
             <p:extLst>
               <p:ext uri="{D42A27DB-BD31-4B8C-83A1-F6EECF244321}">
-                <p14:modId xmlns:p14="http://schemas.microsoft.com/office/powerpoint/2010/main" val="3292218821"/>
+                <p14:modId xmlns:p14="http://schemas.microsoft.com/office/powerpoint/2010/main" val="2165250349"/>
               </p:ext>
             </p:extLst>
           </p:nvPr>
         </p:nvGraphicFramePr>
         <p:xfrm>
-          <a:off x="4604657" y="3497075"/>
+          <a:off x="4578668" y="3718069"/>
           <a:ext cx="4472240" cy="2651798"/>
         </p:xfrm>
         <a:graphic>
@@ -29944,7 +29254,7 @@
         </p:nvSpPr>
         <p:spPr>
           <a:xfrm>
-            <a:off x="0" y="936181"/>
+            <a:off x="0" y="846265"/>
             <a:ext cx="4952638" cy="369332"/>
           </a:xfrm>
           <a:prstGeom prst="rect">
@@ -29974,10 +29284,78 @@
           </a:p>
         </p:txBody>
       </p:sp>
+      <p:sp>
+        <p:nvSpPr>
+          <p:cNvPr id="12" name="Rectangle 11">
+            <a:extLst>
+              <a:ext uri="{FF2B5EF4-FFF2-40B4-BE49-F238E27FC236}">
+                <a16:creationId xmlns:a16="http://schemas.microsoft.com/office/drawing/2014/main" id="{34329541-479E-4717-A109-3D6680211DB2}"/>
+              </a:ext>
+            </a:extLst>
+          </p:cNvPr>
+          <p:cNvSpPr/>
+          <p:nvPr/>
+        </p:nvSpPr>
+        <p:spPr>
+          <a:xfrm>
+            <a:off x="25989" y="515913"/>
+            <a:ext cx="8905130" cy="369332"/>
+          </a:xfrm>
+          <a:prstGeom prst="rect">
+            <a:avLst/>
+          </a:prstGeom>
+        </p:spPr>
+        <p:txBody>
+          <a:bodyPr wrap="none">
+            <a:spAutoFit/>
+          </a:bodyPr>
+          <a:lstStyle/>
+          <a:p>
+            <a:r>
+              <a:rPr lang="en-US" dirty="0"/>
+              <a:t>Calculating the total energy and net capacity factor, as it is done in the wind energy modeling</a:t>
+            </a:r>
+          </a:p>
+        </p:txBody>
+      </p:sp>
+      <p:sp>
+        <p:nvSpPr>
+          <p:cNvPr id="13" name="Rectangle 12">
+            <a:extLst>
+              <a:ext uri="{FF2B5EF4-FFF2-40B4-BE49-F238E27FC236}">
+                <a16:creationId xmlns:a16="http://schemas.microsoft.com/office/drawing/2014/main" id="{4BD089FF-7929-43D9-AE36-960C32B93824}"/>
+              </a:ext>
+            </a:extLst>
+          </p:cNvPr>
+          <p:cNvSpPr/>
+          <p:nvPr/>
+        </p:nvSpPr>
+        <p:spPr>
+          <a:xfrm>
+            <a:off x="0" y="2724409"/>
+            <a:ext cx="8402216" cy="923330"/>
+          </a:xfrm>
+          <a:prstGeom prst="rect">
+            <a:avLst/>
+          </a:prstGeom>
+        </p:spPr>
+        <p:txBody>
+          <a:bodyPr wrap="square">
+            <a:spAutoFit/>
+          </a:bodyPr>
+          <a:lstStyle/>
+          <a:p>
+            <a:r>
+              <a:rPr lang="en-US" dirty="0"/>
+              <a:t>Here, to exclude the variability from the PV output, the clear-sky irradiance is used for conversion to the PV AC Power over the entire year. This leads to capture similar PV output for other years as well. </a:t>
+            </a:r>
+          </a:p>
+        </p:txBody>
+      </p:sp>
     </p:spTree>
     <p:extLst>
       <p:ext uri="{BB962C8B-B14F-4D97-AF65-F5344CB8AC3E}">
-        <p14:creationId xmlns:p14="http://schemas.microsoft.com/office/powerpoint/2010/main" val="817340578"/>
+        <p14:creationId xmlns:p14="http://schemas.microsoft.com/office/powerpoint/2010/main" val="2685342943"/>
       </p:ext>
     </p:extLst>
   </p:cSld>
@@ -29987,7 +29365,7 @@
 </p:sld>
 </file>
 
-<file path=ppt/slides/slide18.xml><?xml version="1.0" encoding="utf-8"?>
+<file path=ppt/slides/slide17.xml><?xml version="1.0" encoding="utf-8"?>
 <p:sld xmlns:a="http://schemas.openxmlformats.org/drawingml/2006/main" xmlns:r="http://schemas.openxmlformats.org/officeDocument/2006/relationships" xmlns:p="http://schemas.openxmlformats.org/presentationml/2006/main">
   <p:cSld>
     <p:spTree>
@@ -30055,7 +29433,7 @@
           <a:p>
             <a:fld id="{564B1479-74DF-4380-85F6-AB0A2FFC7165}" type="slidenum">
               <a:rPr lang="en-US" smtClean="0"/>
-              <a:t>18</a:t>
+              <a:t>17</a:t>
             </a:fld>
             <a:endParaRPr lang="en-US"/>
           </a:p>
@@ -30073,13 +29451,7 @@
           <p:cNvGraphicFramePr>
             <a:graphicFrameLocks noGrp="1"/>
           </p:cNvGraphicFramePr>
-          <p:nvPr>
-            <p:extLst>
-              <p:ext uri="{D42A27DB-BD31-4B8C-83A1-F6EECF244321}">
-                <p14:modId xmlns:p14="http://schemas.microsoft.com/office/powerpoint/2010/main" val="3826769231"/>
-              </p:ext>
-            </p:extLst>
-          </p:nvPr>
+          <p:nvPr/>
         </p:nvGraphicFramePr>
         <p:xfrm>
           <a:off x="443205" y="855283"/>
@@ -31178,13 +30550,7 @@
           <p:cNvGraphicFramePr>
             <a:graphicFrameLocks/>
           </p:cNvGraphicFramePr>
-          <p:nvPr>
-            <p:extLst>
-              <p:ext uri="{D42A27DB-BD31-4B8C-83A1-F6EECF244321}">
-                <p14:modId xmlns:p14="http://schemas.microsoft.com/office/powerpoint/2010/main" val="2883242151"/>
-              </p:ext>
-            </p:extLst>
-          </p:nvPr>
+          <p:nvPr/>
         </p:nvGraphicFramePr>
         <p:xfrm>
           <a:off x="4128795" y="685800"/>
@@ -31208,13 +30574,7 @@
           <p:cNvGraphicFramePr>
             <a:graphicFrameLocks/>
           </p:cNvGraphicFramePr>
-          <p:nvPr>
-            <p:extLst>
-              <p:ext uri="{D42A27DB-BD31-4B8C-83A1-F6EECF244321}">
-                <p14:modId xmlns:p14="http://schemas.microsoft.com/office/powerpoint/2010/main" val="3007359175"/>
-              </p:ext>
-            </p:extLst>
-          </p:nvPr>
+          <p:nvPr/>
         </p:nvGraphicFramePr>
         <p:xfrm>
           <a:off x="4171950" y="3521075"/>
@@ -31238,13 +30598,7 @@
           <p:cNvGraphicFramePr>
             <a:graphicFrameLocks noGrp="1"/>
           </p:cNvGraphicFramePr>
-          <p:nvPr>
-            <p:extLst>
-              <p:ext uri="{D42A27DB-BD31-4B8C-83A1-F6EECF244321}">
-                <p14:modId xmlns:p14="http://schemas.microsoft.com/office/powerpoint/2010/main" val="3097774991"/>
-              </p:ext>
-            </p:extLst>
-          </p:nvPr>
+          <p:nvPr/>
         </p:nvGraphicFramePr>
         <p:xfrm>
           <a:off x="443205" y="3685568"/>
@@ -32427,7 +31781,7 @@
 </p:sld>
 </file>
 
-<file path=ppt/slides/slide19.xml><?xml version="1.0" encoding="utf-8"?>
+<file path=ppt/slides/slide18.xml><?xml version="1.0" encoding="utf-8"?>
 <p:sld xmlns:a="http://schemas.openxmlformats.org/drawingml/2006/main" xmlns:r="http://schemas.openxmlformats.org/officeDocument/2006/relationships" xmlns:p="http://schemas.openxmlformats.org/presentationml/2006/main">
   <p:cSld>
     <p:spTree>
@@ -32539,7 +31893,7 @@
           <a:p>
             <a:fld id="{564B1479-74DF-4380-85F6-AB0A2FFC7165}" type="slidenum">
               <a:rPr lang="en-US" smtClean="0"/>
-              <a:t>19</a:t>
+              <a:t>18</a:t>
             </a:fld>
             <a:endParaRPr lang="en-US"/>
           </a:p>
@@ -32797,123 +32151,7 @@
 </p:sld>
 </file>
 
-<file path=ppt/slides/slide2.xml><?xml version="1.0" encoding="utf-8"?>
-<p:sld xmlns:a="http://schemas.openxmlformats.org/drawingml/2006/main" xmlns:r="http://schemas.openxmlformats.org/officeDocument/2006/relationships" xmlns:p="http://schemas.openxmlformats.org/presentationml/2006/main">
-  <p:cSld>
-    <p:spTree>
-      <p:nvGrpSpPr>
-        <p:cNvPr id="1" name=""/>
-        <p:cNvGrpSpPr/>
-        <p:nvPr/>
-      </p:nvGrpSpPr>
-      <p:grpSpPr>
-        <a:xfrm>
-          <a:off x="0" y="0"/>
-          <a:ext cx="0" cy="0"/>
-          <a:chOff x="0" y="0"/>
-          <a:chExt cx="0" cy="0"/>
-        </a:xfrm>
-      </p:grpSpPr>
-      <p:sp>
-        <p:nvSpPr>
-          <p:cNvPr id="4" name="Slide Number Placeholder 3"/>
-          <p:cNvSpPr>
-            <a:spLocks noGrp="1"/>
-          </p:cNvSpPr>
-          <p:nvPr>
-            <p:ph type="sldNum" sz="quarter" idx="12"/>
-          </p:nvPr>
-        </p:nvSpPr>
-        <p:spPr/>
-        <p:txBody>
-          <a:bodyPr/>
-          <a:lstStyle/>
-          <a:p>
-            <a:fld id="{10038807-1F43-C242-97ED-819D14105488}" type="slidenum">
-              <a:rPr lang="en-US" smtClean="0">
-                <a:solidFill>
-                  <a:schemeClr val="tx1"/>
-                </a:solidFill>
-              </a:rPr>
-              <a:t>2</a:t>
-            </a:fld>
-            <a:endParaRPr lang="en-US" dirty="0">
-              <a:solidFill>
-                <a:schemeClr val="tx1"/>
-              </a:solidFill>
-            </a:endParaRPr>
-          </a:p>
-        </p:txBody>
-      </p:sp>
-      <p:graphicFrame>
-        <p:nvGraphicFramePr>
-          <p:cNvPr id="5" name="Diagram 4"/>
-          <p:cNvGraphicFramePr/>
-          <p:nvPr>
-            <p:extLst>
-              <p:ext uri="{D42A27DB-BD31-4B8C-83A1-F6EECF244321}">
-                <p14:modId xmlns:p14="http://schemas.microsoft.com/office/powerpoint/2010/main" val="464208637"/>
-              </p:ext>
-            </p:extLst>
-          </p:nvPr>
-        </p:nvGraphicFramePr>
-        <p:xfrm>
-          <a:off x="1771650" y="1028701"/>
-          <a:ext cx="5943600" cy="4235450"/>
-        </p:xfrm>
-        <a:graphic>
-          <a:graphicData uri="http://schemas.openxmlformats.org/drawingml/2006/diagram">
-            <dgm:relIds xmlns:dgm="http://schemas.openxmlformats.org/drawingml/2006/diagram" xmlns:r="http://schemas.openxmlformats.org/officeDocument/2006/relationships" r:dm="rId2" r:lo="rId3" r:qs="rId4" r:cs="rId5"/>
-          </a:graphicData>
-        </a:graphic>
-      </p:graphicFrame>
-      <p:sp>
-        <p:nvSpPr>
-          <p:cNvPr id="6" name="Date Placeholder 1">
-            <a:extLst>
-              <a:ext uri="{FF2B5EF4-FFF2-40B4-BE49-F238E27FC236}">
-                <a16:creationId xmlns:a16="http://schemas.microsoft.com/office/drawing/2014/main" id="{692AD37A-9EC1-4F6F-9640-352DD1C6BD89}"/>
-              </a:ext>
-            </a:extLst>
-          </p:cNvPr>
-          <p:cNvSpPr>
-            <a:spLocks noGrp="1"/>
-          </p:cNvSpPr>
-          <p:nvPr>
-            <p:ph type="dt" sz="half" idx="10"/>
-          </p:nvPr>
-        </p:nvSpPr>
-        <p:spPr>
-          <a:xfrm>
-            <a:off x="628650" y="6356351"/>
-            <a:ext cx="2057400" cy="365125"/>
-          </a:xfrm>
-        </p:spPr>
-        <p:txBody>
-          <a:bodyPr/>
-          <a:lstStyle/>
-          <a:p>
-            <a:r>
-              <a:rPr lang="en-US" dirty="0"/>
-              <a:t>8/6/2019</a:t>
-            </a:r>
-          </a:p>
-        </p:txBody>
-      </p:sp>
-    </p:spTree>
-    <p:extLst>
-      <p:ext uri="{BB962C8B-B14F-4D97-AF65-F5344CB8AC3E}">
-        <p14:creationId xmlns:p14="http://schemas.microsoft.com/office/powerpoint/2010/main" val="3405449710"/>
-      </p:ext>
-    </p:extLst>
-  </p:cSld>
-  <p:clrMapOvr>
-    <a:masterClrMapping/>
-  </p:clrMapOvr>
-</p:sld>
-</file>
-
-<file path=ppt/slides/slide20.xml><?xml version="1.0" encoding="utf-8"?>
+<file path=ppt/slides/slide19.xml><?xml version="1.0" encoding="utf-8"?>
 <p:sld xmlns:a="http://schemas.openxmlformats.org/drawingml/2006/main" xmlns:r="http://schemas.openxmlformats.org/officeDocument/2006/relationships" xmlns:p="http://schemas.openxmlformats.org/presentationml/2006/main">
   <p:cSld>
     <p:spTree>
@@ -33192,7 +32430,7 @@
 </p:sld>
 </file>
 
-<file path=ppt/slides/slide3.xml><?xml version="1.0" encoding="utf-8"?>
+<file path=ppt/slides/slide2.xml><?xml version="1.0" encoding="utf-8"?>
 <p:sld xmlns:a="http://schemas.openxmlformats.org/drawingml/2006/main" xmlns:r="http://schemas.openxmlformats.org/officeDocument/2006/relationships" xmlns:p="http://schemas.openxmlformats.org/presentationml/2006/main">
   <p:cSld>
     <p:spTree>
@@ -33211,205 +32449,63 @@
       </p:grpSpPr>
       <p:sp>
         <p:nvSpPr>
-          <p:cNvPr id="7" name="Rectangle 6">
-            <a:extLst>
-              <a:ext uri="{FF2B5EF4-FFF2-40B4-BE49-F238E27FC236}">
-                <a16:creationId xmlns:a16="http://schemas.microsoft.com/office/drawing/2014/main" id="{997D31C5-2B1E-4062-B8AA-5A275ED23052}"/>
-              </a:ext>
-            </a:extLst>
-          </p:cNvPr>
-          <p:cNvSpPr/>
-          <p:nvPr/>
+          <p:cNvPr id="4" name="Slide Number Placeholder 3"/>
+          <p:cNvSpPr>
+            <a:spLocks noGrp="1"/>
+          </p:cNvSpPr>
+          <p:nvPr>
+            <p:ph type="sldNum" sz="quarter" idx="12"/>
+          </p:nvPr>
         </p:nvSpPr>
-        <p:spPr>
-          <a:xfrm>
-            <a:off x="-10292" y="614234"/>
-            <a:ext cx="9168287" cy="1849865"/>
-          </a:xfrm>
-          <a:prstGeom prst="rect">
-            <a:avLst/>
-          </a:prstGeom>
-        </p:spPr>
+        <p:spPr/>
         <p:txBody>
-          <a:bodyPr wrap="square">
-            <a:spAutoFit/>
-          </a:bodyPr>
+          <a:bodyPr/>
           <a:lstStyle/>
           <a:p>
-            <a:r>
-              <a:rPr lang="en-US" b="1" dirty="0">
-                <a:cs typeface="Times New Roman" panose="02020603050405020304" pitchFamily="18" charset="0"/>
+            <a:fld id="{10038807-1F43-C242-97ED-819D14105488}" type="slidenum">
+              <a:rPr lang="en-US" smtClean="0">
+                <a:solidFill>
+                  <a:schemeClr val="tx1"/>
+                </a:solidFill>
               </a:rPr>
-              <a:t>Mohamed Abuella</a:t>
-            </a:r>
-          </a:p>
-          <a:p>
-            <a:r>
-              <a:rPr lang="en-US" dirty="0">
-                <a:cs typeface="Times New Roman" panose="02020603050405020304" pitchFamily="18" charset="0"/>
-                <a:hlinkClick r:id="rId2"/>
-              </a:rPr>
-              <a:t>https://mohamedabuella.github.io</a:t>
-            </a:r>
-            <a:r>
-              <a:rPr lang="en-US" dirty="0">
-                <a:cs typeface="Times New Roman" panose="02020603050405020304" pitchFamily="18" charset="0"/>
-              </a:rPr>
-              <a:t> </a:t>
-            </a:r>
-            <a:endParaRPr lang="en-US" b="1" dirty="0">
-              <a:cs typeface="Times New Roman" panose="02020603050405020304" pitchFamily="18" charset="0"/>
+              <a:t>2</a:t>
+            </a:fld>
+            <a:endParaRPr lang="en-US" dirty="0">
+              <a:solidFill>
+                <a:schemeClr val="tx1"/>
+              </a:solidFill>
             </a:endParaRPr>
-          </a:p>
-          <a:p>
-            <a:pPr>
-              <a:lnSpc>
-                <a:spcPct val="150000"/>
-              </a:lnSpc>
-            </a:pPr>
-            <a:r>
-              <a:rPr lang="en-US" dirty="0">
-                <a:cs typeface="Times New Roman" panose="02020603050405020304" pitchFamily="18" charset="0"/>
-              </a:rPr>
-              <a:t>An electrical engineer by training, traditionally is interested in Mathematical and Computational Analysis, Modeling and Optimization, and who is recently get passionate in Artificial Intelligence and Data-driven Analytics for Energy and Smart Grid applications.</a:t>
-            </a:r>
           </a:p>
         </p:txBody>
       </p:sp>
+      <p:graphicFrame>
+        <p:nvGraphicFramePr>
+          <p:cNvPr id="5" name="Diagram 4"/>
+          <p:cNvGraphicFramePr/>
+          <p:nvPr>
+            <p:extLst>
+              <p:ext uri="{D42A27DB-BD31-4B8C-83A1-F6EECF244321}">
+                <p14:modId xmlns:p14="http://schemas.microsoft.com/office/powerpoint/2010/main" val="464208637"/>
+              </p:ext>
+            </p:extLst>
+          </p:nvPr>
+        </p:nvGraphicFramePr>
+        <p:xfrm>
+          <a:off x="1771650" y="1028701"/>
+          <a:ext cx="5943600" cy="4235450"/>
+        </p:xfrm>
+        <a:graphic>
+          <a:graphicData uri="http://schemas.openxmlformats.org/drawingml/2006/diagram">
+            <dgm:relIds xmlns:dgm="http://schemas.openxmlformats.org/drawingml/2006/diagram" xmlns:r="http://schemas.openxmlformats.org/officeDocument/2006/relationships" r:dm="rId2" r:lo="rId3" r:qs="rId4" r:cs="rId5"/>
+          </a:graphicData>
+        </a:graphic>
+      </p:graphicFrame>
       <p:sp>
         <p:nvSpPr>
-          <p:cNvPr id="8" name="Rectangle 7">
+          <p:cNvPr id="6" name="Date Placeholder 1">
             <a:extLst>
               <a:ext uri="{FF2B5EF4-FFF2-40B4-BE49-F238E27FC236}">
-                <a16:creationId xmlns:a16="http://schemas.microsoft.com/office/drawing/2014/main" id="{BAB112F6-6F4F-4B85-B758-6D4196D0C1F6}"/>
-              </a:ext>
-            </a:extLst>
-          </p:cNvPr>
-          <p:cNvSpPr/>
-          <p:nvPr/>
-        </p:nvSpPr>
-        <p:spPr>
-          <a:xfrm>
-            <a:off x="-1" y="2753116"/>
-            <a:ext cx="8782259" cy="2535566"/>
-          </a:xfrm>
-          <a:prstGeom prst="rect">
-            <a:avLst/>
-          </a:prstGeom>
-        </p:spPr>
-        <p:txBody>
-          <a:bodyPr wrap="square">
-            <a:spAutoFit/>
-          </a:bodyPr>
-          <a:lstStyle/>
-          <a:p>
-            <a:pPr>
-              <a:lnSpc>
-                <a:spcPct val="150000"/>
-              </a:lnSpc>
-            </a:pPr>
-            <a:r>
-              <a:rPr lang="en-US" b="1" dirty="0">
-                <a:cs typeface="Times New Roman" panose="02020603050405020304" pitchFamily="18" charset="0"/>
-              </a:rPr>
-              <a:t>Hobbies and Interests</a:t>
-            </a:r>
-          </a:p>
-          <a:p>
-            <a:pPr>
-              <a:lnSpc>
-                <a:spcPct val="150000"/>
-              </a:lnSpc>
-            </a:pPr>
-            <a:r>
-              <a:rPr lang="en-US" dirty="0">
-                <a:cs typeface="Times New Roman" panose="02020603050405020304" pitchFamily="18" charset="0"/>
-              </a:rPr>
-              <a:t>Making Mediterranean Food and Drink, but also try my own out-of-box recipes;</a:t>
-            </a:r>
-          </a:p>
-          <a:p>
-            <a:pPr>
-              <a:lnSpc>
-                <a:spcPct val="150000"/>
-              </a:lnSpc>
-            </a:pPr>
-            <a:r>
-              <a:rPr lang="en-US" dirty="0">
-                <a:cs typeface="Times New Roman" panose="02020603050405020304" pitchFamily="18" charset="0"/>
-              </a:rPr>
-              <a:t>Stretching, Walking, Running, Driving, Swimming, Diving, ..and hopefully Climbing; Wondering around and Discovering New Places, ..find it kind of an adventure;</a:t>
-            </a:r>
-          </a:p>
-          <a:p>
-            <a:pPr>
-              <a:lnSpc>
-                <a:spcPct val="150000"/>
-              </a:lnSpc>
-            </a:pPr>
-            <a:r>
-              <a:rPr lang="en-US" dirty="0">
-                <a:cs typeface="Times New Roman" panose="02020603050405020304" pitchFamily="18" charset="0"/>
-              </a:rPr>
-              <a:t>Watching, Reading and Sharing Stuff on Internet, useful &amp; dumb things;</a:t>
-            </a:r>
-          </a:p>
-          <a:p>
-            <a:pPr>
-              <a:lnSpc>
-                <a:spcPct val="150000"/>
-              </a:lnSpc>
-            </a:pPr>
-            <a:r>
-              <a:rPr lang="en-US" dirty="0">
-                <a:cs typeface="Times New Roman" panose="02020603050405020304" pitchFamily="18" charset="0"/>
-              </a:rPr>
-              <a:t>And more often just.. Chilling and Enjoy Doing Nothing!</a:t>
-            </a:r>
-          </a:p>
-        </p:txBody>
-      </p:sp>
-      <p:sp>
-        <p:nvSpPr>
-          <p:cNvPr id="9" name="Rectangle 8">
-            <a:extLst>
-              <a:ext uri="{FF2B5EF4-FFF2-40B4-BE49-F238E27FC236}">
-                <a16:creationId xmlns:a16="http://schemas.microsoft.com/office/drawing/2014/main" id="{C01FC3F5-57F3-4630-B66C-EE75032C610C}"/>
-              </a:ext>
-            </a:extLst>
-          </p:cNvPr>
-          <p:cNvSpPr/>
-          <p:nvPr/>
-        </p:nvSpPr>
-        <p:spPr>
-          <a:xfrm>
-            <a:off x="0" y="94386"/>
-            <a:ext cx="9144000" cy="369332"/>
-          </a:xfrm>
-          <a:prstGeom prst="rect">
-            <a:avLst/>
-          </a:prstGeom>
-        </p:spPr>
-        <p:txBody>
-          <a:bodyPr wrap="square">
-            <a:spAutoFit/>
-          </a:bodyPr>
-          <a:lstStyle/>
-          <a:p>
-            <a:pPr algn="ctr"/>
-            <a:r>
-              <a:rPr lang="en-US" b="1" dirty="0"/>
-              <a:t>Personal Introduction</a:t>
-            </a:r>
-          </a:p>
-        </p:txBody>
-      </p:sp>
-      <p:sp>
-        <p:nvSpPr>
-          <p:cNvPr id="11" name="Date Placeholder 1">
-            <a:extLst>
-              <a:ext uri="{FF2B5EF4-FFF2-40B4-BE49-F238E27FC236}">
-                <a16:creationId xmlns:a16="http://schemas.microsoft.com/office/drawing/2014/main" id="{C54B0F67-ECF8-4F97-B7F0-B42A38179F3A}"/>
+                <a16:creationId xmlns:a16="http://schemas.microsoft.com/office/drawing/2014/main" id="{692AD37A-9EC1-4F6F-9640-352DD1C6BD89}"/>
               </a:ext>
             </a:extLst>
           </p:cNvPr>
@@ -33437,44 +32533,10 @@
           </a:p>
         </p:txBody>
       </p:sp>
-      <p:sp>
-        <p:nvSpPr>
-          <p:cNvPr id="12" name="Slide Number Placeholder 3">
-            <a:extLst>
-              <a:ext uri="{FF2B5EF4-FFF2-40B4-BE49-F238E27FC236}">
-                <a16:creationId xmlns:a16="http://schemas.microsoft.com/office/drawing/2014/main" id="{F71054CB-B926-418D-B281-6F53CB97DF2A}"/>
-              </a:ext>
-            </a:extLst>
-          </p:cNvPr>
-          <p:cNvSpPr>
-            <a:spLocks noGrp="1"/>
-          </p:cNvSpPr>
-          <p:nvPr>
-            <p:ph type="sldNum" sz="quarter" idx="12"/>
-          </p:nvPr>
-        </p:nvSpPr>
-        <p:spPr>
-          <a:xfrm>
-            <a:off x="6457950" y="6356351"/>
-            <a:ext cx="2057400" cy="365125"/>
-          </a:xfrm>
-        </p:spPr>
-        <p:txBody>
-          <a:bodyPr/>
-          <a:lstStyle/>
-          <a:p>
-            <a:fld id="{564B1479-74DF-4380-85F6-AB0A2FFC7165}" type="slidenum">
-              <a:rPr lang="en-US" smtClean="0"/>
-              <a:t>3</a:t>
-            </a:fld>
-            <a:endParaRPr lang="en-US"/>
-          </a:p>
-        </p:txBody>
-      </p:sp>
     </p:spTree>
     <p:extLst>
       <p:ext uri="{BB962C8B-B14F-4D97-AF65-F5344CB8AC3E}">
-        <p14:creationId xmlns:p14="http://schemas.microsoft.com/office/powerpoint/2010/main" val="635284957"/>
+        <p14:creationId xmlns:p14="http://schemas.microsoft.com/office/powerpoint/2010/main" val="3405449710"/>
       </p:ext>
     </p:extLst>
   </p:cSld>
@@ -33484,7 +32546,7 @@
 </p:sld>
 </file>
 
-<file path=ppt/slides/slide4.xml><?xml version="1.0" encoding="utf-8"?>
+<file path=ppt/slides/slide3.xml><?xml version="1.0" encoding="utf-8"?>
 <p:sld xmlns:a="http://schemas.openxmlformats.org/drawingml/2006/main" xmlns:r="http://schemas.openxmlformats.org/officeDocument/2006/relationships" xmlns:p="http://schemas.openxmlformats.org/presentationml/2006/main">
   <p:cSld>
     <p:spTree>
@@ -33655,7 +32717,7 @@
           <a:p>
             <a:fld id="{564B1479-74DF-4380-85F6-AB0A2FFC7165}" type="slidenum">
               <a:rPr lang="en-US" smtClean="0"/>
-              <a:t>4</a:t>
+              <a:t>3</a:t>
             </a:fld>
             <a:endParaRPr lang="en-US"/>
           </a:p>
@@ -33784,7 +32846,7 @@
 </p:sld>
 </file>
 
-<file path=ppt/slides/slide5.xml><?xml version="1.0" encoding="utf-8"?>
+<file path=ppt/slides/slide4.xml><?xml version="1.0" encoding="utf-8"?>
 <p:sld xmlns:a="http://schemas.openxmlformats.org/drawingml/2006/main" xmlns:r="http://schemas.openxmlformats.org/officeDocument/2006/relationships" xmlns:p="http://schemas.openxmlformats.org/presentationml/2006/main">
   <p:cSld>
     <p:spTree>
@@ -33923,7 +32985,7 @@
           <a:p>
             <a:fld id="{564B1479-74DF-4380-85F6-AB0A2FFC7165}" type="slidenum">
               <a:rPr lang="en-US" smtClean="0"/>
-              <a:t>5</a:t>
+              <a:t>4</a:t>
             </a:fld>
             <a:endParaRPr lang="en-US"/>
           </a:p>
@@ -34418,7 +33480,7 @@
 </p:sld>
 </file>
 
-<file path=ppt/slides/slide6.xml><?xml version="1.0" encoding="utf-8"?>
+<file path=ppt/slides/slide5.xml><?xml version="1.0" encoding="utf-8"?>
 <p:sld xmlns:a="http://schemas.openxmlformats.org/drawingml/2006/main" xmlns:r="http://schemas.openxmlformats.org/officeDocument/2006/relationships" xmlns:p="http://schemas.openxmlformats.org/presentationml/2006/main">
   <p:cSld>
     <p:spTree>
@@ -34521,7 +33583,7 @@
           <a:p>
             <a:fld id="{564B1479-74DF-4380-85F6-AB0A2FFC7165}" type="slidenum">
               <a:rPr lang="en-US" smtClean="0"/>
-              <a:t>6</a:t>
+              <a:t>5</a:t>
             </a:fld>
             <a:endParaRPr lang="en-US"/>
           </a:p>
@@ -34834,7 +33896,7 @@
 </p:sld>
 </file>
 
-<file path=ppt/slides/slide7.xml><?xml version="1.0" encoding="utf-8"?>
+<file path=ppt/slides/slide6.xml><?xml version="1.0" encoding="utf-8"?>
 <p:sld xmlns:a="http://schemas.openxmlformats.org/drawingml/2006/main" xmlns:r="http://schemas.openxmlformats.org/officeDocument/2006/relationships" xmlns:p="http://schemas.openxmlformats.org/presentationml/2006/main">
   <p:cSld>
     <p:spTree>
@@ -34937,7 +33999,7 @@
           <a:p>
             <a:fld id="{564B1479-74DF-4380-85F6-AB0A2FFC7165}" type="slidenum">
               <a:rPr lang="en-US" smtClean="0"/>
-              <a:t>7</a:t>
+              <a:t>6</a:t>
             </a:fld>
             <a:endParaRPr lang="en-US"/>
           </a:p>
@@ -35285,7 +34347,7 @@
 </p:sld>
 </file>
 
-<file path=ppt/slides/slide8.xml><?xml version="1.0" encoding="utf-8"?>
+<file path=ppt/slides/slide7.xml><?xml version="1.0" encoding="utf-8"?>
 <p:sld xmlns:a="http://schemas.openxmlformats.org/drawingml/2006/main" xmlns:r="http://schemas.openxmlformats.org/officeDocument/2006/relationships" xmlns:p="http://schemas.openxmlformats.org/presentationml/2006/main">
   <p:cSld>
     <p:spTree>
@@ -35388,7 +34450,7 @@
           <a:p>
             <a:fld id="{564B1479-74DF-4380-85F6-AB0A2FFC7165}" type="slidenum">
               <a:rPr lang="en-US" smtClean="0"/>
-              <a:t>8</a:t>
+              <a:t>7</a:t>
             </a:fld>
             <a:endParaRPr lang="en-US"/>
           </a:p>
@@ -35701,7 +34763,7 @@
 </p:sld>
 </file>
 
-<file path=ppt/slides/slide9.xml><?xml version="1.0" encoding="utf-8"?>
+<file path=ppt/slides/slide8.xml><?xml version="1.0" encoding="utf-8"?>
 <p:sld xmlns:a="http://schemas.openxmlformats.org/drawingml/2006/main" xmlns:r="http://schemas.openxmlformats.org/officeDocument/2006/relationships" xmlns:p="http://schemas.openxmlformats.org/presentationml/2006/main">
   <p:cSld>
     <p:spTree>
@@ -35804,7 +34866,7 @@
           <a:p>
             <a:fld id="{564B1479-74DF-4380-85F6-AB0A2FFC7165}" type="slidenum">
               <a:rPr lang="en-US" smtClean="0"/>
-              <a:t>9</a:t>
+              <a:t>8</a:t>
             </a:fld>
             <a:endParaRPr lang="en-US"/>
           </a:p>
@@ -36406,6 +35468,668 @@
 </p:sld>
 </file>
 
+<file path=ppt/slides/slide9.xml><?xml version="1.0" encoding="utf-8"?>
+<p:sld xmlns:a="http://schemas.openxmlformats.org/drawingml/2006/main" xmlns:r="http://schemas.openxmlformats.org/officeDocument/2006/relationships" xmlns:p="http://schemas.openxmlformats.org/presentationml/2006/main">
+  <p:cSld>
+    <p:spTree>
+      <p:nvGrpSpPr>
+        <p:cNvPr id="1" name=""/>
+        <p:cNvGrpSpPr/>
+        <p:nvPr/>
+      </p:nvGrpSpPr>
+      <p:grpSpPr>
+        <a:xfrm>
+          <a:off x="0" y="0"/>
+          <a:ext cx="0" cy="0"/>
+          <a:chOff x="0" y="0"/>
+          <a:chExt cx="0" cy="0"/>
+        </a:xfrm>
+      </p:grpSpPr>
+      <p:sp>
+        <p:nvSpPr>
+          <p:cNvPr id="5" name="TextBox 4">
+            <a:extLst>
+              <a:ext uri="{FF2B5EF4-FFF2-40B4-BE49-F238E27FC236}">
+                <a16:creationId xmlns:a16="http://schemas.microsoft.com/office/drawing/2014/main" id="{B4E0BA46-F2AB-4FF3-8521-235972F3EE53}"/>
+              </a:ext>
+            </a:extLst>
+          </p:cNvPr>
+          <p:cNvSpPr txBox="1"/>
+          <p:nvPr/>
+        </p:nvSpPr>
+        <p:spPr>
+          <a:xfrm>
+            <a:off x="9081" y="414358"/>
+            <a:ext cx="1442061" cy="369332"/>
+          </a:xfrm>
+          <a:prstGeom prst="rect">
+            <a:avLst/>
+          </a:prstGeom>
+          <a:noFill/>
+        </p:spPr>
+        <p:txBody>
+          <a:bodyPr wrap="none" rtlCol="0">
+            <a:spAutoFit/>
+          </a:bodyPr>
+          <a:lstStyle/>
+          <a:p>
+            <a:r>
+              <a:rPr lang="en-US" dirty="0"/>
+              <a:t>Charlotte, NC</a:t>
+            </a:r>
+          </a:p>
+        </p:txBody>
+      </p:sp>
+      <p:sp>
+        <p:nvSpPr>
+          <p:cNvPr id="2" name="Date Placeholder 1">
+            <a:extLst>
+              <a:ext uri="{FF2B5EF4-FFF2-40B4-BE49-F238E27FC236}">
+                <a16:creationId xmlns:a16="http://schemas.microsoft.com/office/drawing/2014/main" id="{E5C7501F-05AD-4696-A094-872D500C6BEE}"/>
+              </a:ext>
+            </a:extLst>
+          </p:cNvPr>
+          <p:cNvSpPr>
+            <a:spLocks noGrp="1"/>
+          </p:cNvSpPr>
+          <p:nvPr>
+            <p:ph type="dt" sz="half" idx="10"/>
+          </p:nvPr>
+        </p:nvSpPr>
+        <p:spPr/>
+        <p:txBody>
+          <a:bodyPr/>
+          <a:lstStyle/>
+          <a:p>
+            <a:r>
+              <a:rPr lang="en-US"/>
+              <a:t>8/6/2019</a:t>
+            </a:r>
+          </a:p>
+        </p:txBody>
+      </p:sp>
+      <p:sp>
+        <p:nvSpPr>
+          <p:cNvPr id="4" name="Slide Number Placeholder 3">
+            <a:extLst>
+              <a:ext uri="{FF2B5EF4-FFF2-40B4-BE49-F238E27FC236}">
+                <a16:creationId xmlns:a16="http://schemas.microsoft.com/office/drawing/2014/main" id="{025CB2AE-DF2C-4873-8659-B4DBC48FA091}"/>
+              </a:ext>
+            </a:extLst>
+          </p:cNvPr>
+          <p:cNvSpPr>
+            <a:spLocks noGrp="1"/>
+          </p:cNvSpPr>
+          <p:nvPr>
+            <p:ph type="sldNum" sz="quarter" idx="12"/>
+          </p:nvPr>
+        </p:nvSpPr>
+        <p:spPr/>
+        <p:txBody>
+          <a:bodyPr/>
+          <a:lstStyle/>
+          <a:p>
+            <a:fld id="{564B1479-74DF-4380-85F6-AB0A2FFC7165}" type="slidenum">
+              <a:rPr lang="en-US" smtClean="0"/>
+              <a:t>9</a:t>
+            </a:fld>
+            <a:endParaRPr lang="en-US"/>
+          </a:p>
+        </p:txBody>
+      </p:sp>
+      <p:sp>
+        <p:nvSpPr>
+          <p:cNvPr id="6" name="TextBox 5">
+            <a:extLst>
+              <a:ext uri="{FF2B5EF4-FFF2-40B4-BE49-F238E27FC236}">
+                <a16:creationId xmlns:a16="http://schemas.microsoft.com/office/drawing/2014/main" id="{E112157D-BCF0-4D0F-A7E0-DFEF5BE70AD6}"/>
+              </a:ext>
+            </a:extLst>
+          </p:cNvPr>
+          <p:cNvSpPr txBox="1"/>
+          <p:nvPr/>
+        </p:nvSpPr>
+        <p:spPr>
+          <a:xfrm>
+            <a:off x="7854554" y="414358"/>
+            <a:ext cx="1277914" cy="369332"/>
+          </a:xfrm>
+          <a:prstGeom prst="rect">
+            <a:avLst/>
+          </a:prstGeom>
+          <a:noFill/>
+        </p:spPr>
+        <p:txBody>
+          <a:bodyPr wrap="none" rtlCol="0">
+            <a:spAutoFit/>
+          </a:bodyPr>
+          <a:lstStyle/>
+          <a:p>
+            <a:r>
+              <a:rPr lang="en-US" dirty="0"/>
+              <a:t>Boston, MA</a:t>
+            </a:r>
+          </a:p>
+        </p:txBody>
+      </p:sp>
+      <p:sp>
+        <p:nvSpPr>
+          <p:cNvPr id="7" name="TextBox 6">
+            <a:extLst>
+              <a:ext uri="{FF2B5EF4-FFF2-40B4-BE49-F238E27FC236}">
+                <a16:creationId xmlns:a16="http://schemas.microsoft.com/office/drawing/2014/main" id="{E40C0CC0-7365-4486-8B1B-25B557616A28}"/>
+              </a:ext>
+            </a:extLst>
+          </p:cNvPr>
+          <p:cNvSpPr txBox="1"/>
+          <p:nvPr/>
+        </p:nvSpPr>
+        <p:spPr>
+          <a:xfrm>
+            <a:off x="17742" y="3501606"/>
+            <a:ext cx="1288110" cy="369332"/>
+          </a:xfrm>
+          <a:prstGeom prst="rect">
+            <a:avLst/>
+          </a:prstGeom>
+          <a:noFill/>
+        </p:spPr>
+        <p:txBody>
+          <a:bodyPr wrap="none" rtlCol="0">
+            <a:spAutoFit/>
+          </a:bodyPr>
+          <a:lstStyle/>
+          <a:p>
+            <a:r>
+              <a:rPr lang="en-US" dirty="0"/>
+              <a:t>Boulder, CO</a:t>
+            </a:r>
+          </a:p>
+        </p:txBody>
+      </p:sp>
+      <p:sp>
+        <p:nvSpPr>
+          <p:cNvPr id="8" name="TextBox 7">
+            <a:extLst>
+              <a:ext uri="{FF2B5EF4-FFF2-40B4-BE49-F238E27FC236}">
+                <a16:creationId xmlns:a16="http://schemas.microsoft.com/office/drawing/2014/main" id="{3AF726A4-22D6-45EF-8FCD-2DFD023ADE74}"/>
+              </a:ext>
+            </a:extLst>
+          </p:cNvPr>
+          <p:cNvSpPr txBox="1"/>
+          <p:nvPr/>
+        </p:nvSpPr>
+        <p:spPr>
+          <a:xfrm>
+            <a:off x="7951851" y="3501606"/>
+            <a:ext cx="1186672" cy="369332"/>
+          </a:xfrm>
+          <a:prstGeom prst="rect">
+            <a:avLst/>
+          </a:prstGeom>
+          <a:noFill/>
+        </p:spPr>
+        <p:txBody>
+          <a:bodyPr wrap="none" rtlCol="0">
+            <a:spAutoFit/>
+          </a:bodyPr>
+          <a:lstStyle/>
+          <a:p>
+            <a:r>
+              <a:rPr lang="en-US" dirty="0"/>
+              <a:t>Tucson, AZ</a:t>
+            </a:r>
+          </a:p>
+        </p:txBody>
+      </p:sp>
+      <p:pic>
+        <p:nvPicPr>
+          <p:cNvPr id="9" name="Picture 8">
+            <a:extLst>
+              <a:ext uri="{FF2B5EF4-FFF2-40B4-BE49-F238E27FC236}">
+                <a16:creationId xmlns:a16="http://schemas.microsoft.com/office/drawing/2014/main" id="{083E2912-5E65-4725-8A4A-D5CB0C7EC27F}"/>
+              </a:ext>
+            </a:extLst>
+          </p:cNvPr>
+          <p:cNvPicPr>
+            <a:picLocks noChangeAspect="1"/>
+          </p:cNvPicPr>
+          <p:nvPr/>
+        </p:nvPicPr>
+        <p:blipFill>
+          <a:blip r:embed="rId2"/>
+          <a:stretch>
+            <a:fillRect/>
+          </a:stretch>
+        </p:blipFill>
+        <p:spPr>
+          <a:xfrm>
+            <a:off x="0" y="744745"/>
+            <a:ext cx="4480560" cy="2524358"/>
+          </a:xfrm>
+          <a:prstGeom prst="rect">
+            <a:avLst/>
+          </a:prstGeom>
+        </p:spPr>
+      </p:pic>
+      <p:pic>
+        <p:nvPicPr>
+          <p:cNvPr id="10" name="Picture 9">
+            <a:extLst>
+              <a:ext uri="{FF2B5EF4-FFF2-40B4-BE49-F238E27FC236}">
+                <a16:creationId xmlns:a16="http://schemas.microsoft.com/office/drawing/2014/main" id="{521924C2-9CD1-45D8-886D-C297BC6FF8F5}"/>
+              </a:ext>
+            </a:extLst>
+          </p:cNvPr>
+          <p:cNvPicPr>
+            <a:picLocks noChangeAspect="1"/>
+          </p:cNvPicPr>
+          <p:nvPr/>
+        </p:nvPicPr>
+        <p:blipFill>
+          <a:blip r:embed="rId3"/>
+          <a:stretch>
+            <a:fillRect/>
+          </a:stretch>
+        </p:blipFill>
+        <p:spPr>
+          <a:xfrm>
+            <a:off x="0" y="3831992"/>
+            <a:ext cx="4480560" cy="2524359"/>
+          </a:xfrm>
+          <a:prstGeom prst="rect">
+            <a:avLst/>
+          </a:prstGeom>
+        </p:spPr>
+      </p:pic>
+      <p:pic>
+        <p:nvPicPr>
+          <p:cNvPr id="11" name="Picture 10">
+            <a:extLst>
+              <a:ext uri="{FF2B5EF4-FFF2-40B4-BE49-F238E27FC236}">
+                <a16:creationId xmlns:a16="http://schemas.microsoft.com/office/drawing/2014/main" id="{48588986-E906-4136-B54B-603A5CAB1915}"/>
+              </a:ext>
+            </a:extLst>
+          </p:cNvPr>
+          <p:cNvPicPr>
+            <a:picLocks noChangeAspect="1"/>
+          </p:cNvPicPr>
+          <p:nvPr/>
+        </p:nvPicPr>
+        <p:blipFill>
+          <a:blip r:embed="rId4"/>
+          <a:stretch>
+            <a:fillRect/>
+          </a:stretch>
+        </p:blipFill>
+        <p:spPr>
+          <a:xfrm>
+            <a:off x="4663440" y="751754"/>
+            <a:ext cx="4480560" cy="2524359"/>
+          </a:xfrm>
+          <a:prstGeom prst="rect">
+            <a:avLst/>
+          </a:prstGeom>
+        </p:spPr>
+      </p:pic>
+      <p:pic>
+        <p:nvPicPr>
+          <p:cNvPr id="12" name="Picture 11">
+            <a:extLst>
+              <a:ext uri="{FF2B5EF4-FFF2-40B4-BE49-F238E27FC236}">
+                <a16:creationId xmlns:a16="http://schemas.microsoft.com/office/drawing/2014/main" id="{9C55AAD8-C817-47CE-BA77-721778A253C0}"/>
+              </a:ext>
+            </a:extLst>
+          </p:cNvPr>
+          <p:cNvPicPr>
+            <a:picLocks noChangeAspect="1"/>
+          </p:cNvPicPr>
+          <p:nvPr/>
+        </p:nvPicPr>
+        <p:blipFill>
+          <a:blip r:embed="rId5"/>
+          <a:stretch>
+            <a:fillRect/>
+          </a:stretch>
+        </p:blipFill>
+        <p:spPr>
+          <a:xfrm>
+            <a:off x="4663440" y="3831992"/>
+            <a:ext cx="4480560" cy="2524359"/>
+          </a:xfrm>
+          <a:prstGeom prst="rect">
+            <a:avLst/>
+          </a:prstGeom>
+        </p:spPr>
+      </p:pic>
+      <p:sp>
+        <p:nvSpPr>
+          <p:cNvPr id="15" name="Rectangle 14">
+            <a:extLst>
+              <a:ext uri="{FF2B5EF4-FFF2-40B4-BE49-F238E27FC236}">
+                <a16:creationId xmlns:a16="http://schemas.microsoft.com/office/drawing/2014/main" id="{88454873-0E08-4851-BC5F-5482392BA648}"/>
+              </a:ext>
+            </a:extLst>
+          </p:cNvPr>
+          <p:cNvSpPr/>
+          <p:nvPr/>
+        </p:nvSpPr>
+        <p:spPr>
+          <a:xfrm>
+            <a:off x="1622490" y="462704"/>
+            <a:ext cx="5901613" cy="369332"/>
+          </a:xfrm>
+          <a:prstGeom prst="rect">
+            <a:avLst/>
+          </a:prstGeom>
+        </p:spPr>
+        <p:txBody>
+          <a:bodyPr wrap="square">
+            <a:spAutoFit/>
+          </a:bodyPr>
+          <a:lstStyle/>
+          <a:p>
+            <a:pPr algn="ctr"/>
+            <a:r>
+              <a:rPr lang="en-US" dirty="0"/>
+              <a:t>Probability density distribution of wind power </a:t>
+            </a:r>
+          </a:p>
+        </p:txBody>
+      </p:sp>
+      <mc:AlternateContent xmlns:mc="http://schemas.openxmlformats.org/markup-compatibility/2006" xmlns:a14="http://schemas.microsoft.com/office/drawing/2010/main">
+        <mc:Choice Requires="a14">
+          <p:sp>
+            <p:nvSpPr>
+              <p:cNvPr id="14" name="TextBox 13">
+                <a:extLst>
+                  <a:ext uri="{FF2B5EF4-FFF2-40B4-BE49-F238E27FC236}">
+                    <a16:creationId xmlns:a16="http://schemas.microsoft.com/office/drawing/2014/main" id="{D75B130C-55D6-4493-92CD-0738B2B05AD0}"/>
+                  </a:ext>
+                </a:extLst>
+              </p:cNvPr>
+              <p:cNvSpPr txBox="1"/>
+              <p:nvPr/>
+            </p:nvSpPr>
+            <p:spPr>
+              <a:xfrm>
+                <a:off x="6457950" y="3224607"/>
+                <a:ext cx="1478679" cy="576183"/>
+              </a:xfrm>
+              <a:prstGeom prst="rect">
+                <a:avLst/>
+              </a:prstGeom>
+            </p:spPr>
+            <p:style>
+              <a:lnRef idx="2">
+                <a:schemeClr val="accent1"/>
+              </a:lnRef>
+              <a:fillRef idx="1">
+                <a:schemeClr val="lt1"/>
+              </a:fillRef>
+              <a:effectRef idx="0">
+                <a:schemeClr val="accent1"/>
+              </a:effectRef>
+              <a:fontRef idx="minor">
+                <a:schemeClr val="dk1"/>
+              </a:fontRef>
+            </p:style>
+            <p:txBody>
+              <a:bodyPr wrap="square" lIns="0" tIns="0" rIns="0" bIns="0" rtlCol="0">
+                <a:spAutoFit/>
+              </a:bodyPr>
+              <a:lstStyle/>
+              <a:p>
+                <a:pPr/>
+                <a14:m>
+                  <m:oMathPara xmlns:m="http://schemas.openxmlformats.org/officeDocument/2006/math">
+                    <m:oMathParaPr>
+                      <m:jc m:val="centerGroup"/>
+                    </m:oMathParaPr>
+                    <m:oMath xmlns:m="http://schemas.openxmlformats.org/officeDocument/2006/math">
+                      <m:r>
+                        <a:rPr lang="en-US" sz="2000" b="0" i="1" smtClean="0">
+                          <a:solidFill>
+                            <a:sysClr val="windowText" lastClr="000000"/>
+                          </a:solidFill>
+                          <a:latin typeface="Cambria Math" panose="02040503050406030204" pitchFamily="18" charset="0"/>
+                        </a:rPr>
+                        <m:t>𝑃𝑤</m:t>
+                      </m:r>
+                      <m:r>
+                        <a:rPr lang="en-US" sz="2000" b="0" i="1" smtClean="0">
+                          <a:solidFill>
+                            <a:sysClr val="windowText" lastClr="000000"/>
+                          </a:solidFill>
+                          <a:latin typeface="Cambria Math" panose="02040503050406030204" pitchFamily="18" charset="0"/>
+                        </a:rPr>
+                        <m:t>=</m:t>
+                      </m:r>
+                      <m:f>
+                        <m:fPr>
+                          <m:ctrlPr>
+                            <a:rPr lang="en-US" sz="2000" b="0" i="1" smtClean="0">
+                              <a:solidFill>
+                                <a:sysClr val="windowText" lastClr="000000"/>
+                              </a:solidFill>
+                              <a:latin typeface="Cambria Math" panose="02040503050406030204" pitchFamily="18" charset="0"/>
+                            </a:rPr>
+                          </m:ctrlPr>
+                        </m:fPr>
+                        <m:num>
+                          <m:r>
+                            <a:rPr lang="en-US" sz="2000" b="0" i="1" smtClean="0">
+                              <a:solidFill>
+                                <a:sysClr val="windowText" lastClr="000000"/>
+                              </a:solidFill>
+                              <a:latin typeface="Cambria Math" panose="02040503050406030204" pitchFamily="18" charset="0"/>
+                            </a:rPr>
+                            <m:t>1</m:t>
+                          </m:r>
+                        </m:num>
+                        <m:den>
+                          <m:r>
+                            <a:rPr lang="en-US" sz="2000" b="0" i="1" smtClean="0">
+                              <a:solidFill>
+                                <a:sysClr val="windowText" lastClr="000000"/>
+                              </a:solidFill>
+                              <a:latin typeface="Cambria Math" panose="02040503050406030204" pitchFamily="18" charset="0"/>
+                            </a:rPr>
+                            <m:t>2</m:t>
+                          </m:r>
+                        </m:den>
+                      </m:f>
+                      <m:r>
+                        <a:rPr lang="en-US" sz="2000" b="0" i="1" smtClean="0">
+                          <a:solidFill>
+                            <a:sysClr val="windowText" lastClr="000000"/>
+                          </a:solidFill>
+                          <a:latin typeface="Cambria Math" panose="02040503050406030204" pitchFamily="18" charset="0"/>
+                          <a:ea typeface="Cambria Math" panose="02040503050406030204" pitchFamily="18" charset="0"/>
+                        </a:rPr>
+                        <m:t>𝜌</m:t>
+                      </m:r>
+                      <m:r>
+                        <a:rPr lang="en-US" sz="2000" b="0" i="1" smtClean="0">
+                          <a:solidFill>
+                            <a:sysClr val="windowText" lastClr="000000"/>
+                          </a:solidFill>
+                          <a:latin typeface="Cambria Math" panose="02040503050406030204" pitchFamily="18" charset="0"/>
+                        </a:rPr>
+                        <m:t>𝐴</m:t>
+                      </m:r>
+                      <m:sSup>
+                        <m:sSupPr>
+                          <m:ctrlPr>
+                            <a:rPr lang="en-US" sz="2000" i="1" smtClean="0">
+                              <a:solidFill>
+                                <a:sysClr val="windowText" lastClr="000000"/>
+                              </a:solidFill>
+                              <a:latin typeface="Cambria Math" panose="02040503050406030204" pitchFamily="18" charset="0"/>
+                            </a:rPr>
+                          </m:ctrlPr>
+                        </m:sSupPr>
+                        <m:e>
+                          <m:r>
+                            <a:rPr lang="en-US" sz="2000" b="0" i="1" smtClean="0">
+                              <a:solidFill>
+                                <a:sysClr val="windowText" lastClr="000000"/>
+                              </a:solidFill>
+                              <a:latin typeface="Cambria Math" panose="02040503050406030204" pitchFamily="18" charset="0"/>
+                            </a:rPr>
+                            <m:t>𝑣</m:t>
+                          </m:r>
+                        </m:e>
+                        <m:sup>
+                          <m:r>
+                            <a:rPr lang="en-US" sz="2000" b="0" i="1" smtClean="0">
+                              <a:solidFill>
+                                <a:sysClr val="windowText" lastClr="000000"/>
+                              </a:solidFill>
+                              <a:latin typeface="Cambria Math" panose="02040503050406030204" pitchFamily="18" charset="0"/>
+                            </a:rPr>
+                            <m:t>3</m:t>
+                          </m:r>
+                        </m:sup>
+                      </m:sSup>
+                    </m:oMath>
+                  </m:oMathPara>
+                </a14:m>
+                <a:endParaRPr lang="en-US" sz="2000" dirty="0">
+                  <a:solidFill>
+                    <a:sysClr val="windowText" lastClr="000000"/>
+                  </a:solidFill>
+                </a:endParaRPr>
+              </a:p>
+            </p:txBody>
+          </p:sp>
+        </mc:Choice>
+        <mc:Fallback xmlns="">
+          <p:sp>
+            <p:nvSpPr>
+              <p:cNvPr id="14" name="TextBox 13">
+                <a:extLst>
+                  <a:ext uri="{FF2B5EF4-FFF2-40B4-BE49-F238E27FC236}">
+                    <a16:creationId xmlns:a16="http://schemas.microsoft.com/office/drawing/2014/main" id="{D75B130C-55D6-4493-92CD-0738B2B05AD0}"/>
+                  </a:ext>
+                </a:extLst>
+              </p:cNvPr>
+              <p:cNvSpPr txBox="1">
+                <a:spLocks noRot="1" noChangeAspect="1" noMove="1" noResize="1" noEditPoints="1" noAdjustHandles="1" noChangeArrowheads="1" noChangeShapeType="1" noTextEdit="1"/>
+              </p:cNvSpPr>
+              <p:nvPr/>
+            </p:nvSpPr>
+            <p:spPr>
+              <a:xfrm>
+                <a:off x="6457950" y="3224607"/>
+                <a:ext cx="1478679" cy="576183"/>
+              </a:xfrm>
+              <a:prstGeom prst="rect">
+                <a:avLst/>
+              </a:prstGeom>
+              <a:blipFill>
+                <a:blip r:embed="rId6"/>
+                <a:stretch>
+                  <a:fillRect/>
+                </a:stretch>
+              </a:blipFill>
+            </p:spPr>
+            <p:txBody>
+              <a:bodyPr/>
+              <a:lstStyle/>
+              <a:p>
+                <a:r>
+                  <a:rPr lang="en-US">
+                    <a:noFill/>
+                  </a:rPr>
+                  <a:t> </a:t>
+                </a:r>
+              </a:p>
+            </p:txBody>
+          </p:sp>
+        </mc:Fallback>
+      </mc:AlternateContent>
+      <p:sp>
+        <p:nvSpPr>
+          <p:cNvPr id="16" name="Rectangle 15">
+            <a:extLst>
+              <a:ext uri="{FF2B5EF4-FFF2-40B4-BE49-F238E27FC236}">
+                <a16:creationId xmlns:a16="http://schemas.microsoft.com/office/drawing/2014/main" id="{CBB407A2-5605-461E-8DED-644CB9BEE7B5}"/>
+              </a:ext>
+            </a:extLst>
+          </p:cNvPr>
+          <p:cNvSpPr/>
+          <p:nvPr/>
+        </p:nvSpPr>
+        <p:spPr>
+          <a:xfrm>
+            <a:off x="1359211" y="3224607"/>
+            <a:ext cx="5046253" cy="646331"/>
+          </a:xfrm>
+          <a:prstGeom prst="rect">
+            <a:avLst/>
+          </a:prstGeom>
+        </p:spPr>
+        <p:txBody>
+          <a:bodyPr wrap="square">
+            <a:spAutoFit/>
+          </a:bodyPr>
+          <a:lstStyle/>
+          <a:p>
+            <a:r>
+              <a:rPr lang="en-US" dirty="0"/>
+              <a:t>Considering other parameters such as air pressure, temperature and density at the given height=100m </a:t>
+            </a:r>
+          </a:p>
+        </p:txBody>
+      </p:sp>
+      <p:sp>
+        <p:nvSpPr>
+          <p:cNvPr id="18" name="Rectangle 17">
+            <a:extLst>
+              <a:ext uri="{FF2B5EF4-FFF2-40B4-BE49-F238E27FC236}">
+                <a16:creationId xmlns:a16="http://schemas.microsoft.com/office/drawing/2014/main" id="{C5B8727E-659D-4B3F-A143-CCBF8188B923}"/>
+              </a:ext>
+            </a:extLst>
+          </p:cNvPr>
+          <p:cNvSpPr/>
+          <p:nvPr/>
+        </p:nvSpPr>
+        <p:spPr>
+          <a:xfrm>
+            <a:off x="2969815" y="88599"/>
+            <a:ext cx="3374898" cy="369332"/>
+          </a:xfrm>
+          <a:prstGeom prst="rect">
+            <a:avLst/>
+          </a:prstGeom>
+        </p:spPr>
+        <p:txBody>
+          <a:bodyPr wrap="none">
+            <a:spAutoFit/>
+          </a:bodyPr>
+          <a:lstStyle/>
+          <a:p>
+            <a:r>
+              <a:rPr lang="en-US" b="1" dirty="0"/>
+              <a:t>Wind Energy Resources Modeling</a:t>
+            </a:r>
+          </a:p>
+        </p:txBody>
+      </p:sp>
+    </p:spTree>
+    <p:extLst>
+      <p:ext uri="{BB962C8B-B14F-4D97-AF65-F5344CB8AC3E}">
+        <p14:creationId xmlns:p14="http://schemas.microsoft.com/office/powerpoint/2010/main" val="1543804401"/>
+      </p:ext>
+    </p:extLst>
+  </p:cSld>
+  <p:clrMapOvr>
+    <a:masterClrMapping/>
+  </p:clrMapOvr>
+</p:sld>
+</file>
+
 <file path=ppt/theme/theme1.xml><?xml version="1.0" encoding="utf-8"?>
 <a:theme xmlns:a="http://schemas.openxmlformats.org/drawingml/2006/main" name="Office Theme">
   <a:themeElements>

--- a/wind_solar_time_series_analysis/Wind_Solar_Energy_Modeling_Analysis.pptx
+++ b/wind_solar_time_series_analysis/Wind_Solar_Energy_Modeling_Analysis.pptx
@@ -25478,7 +25478,7 @@
           <p:nvPr>
             <p:extLst>
               <p:ext uri="{D42A27DB-BD31-4B8C-83A1-F6EECF244321}">
-                <p14:modId xmlns:p14="http://schemas.microsoft.com/office/powerpoint/2010/main" val="572321043"/>
+                <p14:modId xmlns:p14="http://schemas.microsoft.com/office/powerpoint/2010/main" val="1984742481"/>
               </p:ext>
             </p:extLst>
           </p:nvPr>
@@ -25579,15 +25579,22 @@
                     <a:p>
                       <a:pPr algn="ctr" fontAlgn="ctr"/>
                       <a:r>
-                        <a:rPr lang="en-US" sz="1200" b="0" i="0" u="none" strike="noStrike" dirty="0">
+                        <a:rPr lang="en-US" sz="1200" b="0" i="0" u="none" strike="noStrike" dirty="0" err="1">
                           <a:solidFill>
                             <a:srgbClr val="000000"/>
                           </a:solidFill>
                           <a:effectLst/>
                           <a:latin typeface="Calibri" panose="020F0502020204030204" pitchFamily="34" charset="0"/>
                         </a:rPr>
-                        <a:t>MWh</a:t>
+                        <a:t>Wh</a:t>
                       </a:r>
+                      <a:endParaRPr lang="en-US" sz="1200" b="0" i="0" u="none" strike="noStrike" dirty="0">
+                        <a:solidFill>
+                          <a:srgbClr val="000000"/>
+                        </a:solidFill>
+                        <a:effectLst/>
+                        <a:latin typeface="Calibri" panose="020F0502020204030204" pitchFamily="34" charset="0"/>
+                      </a:endParaRPr>
                     </a:p>
                   </a:txBody>
                   <a:tcPr marL="3810" marR="3810" marT="3810" marB="0" anchor="ctr">
@@ -27847,7 +27854,7 @@
           <p:nvPr>
             <p:extLst>
               <p:ext uri="{D42A27DB-BD31-4B8C-83A1-F6EECF244321}">
-                <p14:modId xmlns:p14="http://schemas.microsoft.com/office/powerpoint/2010/main" val="581825206"/>
+                <p14:modId xmlns:p14="http://schemas.microsoft.com/office/powerpoint/2010/main" val="3819579834"/>
               </p:ext>
             </p:extLst>
           </p:nvPr>
@@ -27948,15 +27955,22 @@
                     <a:p>
                       <a:pPr algn="ctr" fontAlgn="ctr"/>
                       <a:r>
-                        <a:rPr lang="en-US" sz="1200" b="0" i="0" u="none" strike="noStrike" dirty="0">
+                        <a:rPr lang="en-US" sz="1200" b="0" i="0" u="none" strike="noStrike" dirty="0" err="1">
                           <a:solidFill>
                             <a:srgbClr val="000000"/>
                           </a:solidFill>
                           <a:effectLst/>
                           <a:latin typeface="Calibri" panose="020F0502020204030204" pitchFamily="34" charset="0"/>
                         </a:rPr>
-                        <a:t>MWh</a:t>
+                        <a:t>Wh</a:t>
                       </a:r>
+                      <a:endParaRPr lang="en-US" sz="1200" b="0" i="0" u="none" strike="noStrike" dirty="0">
+                        <a:solidFill>
+                          <a:srgbClr val="000000"/>
+                        </a:solidFill>
+                        <a:effectLst/>
+                        <a:latin typeface="Calibri" panose="020F0502020204030204" pitchFamily="34" charset="0"/>
+                      </a:endParaRPr>
                     </a:p>
                   </a:txBody>
                   <a:tcPr marL="3810" marR="3810" marT="3810" marB="0" anchor="ctr">
@@ -30216,7 +30230,7 @@
           <p:nvPr>
             <p:extLst>
               <p:ext uri="{D42A27DB-BD31-4B8C-83A1-F6EECF244321}">
-                <p14:modId xmlns:p14="http://schemas.microsoft.com/office/powerpoint/2010/main" val="3369529019"/>
+                <p14:modId xmlns:p14="http://schemas.microsoft.com/office/powerpoint/2010/main" val="2150224394"/>
               </p:ext>
             </p:extLst>
           </p:nvPr>
@@ -30317,15 +30331,22 @@
                     <a:p>
                       <a:pPr algn="ctr" fontAlgn="ctr"/>
                       <a:r>
-                        <a:rPr lang="en-US" sz="1200" b="0" i="0" u="none" strike="noStrike" dirty="0">
+                        <a:rPr lang="en-US" sz="1200" b="0" i="0" u="none" strike="noStrike" dirty="0" err="1">
                           <a:solidFill>
                             <a:srgbClr val="000000"/>
                           </a:solidFill>
                           <a:effectLst/>
                           <a:latin typeface="Calibri" panose="020F0502020204030204" pitchFamily="34" charset="0"/>
                         </a:rPr>
-                        <a:t>MWh</a:t>
+                        <a:t>Wh</a:t>
                       </a:r>
+                      <a:endParaRPr lang="en-US" sz="1200" b="0" i="0" u="none" strike="noStrike" dirty="0">
+                        <a:solidFill>
+                          <a:srgbClr val="000000"/>
+                        </a:solidFill>
+                        <a:effectLst/>
+                        <a:latin typeface="Calibri" panose="020F0502020204030204" pitchFamily="34" charset="0"/>
+                      </a:endParaRPr>
                     </a:p>
                   </a:txBody>
                   <a:tcPr marL="3810" marR="3810" marT="3810" marB="0" anchor="ctr">
@@ -32585,7 +32606,7 @@
           <p:nvPr>
             <p:extLst>
               <p:ext uri="{D42A27DB-BD31-4B8C-83A1-F6EECF244321}">
-                <p14:modId xmlns:p14="http://schemas.microsoft.com/office/powerpoint/2010/main" val="3939468965"/>
+                <p14:modId xmlns:p14="http://schemas.microsoft.com/office/powerpoint/2010/main" val="309936459"/>
               </p:ext>
             </p:extLst>
           </p:nvPr>
@@ -32686,15 +32707,22 @@
                     <a:p>
                       <a:pPr algn="ctr" fontAlgn="ctr"/>
                       <a:r>
-                        <a:rPr lang="en-US" sz="1200" b="0" i="0" u="none" strike="noStrike" dirty="0">
+                        <a:rPr lang="en-US" sz="1200" b="0" i="0" u="none" strike="noStrike" dirty="0" err="1">
                           <a:solidFill>
                             <a:srgbClr val="000000"/>
                           </a:solidFill>
                           <a:effectLst/>
                           <a:latin typeface="Calibri" panose="020F0502020204030204" pitchFamily="34" charset="0"/>
                         </a:rPr>
-                        <a:t>MWh</a:t>
+                        <a:t>Wh</a:t>
                       </a:r>
+                      <a:endParaRPr lang="en-US" sz="1200" b="0" i="0" u="none" strike="noStrike" dirty="0">
+                        <a:solidFill>
+                          <a:srgbClr val="000000"/>
+                        </a:solidFill>
+                        <a:effectLst/>
+                        <a:latin typeface="Calibri" panose="020F0502020204030204" pitchFamily="34" charset="0"/>
+                      </a:endParaRPr>
                     </a:p>
                   </a:txBody>
                   <a:tcPr marL="3810" marR="3810" marT="3810" marB="0" anchor="ctr">
@@ -36758,7 +36786,7 @@
         <p:spPr>
           <a:xfrm>
             <a:off x="4079811" y="1473366"/>
-            <a:ext cx="4851308" cy="646331"/>
+            <a:ext cx="4851308" cy="923330"/>
           </a:xfrm>
           <a:prstGeom prst="rect">
             <a:avLst/>
@@ -36786,7 +36814,7 @@
                 </a:solidFill>
                 <a:latin typeface="Calibri" panose="020F0502020204030204" pitchFamily="34" charset="0"/>
               </a:rPr>
-              <a:t>: Typical Meteorological Year, which means the same results for all other years.</a:t>
+              <a:t>: Typical Meteorological Year, which means it assumes the same variability of solar output for other years.</a:t>
             </a:r>
             <a:endParaRPr lang="en-US" dirty="0"/>
           </a:p>

--- a/wind_solar_time_series_analysis/Wind_Solar_Energy_Modeling_Analysis.pptx
+++ b/wind_solar_time_series_analysis/Wind_Solar_Energy_Modeling_Analysis.pptx
@@ -10409,34 +10409,6 @@
       </p:sp>
       <p:sp>
         <p:nvSpPr>
-          <p:cNvPr id="2" name="Date Placeholder 1">
-            <a:extLst>
-              <a:ext uri="{FF2B5EF4-FFF2-40B4-BE49-F238E27FC236}">
-                <a16:creationId xmlns:a16="http://schemas.microsoft.com/office/drawing/2014/main" id="{E5C7501F-05AD-4696-A094-872D500C6BEE}"/>
-              </a:ext>
-            </a:extLst>
-          </p:cNvPr>
-          <p:cNvSpPr>
-            <a:spLocks noGrp="1"/>
-          </p:cNvSpPr>
-          <p:nvPr>
-            <p:ph type="dt" sz="half" idx="10"/>
-          </p:nvPr>
-        </p:nvSpPr>
-        <p:spPr/>
-        <p:txBody>
-          <a:bodyPr/>
-          <a:lstStyle/>
-          <a:p>
-            <a:r>
-              <a:rPr lang="en-US"/>
-              <a:t>8/6/2019</a:t>
-            </a:r>
-          </a:p>
-        </p:txBody>
-      </p:sp>
-      <p:sp>
-        <p:nvSpPr>
           <p:cNvPr id="4" name="Slide Number Placeholder 3">
             <a:extLst>
               <a:ext uri="{FF2B5EF4-FFF2-40B4-BE49-F238E27FC236}">
@@ -20623,6 +20595,39 @@
           </a:p>
         </p:txBody>
       </p:sp>
+      <p:sp>
+        <p:nvSpPr>
+          <p:cNvPr id="17" name="Date Placeholder 1">
+            <a:extLst>
+              <a:ext uri="{FF2B5EF4-FFF2-40B4-BE49-F238E27FC236}">
+                <a16:creationId xmlns:a16="http://schemas.microsoft.com/office/drawing/2014/main" id="{F04EA511-51FC-49BE-91E9-460D64664AD0}"/>
+              </a:ext>
+            </a:extLst>
+          </p:cNvPr>
+          <p:cNvSpPr>
+            <a:spLocks noGrp="1"/>
+          </p:cNvSpPr>
+          <p:nvPr>
+            <p:ph type="dt" sz="half" idx="10"/>
+          </p:nvPr>
+        </p:nvSpPr>
+        <p:spPr>
+          <a:xfrm>
+            <a:off x="628650" y="6356351"/>
+            <a:ext cx="2057400" cy="365125"/>
+          </a:xfrm>
+        </p:spPr>
+        <p:txBody>
+          <a:bodyPr/>
+          <a:lstStyle/>
+          <a:p>
+            <a:r>
+              <a:rPr lang="en-US" dirty="0"/>
+              <a:t>8/9/2019</a:t>
+            </a:r>
+          </a:p>
+        </p:txBody>
+      </p:sp>
     </p:spTree>
     <p:extLst>
       <p:ext uri="{BB962C8B-B14F-4D97-AF65-F5344CB8AC3E}">
@@ -20653,34 +20658,6 @@
           <a:chExt cx="0" cy="0"/>
         </a:xfrm>
       </p:grpSpPr>
-      <p:sp>
-        <p:nvSpPr>
-          <p:cNvPr id="2" name="Date Placeholder 1">
-            <a:extLst>
-              <a:ext uri="{FF2B5EF4-FFF2-40B4-BE49-F238E27FC236}">
-                <a16:creationId xmlns:a16="http://schemas.microsoft.com/office/drawing/2014/main" id="{E5C7501F-05AD-4696-A094-872D500C6BEE}"/>
-              </a:ext>
-            </a:extLst>
-          </p:cNvPr>
-          <p:cNvSpPr>
-            <a:spLocks noGrp="1"/>
-          </p:cNvSpPr>
-          <p:nvPr>
-            <p:ph type="dt" sz="half" idx="10"/>
-          </p:nvPr>
-        </p:nvSpPr>
-        <p:spPr/>
-        <p:txBody>
-          <a:bodyPr/>
-          <a:lstStyle/>
-          <a:p>
-            <a:r>
-              <a:rPr lang="en-US"/>
-              <a:t>8/6/2019</a:t>
-            </a:r>
-          </a:p>
-        </p:txBody>
-      </p:sp>
       <p:sp>
         <p:nvSpPr>
           <p:cNvPr id="4" name="Slide Number Placeholder 3">
@@ -23223,6 +23200,39 @@
           </a:p>
         </p:txBody>
       </p:sp>
+      <p:sp>
+        <p:nvSpPr>
+          <p:cNvPr id="10" name="Date Placeholder 1">
+            <a:extLst>
+              <a:ext uri="{FF2B5EF4-FFF2-40B4-BE49-F238E27FC236}">
+                <a16:creationId xmlns:a16="http://schemas.microsoft.com/office/drawing/2014/main" id="{4518CE8A-866F-4DA4-983C-212343503BB1}"/>
+              </a:ext>
+            </a:extLst>
+          </p:cNvPr>
+          <p:cNvSpPr>
+            <a:spLocks noGrp="1"/>
+          </p:cNvSpPr>
+          <p:nvPr>
+            <p:ph type="dt" sz="half" idx="10"/>
+          </p:nvPr>
+        </p:nvSpPr>
+        <p:spPr>
+          <a:xfrm>
+            <a:off x="628650" y="6356351"/>
+            <a:ext cx="2057400" cy="365125"/>
+          </a:xfrm>
+        </p:spPr>
+        <p:txBody>
+          <a:bodyPr/>
+          <a:lstStyle/>
+          <a:p>
+            <a:r>
+              <a:rPr lang="en-US" dirty="0"/>
+              <a:t>8/9/2019</a:t>
+            </a:r>
+          </a:p>
+        </p:txBody>
+      </p:sp>
     </p:spTree>
     <p:extLst>
       <p:ext uri="{BB962C8B-B14F-4D97-AF65-F5344CB8AC3E}">
@@ -23253,34 +23263,6 @@
           <a:chExt cx="0" cy="0"/>
         </a:xfrm>
       </p:grpSpPr>
-      <p:sp>
-        <p:nvSpPr>
-          <p:cNvPr id="2" name="Date Placeholder 1">
-            <a:extLst>
-              <a:ext uri="{FF2B5EF4-FFF2-40B4-BE49-F238E27FC236}">
-                <a16:creationId xmlns:a16="http://schemas.microsoft.com/office/drawing/2014/main" id="{E5C7501F-05AD-4696-A094-872D500C6BEE}"/>
-              </a:ext>
-            </a:extLst>
-          </p:cNvPr>
-          <p:cNvSpPr>
-            <a:spLocks noGrp="1"/>
-          </p:cNvSpPr>
-          <p:nvPr>
-            <p:ph type="dt" sz="half" idx="10"/>
-          </p:nvPr>
-        </p:nvSpPr>
-        <p:spPr/>
-        <p:txBody>
-          <a:bodyPr/>
-          <a:lstStyle/>
-          <a:p>
-            <a:r>
-              <a:rPr lang="en-US"/>
-              <a:t>8/6/2019</a:t>
-            </a:r>
-          </a:p>
-        </p:txBody>
-      </p:sp>
       <p:sp>
         <p:nvSpPr>
           <p:cNvPr id="4" name="Slide Number Placeholder 3">
@@ -23575,6 +23557,39 @@
           </a:p>
         </p:txBody>
       </p:sp>
+      <p:sp>
+        <p:nvSpPr>
+          <p:cNvPr id="10" name="Date Placeholder 1">
+            <a:extLst>
+              <a:ext uri="{FF2B5EF4-FFF2-40B4-BE49-F238E27FC236}">
+                <a16:creationId xmlns:a16="http://schemas.microsoft.com/office/drawing/2014/main" id="{FA235993-D4DF-4A80-8660-A6D5FACA9395}"/>
+              </a:ext>
+            </a:extLst>
+          </p:cNvPr>
+          <p:cNvSpPr>
+            <a:spLocks noGrp="1"/>
+          </p:cNvSpPr>
+          <p:nvPr>
+            <p:ph type="dt" sz="half" idx="10"/>
+          </p:nvPr>
+        </p:nvSpPr>
+        <p:spPr>
+          <a:xfrm>
+            <a:off x="628650" y="6356351"/>
+            <a:ext cx="2057400" cy="365125"/>
+          </a:xfrm>
+        </p:spPr>
+        <p:txBody>
+          <a:bodyPr/>
+          <a:lstStyle/>
+          <a:p>
+            <a:r>
+              <a:rPr lang="en-US" dirty="0"/>
+              <a:t>8/9/2019</a:t>
+            </a:r>
+          </a:p>
+        </p:txBody>
+      </p:sp>
     </p:spTree>
     <p:extLst>
       <p:ext uri="{BB962C8B-B14F-4D97-AF65-F5344CB8AC3E}">
@@ -23605,34 +23620,6 @@
           <a:chExt cx="0" cy="0"/>
         </a:xfrm>
       </p:grpSpPr>
-      <p:sp>
-        <p:nvSpPr>
-          <p:cNvPr id="2" name="Date Placeholder 1">
-            <a:extLst>
-              <a:ext uri="{FF2B5EF4-FFF2-40B4-BE49-F238E27FC236}">
-                <a16:creationId xmlns:a16="http://schemas.microsoft.com/office/drawing/2014/main" id="{E5C7501F-05AD-4696-A094-872D500C6BEE}"/>
-              </a:ext>
-            </a:extLst>
-          </p:cNvPr>
-          <p:cNvSpPr>
-            <a:spLocks noGrp="1"/>
-          </p:cNvSpPr>
-          <p:nvPr>
-            <p:ph type="dt" sz="half" idx="10"/>
-          </p:nvPr>
-        </p:nvSpPr>
-        <p:spPr/>
-        <p:txBody>
-          <a:bodyPr/>
-          <a:lstStyle/>
-          <a:p>
-            <a:r>
-              <a:rPr lang="en-US"/>
-              <a:t>8/6/2019</a:t>
-            </a:r>
-          </a:p>
-        </p:txBody>
-      </p:sp>
       <p:sp>
         <p:nvSpPr>
           <p:cNvPr id="4" name="Slide Number Placeholder 3">
@@ -23919,6 +23906,39 @@
           </a:p>
         </p:txBody>
       </p:sp>
+      <p:sp>
+        <p:nvSpPr>
+          <p:cNvPr id="10" name="Date Placeholder 1">
+            <a:extLst>
+              <a:ext uri="{FF2B5EF4-FFF2-40B4-BE49-F238E27FC236}">
+                <a16:creationId xmlns:a16="http://schemas.microsoft.com/office/drawing/2014/main" id="{CA544982-29D9-42B8-A9DE-C09837ECBC19}"/>
+              </a:ext>
+            </a:extLst>
+          </p:cNvPr>
+          <p:cNvSpPr>
+            <a:spLocks noGrp="1"/>
+          </p:cNvSpPr>
+          <p:nvPr>
+            <p:ph type="dt" sz="half" idx="10"/>
+          </p:nvPr>
+        </p:nvSpPr>
+        <p:spPr>
+          <a:xfrm>
+            <a:off x="628650" y="6356351"/>
+            <a:ext cx="2057400" cy="365125"/>
+          </a:xfrm>
+        </p:spPr>
+        <p:txBody>
+          <a:bodyPr/>
+          <a:lstStyle/>
+          <a:p>
+            <a:r>
+              <a:rPr lang="en-US" dirty="0"/>
+              <a:t>8/9/2019</a:t>
+            </a:r>
+          </a:p>
+        </p:txBody>
+      </p:sp>
     </p:spTree>
     <p:extLst>
       <p:ext uri="{BB962C8B-B14F-4D97-AF65-F5344CB8AC3E}">
@@ -23949,34 +23969,6 @@
           <a:chExt cx="0" cy="0"/>
         </a:xfrm>
       </p:grpSpPr>
-      <p:sp>
-        <p:nvSpPr>
-          <p:cNvPr id="2" name="Date Placeholder 1">
-            <a:extLst>
-              <a:ext uri="{FF2B5EF4-FFF2-40B4-BE49-F238E27FC236}">
-                <a16:creationId xmlns:a16="http://schemas.microsoft.com/office/drawing/2014/main" id="{E5C7501F-05AD-4696-A094-872D500C6BEE}"/>
-              </a:ext>
-            </a:extLst>
-          </p:cNvPr>
-          <p:cNvSpPr>
-            <a:spLocks noGrp="1"/>
-          </p:cNvSpPr>
-          <p:nvPr>
-            <p:ph type="dt" sz="half" idx="10"/>
-          </p:nvPr>
-        </p:nvSpPr>
-        <p:spPr/>
-        <p:txBody>
-          <a:bodyPr/>
-          <a:lstStyle/>
-          <a:p>
-            <a:r>
-              <a:rPr lang="en-US"/>
-              <a:t>8/6/2019</a:t>
-            </a:r>
-          </a:p>
-        </p:txBody>
-      </p:sp>
       <p:sp>
         <p:nvSpPr>
           <p:cNvPr id="4" name="Slide Number Placeholder 3">
@@ -24892,6 +24884,39 @@
           </a:p>
         </p:txBody>
       </p:sp>
+      <p:sp>
+        <p:nvSpPr>
+          <p:cNvPr id="19" name="Date Placeholder 1">
+            <a:extLst>
+              <a:ext uri="{FF2B5EF4-FFF2-40B4-BE49-F238E27FC236}">
+                <a16:creationId xmlns:a16="http://schemas.microsoft.com/office/drawing/2014/main" id="{38F16832-6B62-48EC-8220-DE7AD69AEFA3}"/>
+              </a:ext>
+            </a:extLst>
+          </p:cNvPr>
+          <p:cNvSpPr>
+            <a:spLocks noGrp="1"/>
+          </p:cNvSpPr>
+          <p:nvPr>
+            <p:ph type="dt" sz="half" idx="10"/>
+          </p:nvPr>
+        </p:nvSpPr>
+        <p:spPr>
+          <a:xfrm>
+            <a:off x="628650" y="6356351"/>
+            <a:ext cx="2057400" cy="365125"/>
+          </a:xfrm>
+        </p:spPr>
+        <p:txBody>
+          <a:bodyPr/>
+          <a:lstStyle/>
+          <a:p>
+            <a:r>
+              <a:rPr lang="en-US" dirty="0"/>
+              <a:t>8/9/2019</a:t>
+            </a:r>
+          </a:p>
+        </p:txBody>
+      </p:sp>
     </p:spTree>
     <p:extLst>
       <p:ext uri="{BB962C8B-B14F-4D97-AF65-F5344CB8AC3E}">
@@ -24922,34 +24947,6 @@
           <a:chExt cx="0" cy="0"/>
         </a:xfrm>
       </p:grpSpPr>
-      <p:sp>
-        <p:nvSpPr>
-          <p:cNvPr id="2" name="Date Placeholder 1">
-            <a:extLst>
-              <a:ext uri="{FF2B5EF4-FFF2-40B4-BE49-F238E27FC236}">
-                <a16:creationId xmlns:a16="http://schemas.microsoft.com/office/drawing/2014/main" id="{E5C7501F-05AD-4696-A094-872D500C6BEE}"/>
-              </a:ext>
-            </a:extLst>
-          </p:cNvPr>
-          <p:cNvSpPr>
-            <a:spLocks noGrp="1"/>
-          </p:cNvSpPr>
-          <p:nvPr>
-            <p:ph type="dt" sz="half" idx="10"/>
-          </p:nvPr>
-        </p:nvSpPr>
-        <p:spPr/>
-        <p:txBody>
-          <a:bodyPr/>
-          <a:lstStyle/>
-          <a:p>
-            <a:r>
-              <a:rPr lang="en-US"/>
-              <a:t>8/6/2019</a:t>
-            </a:r>
-          </a:p>
-        </p:txBody>
-      </p:sp>
       <p:sp>
         <p:nvSpPr>
           <p:cNvPr id="4" name="Slide Number Placeholder 3">
@@ -25236,6 +25233,39 @@
           </a:p>
         </p:txBody>
       </p:sp>
+      <p:sp>
+        <p:nvSpPr>
+          <p:cNvPr id="10" name="Date Placeholder 1">
+            <a:extLst>
+              <a:ext uri="{FF2B5EF4-FFF2-40B4-BE49-F238E27FC236}">
+                <a16:creationId xmlns:a16="http://schemas.microsoft.com/office/drawing/2014/main" id="{206969F2-E49F-4327-933B-571615DE746D}"/>
+              </a:ext>
+            </a:extLst>
+          </p:cNvPr>
+          <p:cNvSpPr>
+            <a:spLocks noGrp="1"/>
+          </p:cNvSpPr>
+          <p:nvPr>
+            <p:ph type="dt" sz="half" idx="10"/>
+          </p:nvPr>
+        </p:nvSpPr>
+        <p:spPr>
+          <a:xfrm>
+            <a:off x="628650" y="6356351"/>
+            <a:ext cx="2057400" cy="365125"/>
+          </a:xfrm>
+        </p:spPr>
+        <p:txBody>
+          <a:bodyPr/>
+          <a:lstStyle/>
+          <a:p>
+            <a:r>
+              <a:rPr lang="en-US" dirty="0"/>
+              <a:t>8/9/2019</a:t>
+            </a:r>
+          </a:p>
+        </p:txBody>
+      </p:sp>
     </p:spTree>
     <p:extLst>
       <p:ext uri="{BB962C8B-B14F-4D97-AF65-F5344CB8AC3E}">
@@ -25297,34 +25327,6 @@
             <a:r>
               <a:rPr lang="en-US" dirty="0"/>
               <a:t>Charlotte, NC</a:t>
-            </a:r>
-          </a:p>
-        </p:txBody>
-      </p:sp>
-      <p:sp>
-        <p:nvSpPr>
-          <p:cNvPr id="2" name="Date Placeholder 1">
-            <a:extLst>
-              <a:ext uri="{FF2B5EF4-FFF2-40B4-BE49-F238E27FC236}">
-                <a16:creationId xmlns:a16="http://schemas.microsoft.com/office/drawing/2014/main" id="{E5C7501F-05AD-4696-A094-872D500C6BEE}"/>
-              </a:ext>
-            </a:extLst>
-          </p:cNvPr>
-          <p:cNvSpPr>
-            <a:spLocks noGrp="1"/>
-          </p:cNvSpPr>
-          <p:nvPr>
-            <p:ph type="dt" sz="half" idx="10"/>
-          </p:nvPr>
-        </p:nvSpPr>
-        <p:spPr/>
-        <p:txBody>
-          <a:bodyPr/>
-          <a:lstStyle/>
-          <a:p>
-            <a:r>
-              <a:rPr lang="en-US"/>
-              <a:t>8/6/2019</a:t>
             </a:r>
           </a:p>
         </p:txBody>
@@ -35590,6 +35592,39 @@
           </a:p>
         </p:txBody>
       </p:sp>
+      <p:sp>
+        <p:nvSpPr>
+          <p:cNvPr id="22" name="Date Placeholder 1">
+            <a:extLst>
+              <a:ext uri="{FF2B5EF4-FFF2-40B4-BE49-F238E27FC236}">
+                <a16:creationId xmlns:a16="http://schemas.microsoft.com/office/drawing/2014/main" id="{70F6ABAB-4778-4F51-B568-7D1515277E06}"/>
+              </a:ext>
+            </a:extLst>
+          </p:cNvPr>
+          <p:cNvSpPr>
+            <a:spLocks noGrp="1"/>
+          </p:cNvSpPr>
+          <p:nvPr>
+            <p:ph type="dt" sz="half" idx="10"/>
+          </p:nvPr>
+        </p:nvSpPr>
+        <p:spPr>
+          <a:xfrm>
+            <a:off x="628650" y="6356351"/>
+            <a:ext cx="2057400" cy="365125"/>
+          </a:xfrm>
+        </p:spPr>
+        <p:txBody>
+          <a:bodyPr/>
+          <a:lstStyle/>
+          <a:p>
+            <a:r>
+              <a:rPr lang="en-US" dirty="0"/>
+              <a:t>8/9/2019</a:t>
+            </a:r>
+          </a:p>
+        </p:txBody>
+      </p:sp>
     </p:spTree>
     <p:extLst>
       <p:ext uri="{BB962C8B-B14F-4D97-AF65-F5344CB8AC3E}">
@@ -35620,34 +35655,6 @@
           <a:chExt cx="0" cy="0"/>
         </a:xfrm>
       </p:grpSpPr>
-      <p:sp>
-        <p:nvSpPr>
-          <p:cNvPr id="2" name="Date Placeholder 1">
-            <a:extLst>
-              <a:ext uri="{FF2B5EF4-FFF2-40B4-BE49-F238E27FC236}">
-                <a16:creationId xmlns:a16="http://schemas.microsoft.com/office/drawing/2014/main" id="{E5C7501F-05AD-4696-A094-872D500C6BEE}"/>
-              </a:ext>
-            </a:extLst>
-          </p:cNvPr>
-          <p:cNvSpPr>
-            <a:spLocks noGrp="1"/>
-          </p:cNvSpPr>
-          <p:nvPr>
-            <p:ph type="dt" sz="half" idx="10"/>
-          </p:nvPr>
-        </p:nvSpPr>
-        <p:spPr/>
-        <p:txBody>
-          <a:bodyPr/>
-          <a:lstStyle/>
-          <a:p>
-            <a:r>
-              <a:rPr lang="en-US"/>
-              <a:t>8/6/2019</a:t>
-            </a:r>
-          </a:p>
-        </p:txBody>
-      </p:sp>
       <p:sp>
         <p:nvSpPr>
           <p:cNvPr id="4" name="Slide Number Placeholder 3">
@@ -36850,6 +36857,39 @@
           </a:graphicData>
         </a:graphic>
       </p:graphicFrame>
+      <p:sp>
+        <p:nvSpPr>
+          <p:cNvPr id="13" name="Date Placeholder 1">
+            <a:extLst>
+              <a:ext uri="{FF2B5EF4-FFF2-40B4-BE49-F238E27FC236}">
+                <a16:creationId xmlns:a16="http://schemas.microsoft.com/office/drawing/2014/main" id="{625E253D-0D97-47C8-B22E-1F782B5222D3}"/>
+              </a:ext>
+            </a:extLst>
+          </p:cNvPr>
+          <p:cNvSpPr>
+            <a:spLocks noGrp="1"/>
+          </p:cNvSpPr>
+          <p:nvPr>
+            <p:ph type="dt" sz="half" idx="10"/>
+          </p:nvPr>
+        </p:nvSpPr>
+        <p:spPr>
+          <a:xfrm>
+            <a:off x="628650" y="6356351"/>
+            <a:ext cx="2057400" cy="365125"/>
+          </a:xfrm>
+        </p:spPr>
+        <p:txBody>
+          <a:bodyPr/>
+          <a:lstStyle/>
+          <a:p>
+            <a:r>
+              <a:rPr lang="en-US" dirty="0"/>
+              <a:t>8/9/2019</a:t>
+            </a:r>
+          </a:p>
+        </p:txBody>
+      </p:sp>
     </p:spTree>
     <p:extLst>
       <p:ext uri="{BB962C8B-B14F-4D97-AF65-F5344CB8AC3E}">
@@ -36880,34 +36920,6 @@
           <a:chExt cx="0" cy="0"/>
         </a:xfrm>
       </p:grpSpPr>
-      <p:sp>
-        <p:nvSpPr>
-          <p:cNvPr id="2" name="Date Placeholder 1">
-            <a:extLst>
-              <a:ext uri="{FF2B5EF4-FFF2-40B4-BE49-F238E27FC236}">
-                <a16:creationId xmlns:a16="http://schemas.microsoft.com/office/drawing/2014/main" id="{E5C7501F-05AD-4696-A094-872D500C6BEE}"/>
-              </a:ext>
-            </a:extLst>
-          </p:cNvPr>
-          <p:cNvSpPr>
-            <a:spLocks noGrp="1"/>
-          </p:cNvSpPr>
-          <p:nvPr>
-            <p:ph type="dt" sz="half" idx="10"/>
-          </p:nvPr>
-        </p:nvSpPr>
-        <p:spPr/>
-        <p:txBody>
-          <a:bodyPr/>
-          <a:lstStyle/>
-          <a:p>
-            <a:r>
-              <a:rPr lang="en-US" dirty="0"/>
-              <a:t>8/6/2019</a:t>
-            </a:r>
-          </a:p>
-        </p:txBody>
-      </p:sp>
       <p:sp>
         <p:nvSpPr>
           <p:cNvPr id="4" name="Slide Number Placeholder 3">
@@ -39282,6 +39294,39 @@
           </a:graphicData>
         </a:graphic>
       </p:graphicFrame>
+      <p:sp>
+        <p:nvSpPr>
+          <p:cNvPr id="11" name="Date Placeholder 1">
+            <a:extLst>
+              <a:ext uri="{FF2B5EF4-FFF2-40B4-BE49-F238E27FC236}">
+                <a16:creationId xmlns:a16="http://schemas.microsoft.com/office/drawing/2014/main" id="{2100042D-C7A6-4549-AA18-EDE1B04DB566}"/>
+              </a:ext>
+            </a:extLst>
+          </p:cNvPr>
+          <p:cNvSpPr>
+            <a:spLocks noGrp="1"/>
+          </p:cNvSpPr>
+          <p:nvPr>
+            <p:ph type="dt" sz="half" idx="10"/>
+          </p:nvPr>
+        </p:nvSpPr>
+        <p:spPr>
+          <a:xfrm>
+            <a:off x="628650" y="6356351"/>
+            <a:ext cx="2057400" cy="365125"/>
+          </a:xfrm>
+        </p:spPr>
+        <p:txBody>
+          <a:bodyPr/>
+          <a:lstStyle/>
+          <a:p>
+            <a:r>
+              <a:rPr lang="en-US" dirty="0"/>
+              <a:t>8/9/2019</a:t>
+            </a:r>
+          </a:p>
+        </p:txBody>
+      </p:sp>
     </p:spTree>
     <p:extLst>
       <p:ext uri="{BB962C8B-B14F-4D97-AF65-F5344CB8AC3E}">
@@ -39342,39 +39387,6 @@
             <a:r>
               <a:rPr lang="en-US" b="1" dirty="0"/>
               <a:t>Wind and Solar Energy Resources Modeling</a:t>
-            </a:r>
-          </a:p>
-        </p:txBody>
-      </p:sp>
-      <p:sp>
-        <p:nvSpPr>
-          <p:cNvPr id="14" name="Date Placeholder 1">
-            <a:extLst>
-              <a:ext uri="{FF2B5EF4-FFF2-40B4-BE49-F238E27FC236}">
-                <a16:creationId xmlns:a16="http://schemas.microsoft.com/office/drawing/2014/main" id="{E0EEF77F-75EC-4DF6-B2C4-BC5AFAE1F4B7}"/>
-              </a:ext>
-            </a:extLst>
-          </p:cNvPr>
-          <p:cNvSpPr>
-            <a:spLocks noGrp="1"/>
-          </p:cNvSpPr>
-          <p:nvPr>
-            <p:ph type="dt" sz="half" idx="10"/>
-          </p:nvPr>
-        </p:nvSpPr>
-        <p:spPr>
-          <a:xfrm>
-            <a:off x="628650" y="6356351"/>
-            <a:ext cx="2057400" cy="365125"/>
-          </a:xfrm>
-        </p:spPr>
-        <p:txBody>
-          <a:bodyPr/>
-          <a:lstStyle/>
-          <a:p>
-            <a:r>
-              <a:rPr lang="en-US" dirty="0"/>
-              <a:t>8/6/2019</a:t>
             </a:r>
           </a:p>
         </p:txBody>
@@ -39652,6 +39664,39 @@
           </a:p>
         </p:txBody>
       </p:sp>
+      <p:sp>
+        <p:nvSpPr>
+          <p:cNvPr id="7" name="Date Placeholder 1">
+            <a:extLst>
+              <a:ext uri="{FF2B5EF4-FFF2-40B4-BE49-F238E27FC236}">
+                <a16:creationId xmlns:a16="http://schemas.microsoft.com/office/drawing/2014/main" id="{27A89C12-1B13-4DE0-8CC8-6A76EC28382E}"/>
+              </a:ext>
+            </a:extLst>
+          </p:cNvPr>
+          <p:cNvSpPr>
+            <a:spLocks noGrp="1"/>
+          </p:cNvSpPr>
+          <p:nvPr>
+            <p:ph type="dt" sz="half" idx="10"/>
+          </p:nvPr>
+        </p:nvSpPr>
+        <p:spPr>
+          <a:xfrm>
+            <a:off x="628650" y="6356351"/>
+            <a:ext cx="2057400" cy="365125"/>
+          </a:xfrm>
+        </p:spPr>
+        <p:txBody>
+          <a:bodyPr/>
+          <a:lstStyle/>
+          <a:p>
+            <a:r>
+              <a:rPr lang="en-US" dirty="0"/>
+              <a:t>8/9/2019</a:t>
+            </a:r>
+          </a:p>
+        </p:txBody>
+      </p:sp>
     </p:spTree>
     <p:extLst>
       <p:ext uri="{BB962C8B-B14F-4D97-AF65-F5344CB8AC3E}">
@@ -39763,7 +39808,7 @@
           <a:p>
             <a:r>
               <a:rPr lang="en-US" dirty="0"/>
-              <a:t>8/6/2019</a:t>
+              <a:t>8/9/2019</a:t>
             </a:r>
           </a:p>
         </p:txBody>
@@ -40182,34 +40227,6 @@
       </p:sp>
       <p:sp>
         <p:nvSpPr>
-          <p:cNvPr id="2" name="Date Placeholder 1">
-            <a:extLst>
-              <a:ext uri="{FF2B5EF4-FFF2-40B4-BE49-F238E27FC236}">
-                <a16:creationId xmlns:a16="http://schemas.microsoft.com/office/drawing/2014/main" id="{FF430272-26E1-4D01-9424-96523434AAC3}"/>
-              </a:ext>
-            </a:extLst>
-          </p:cNvPr>
-          <p:cNvSpPr>
-            <a:spLocks noGrp="1"/>
-          </p:cNvSpPr>
-          <p:nvPr>
-            <p:ph type="dt" sz="half" idx="10"/>
-          </p:nvPr>
-        </p:nvSpPr>
-        <p:spPr/>
-        <p:txBody>
-          <a:bodyPr/>
-          <a:lstStyle/>
-          <a:p>
-            <a:r>
-              <a:rPr lang="en-US"/>
-              <a:t>8/6/2019</a:t>
-            </a:r>
-          </a:p>
-        </p:txBody>
-      </p:sp>
-      <p:sp>
-        <p:nvSpPr>
           <p:cNvPr id="3" name="Slide Number Placeholder 2">
             <a:extLst>
               <a:ext uri="{FF2B5EF4-FFF2-40B4-BE49-F238E27FC236}">
@@ -40347,6 +40364,39 @@
           </a:p>
         </p:txBody>
       </p:sp>
+      <p:sp>
+        <p:nvSpPr>
+          <p:cNvPr id="12" name="Date Placeholder 1">
+            <a:extLst>
+              <a:ext uri="{FF2B5EF4-FFF2-40B4-BE49-F238E27FC236}">
+                <a16:creationId xmlns:a16="http://schemas.microsoft.com/office/drawing/2014/main" id="{06774C40-67FC-48CB-BC79-5FEC1779B919}"/>
+              </a:ext>
+            </a:extLst>
+          </p:cNvPr>
+          <p:cNvSpPr>
+            <a:spLocks noGrp="1"/>
+          </p:cNvSpPr>
+          <p:nvPr>
+            <p:ph type="dt" sz="half" idx="10"/>
+          </p:nvPr>
+        </p:nvSpPr>
+        <p:spPr>
+          <a:xfrm>
+            <a:off x="628650" y="6356351"/>
+            <a:ext cx="2057400" cy="365125"/>
+          </a:xfrm>
+        </p:spPr>
+        <p:txBody>
+          <a:bodyPr/>
+          <a:lstStyle/>
+          <a:p>
+            <a:r>
+              <a:rPr lang="en-US" dirty="0"/>
+              <a:t>8/9/2019</a:t>
+            </a:r>
+          </a:p>
+        </p:txBody>
+      </p:sp>
     </p:spTree>
     <p:extLst>
       <p:ext uri="{BB962C8B-B14F-4D97-AF65-F5344CB8AC3E}">
@@ -40444,34 +40494,6 @@
             <a:r>
               <a:rPr lang="en-US" dirty="0"/>
               <a:t>Charlotte, NC</a:t>
-            </a:r>
-          </a:p>
-        </p:txBody>
-      </p:sp>
-      <p:sp>
-        <p:nvSpPr>
-          <p:cNvPr id="2" name="Date Placeholder 1">
-            <a:extLst>
-              <a:ext uri="{FF2B5EF4-FFF2-40B4-BE49-F238E27FC236}">
-                <a16:creationId xmlns:a16="http://schemas.microsoft.com/office/drawing/2014/main" id="{E5C7501F-05AD-4696-A094-872D500C6BEE}"/>
-              </a:ext>
-            </a:extLst>
-          </p:cNvPr>
-          <p:cNvSpPr>
-            <a:spLocks noGrp="1"/>
-          </p:cNvSpPr>
-          <p:nvPr>
-            <p:ph type="dt" sz="half" idx="10"/>
-          </p:nvPr>
-        </p:nvSpPr>
-        <p:spPr/>
-        <p:txBody>
-          <a:bodyPr/>
-          <a:lstStyle/>
-          <a:p>
-            <a:r>
-              <a:rPr lang="en-US"/>
-              <a:t>8/6/2019</a:t>
             </a:r>
           </a:p>
         </p:txBody>
@@ -40981,6 +41003,39 @@
           </a:p>
         </p:txBody>
       </p:sp>
+      <p:sp>
+        <p:nvSpPr>
+          <p:cNvPr id="16" name="Date Placeholder 1">
+            <a:extLst>
+              <a:ext uri="{FF2B5EF4-FFF2-40B4-BE49-F238E27FC236}">
+                <a16:creationId xmlns:a16="http://schemas.microsoft.com/office/drawing/2014/main" id="{3EBC181B-A7B7-4754-A5D3-828804262611}"/>
+              </a:ext>
+            </a:extLst>
+          </p:cNvPr>
+          <p:cNvSpPr>
+            <a:spLocks noGrp="1"/>
+          </p:cNvSpPr>
+          <p:nvPr>
+            <p:ph type="dt" sz="half" idx="10"/>
+          </p:nvPr>
+        </p:nvSpPr>
+        <p:spPr>
+          <a:xfrm>
+            <a:off x="628650" y="6356351"/>
+            <a:ext cx="2057400" cy="365125"/>
+          </a:xfrm>
+        </p:spPr>
+        <p:txBody>
+          <a:bodyPr/>
+          <a:lstStyle/>
+          <a:p>
+            <a:r>
+              <a:rPr lang="en-US" dirty="0"/>
+              <a:t>8/9/2019</a:t>
+            </a:r>
+          </a:p>
+        </p:txBody>
+      </p:sp>
     </p:spTree>
     <p:extLst>
       <p:ext uri="{BB962C8B-B14F-4D97-AF65-F5344CB8AC3E}">
@@ -41042,34 +41097,6 @@
             <a:r>
               <a:rPr lang="en-US" dirty="0"/>
               <a:t>Charlotte, NC</a:t>
-            </a:r>
-          </a:p>
-        </p:txBody>
-      </p:sp>
-      <p:sp>
-        <p:nvSpPr>
-          <p:cNvPr id="2" name="Date Placeholder 1">
-            <a:extLst>
-              <a:ext uri="{FF2B5EF4-FFF2-40B4-BE49-F238E27FC236}">
-                <a16:creationId xmlns:a16="http://schemas.microsoft.com/office/drawing/2014/main" id="{E5C7501F-05AD-4696-A094-872D500C6BEE}"/>
-              </a:ext>
-            </a:extLst>
-          </p:cNvPr>
-          <p:cNvSpPr>
-            <a:spLocks noGrp="1"/>
-          </p:cNvSpPr>
-          <p:nvPr>
-            <p:ph type="dt" sz="half" idx="10"/>
-          </p:nvPr>
-        </p:nvSpPr>
-        <p:spPr/>
-        <p:txBody>
-          <a:bodyPr/>
-          <a:lstStyle/>
-          <a:p>
-            <a:r>
-              <a:rPr lang="en-US"/>
-              <a:t>8/6/2019</a:t>
             </a:r>
           </a:p>
         </p:txBody>
@@ -41397,6 +41424,39 @@
           </a:p>
         </p:txBody>
       </p:sp>
+      <p:sp>
+        <p:nvSpPr>
+          <p:cNvPr id="17" name="Date Placeholder 1">
+            <a:extLst>
+              <a:ext uri="{FF2B5EF4-FFF2-40B4-BE49-F238E27FC236}">
+                <a16:creationId xmlns:a16="http://schemas.microsoft.com/office/drawing/2014/main" id="{93A44239-83D4-4F36-B64E-0890A4C5C2A3}"/>
+              </a:ext>
+            </a:extLst>
+          </p:cNvPr>
+          <p:cNvSpPr>
+            <a:spLocks noGrp="1"/>
+          </p:cNvSpPr>
+          <p:nvPr>
+            <p:ph type="dt" sz="half" idx="10"/>
+          </p:nvPr>
+        </p:nvSpPr>
+        <p:spPr>
+          <a:xfrm>
+            <a:off x="628650" y="6356351"/>
+            <a:ext cx="2057400" cy="365125"/>
+          </a:xfrm>
+        </p:spPr>
+        <p:txBody>
+          <a:bodyPr/>
+          <a:lstStyle/>
+          <a:p>
+            <a:r>
+              <a:rPr lang="en-US" dirty="0"/>
+              <a:t>8/9/2019</a:t>
+            </a:r>
+          </a:p>
+        </p:txBody>
+      </p:sp>
     </p:spTree>
     <p:extLst>
       <p:ext uri="{BB962C8B-B14F-4D97-AF65-F5344CB8AC3E}">
@@ -41458,34 +41518,6 @@
             <a:r>
               <a:rPr lang="en-US" dirty="0"/>
               <a:t>Charlotte, NC</a:t>
-            </a:r>
-          </a:p>
-        </p:txBody>
-      </p:sp>
-      <p:sp>
-        <p:nvSpPr>
-          <p:cNvPr id="2" name="Date Placeholder 1">
-            <a:extLst>
-              <a:ext uri="{FF2B5EF4-FFF2-40B4-BE49-F238E27FC236}">
-                <a16:creationId xmlns:a16="http://schemas.microsoft.com/office/drawing/2014/main" id="{E5C7501F-05AD-4696-A094-872D500C6BEE}"/>
-              </a:ext>
-            </a:extLst>
-          </p:cNvPr>
-          <p:cNvSpPr>
-            <a:spLocks noGrp="1"/>
-          </p:cNvSpPr>
-          <p:nvPr>
-            <p:ph type="dt" sz="half" idx="10"/>
-          </p:nvPr>
-        </p:nvSpPr>
-        <p:spPr/>
-        <p:txBody>
-          <a:bodyPr/>
-          <a:lstStyle/>
-          <a:p>
-            <a:r>
-              <a:rPr lang="en-US"/>
-              <a:t>8/6/2019</a:t>
             </a:r>
           </a:p>
         </p:txBody>
@@ -41848,6 +41880,39 @@
           </a:p>
         </p:txBody>
       </p:sp>
+      <p:sp>
+        <p:nvSpPr>
+          <p:cNvPr id="16" name="Date Placeholder 1">
+            <a:extLst>
+              <a:ext uri="{FF2B5EF4-FFF2-40B4-BE49-F238E27FC236}">
+                <a16:creationId xmlns:a16="http://schemas.microsoft.com/office/drawing/2014/main" id="{A6639697-16A6-4AD8-BA01-F392409DD8D2}"/>
+              </a:ext>
+            </a:extLst>
+          </p:cNvPr>
+          <p:cNvSpPr>
+            <a:spLocks noGrp="1"/>
+          </p:cNvSpPr>
+          <p:nvPr>
+            <p:ph type="dt" sz="half" idx="10"/>
+          </p:nvPr>
+        </p:nvSpPr>
+        <p:spPr>
+          <a:xfrm>
+            <a:off x="628650" y="6356351"/>
+            <a:ext cx="2057400" cy="365125"/>
+          </a:xfrm>
+        </p:spPr>
+        <p:txBody>
+          <a:bodyPr/>
+          <a:lstStyle/>
+          <a:p>
+            <a:r>
+              <a:rPr lang="en-US" dirty="0"/>
+              <a:t>8/9/2019</a:t>
+            </a:r>
+          </a:p>
+        </p:txBody>
+      </p:sp>
     </p:spTree>
     <p:extLst>
       <p:ext uri="{BB962C8B-B14F-4D97-AF65-F5344CB8AC3E}">
@@ -41909,34 +41974,6 @@
             <a:r>
               <a:rPr lang="en-US" dirty="0"/>
               <a:t>Charlotte, NC</a:t>
-            </a:r>
-          </a:p>
-        </p:txBody>
-      </p:sp>
-      <p:sp>
-        <p:nvSpPr>
-          <p:cNvPr id="2" name="Date Placeholder 1">
-            <a:extLst>
-              <a:ext uri="{FF2B5EF4-FFF2-40B4-BE49-F238E27FC236}">
-                <a16:creationId xmlns:a16="http://schemas.microsoft.com/office/drawing/2014/main" id="{E5C7501F-05AD-4696-A094-872D500C6BEE}"/>
-              </a:ext>
-            </a:extLst>
-          </p:cNvPr>
-          <p:cNvSpPr>
-            <a:spLocks noGrp="1"/>
-          </p:cNvSpPr>
-          <p:nvPr>
-            <p:ph type="dt" sz="half" idx="10"/>
-          </p:nvPr>
-        </p:nvSpPr>
-        <p:spPr/>
-        <p:txBody>
-          <a:bodyPr/>
-          <a:lstStyle/>
-          <a:p>
-            <a:r>
-              <a:rPr lang="en-US"/>
-              <a:t>8/6/2019</a:t>
             </a:r>
           </a:p>
         </p:txBody>
@@ -42264,6 +42301,39 @@
           </a:p>
         </p:txBody>
       </p:sp>
+      <p:sp>
+        <p:nvSpPr>
+          <p:cNvPr id="14" name="Date Placeholder 1">
+            <a:extLst>
+              <a:ext uri="{FF2B5EF4-FFF2-40B4-BE49-F238E27FC236}">
+                <a16:creationId xmlns:a16="http://schemas.microsoft.com/office/drawing/2014/main" id="{3D9BBC89-4B0D-4F62-AA59-AED69CB067B4}"/>
+              </a:ext>
+            </a:extLst>
+          </p:cNvPr>
+          <p:cNvSpPr>
+            <a:spLocks noGrp="1"/>
+          </p:cNvSpPr>
+          <p:nvPr>
+            <p:ph type="dt" sz="half" idx="10"/>
+          </p:nvPr>
+        </p:nvSpPr>
+        <p:spPr>
+          <a:xfrm>
+            <a:off x="628650" y="6356351"/>
+            <a:ext cx="2057400" cy="365125"/>
+          </a:xfrm>
+        </p:spPr>
+        <p:txBody>
+          <a:bodyPr/>
+          <a:lstStyle/>
+          <a:p>
+            <a:r>
+              <a:rPr lang="en-US" dirty="0"/>
+              <a:t>8/9/2019</a:t>
+            </a:r>
+          </a:p>
+        </p:txBody>
+      </p:sp>
     </p:spTree>
     <p:extLst>
       <p:ext uri="{BB962C8B-B14F-4D97-AF65-F5344CB8AC3E}">
@@ -42325,34 +42395,6 @@
             <a:r>
               <a:rPr lang="en-US" dirty="0"/>
               <a:t>Charlotte, NC</a:t>
-            </a:r>
-          </a:p>
-        </p:txBody>
-      </p:sp>
-      <p:sp>
-        <p:nvSpPr>
-          <p:cNvPr id="2" name="Date Placeholder 1">
-            <a:extLst>
-              <a:ext uri="{FF2B5EF4-FFF2-40B4-BE49-F238E27FC236}">
-                <a16:creationId xmlns:a16="http://schemas.microsoft.com/office/drawing/2014/main" id="{E5C7501F-05AD-4696-A094-872D500C6BEE}"/>
-              </a:ext>
-            </a:extLst>
-          </p:cNvPr>
-          <p:cNvSpPr>
-            <a:spLocks noGrp="1"/>
-          </p:cNvSpPr>
-          <p:nvPr>
-            <p:ph type="dt" sz="half" idx="10"/>
-          </p:nvPr>
-        </p:nvSpPr>
-        <p:spPr/>
-        <p:txBody>
-          <a:bodyPr/>
-          <a:lstStyle/>
-          <a:p>
-            <a:r>
-              <a:rPr lang="en-US"/>
-              <a:t>8/6/2019</a:t>
             </a:r>
           </a:p>
         </p:txBody>
@@ -42969,6 +43011,39 @@
           </a:p>
         </p:txBody>
       </p:sp>
+      <p:sp>
+        <p:nvSpPr>
+          <p:cNvPr id="17" name="Date Placeholder 1">
+            <a:extLst>
+              <a:ext uri="{FF2B5EF4-FFF2-40B4-BE49-F238E27FC236}">
+                <a16:creationId xmlns:a16="http://schemas.microsoft.com/office/drawing/2014/main" id="{EA11ED85-47F9-4207-B24A-D88E13C756B4}"/>
+              </a:ext>
+            </a:extLst>
+          </p:cNvPr>
+          <p:cNvSpPr>
+            <a:spLocks noGrp="1"/>
+          </p:cNvSpPr>
+          <p:nvPr>
+            <p:ph type="dt" sz="half" idx="10"/>
+          </p:nvPr>
+        </p:nvSpPr>
+        <p:spPr>
+          <a:xfrm>
+            <a:off x="628650" y="6356351"/>
+            <a:ext cx="2057400" cy="365125"/>
+          </a:xfrm>
+        </p:spPr>
+        <p:txBody>
+          <a:bodyPr/>
+          <a:lstStyle/>
+          <a:p>
+            <a:r>
+              <a:rPr lang="en-US" dirty="0"/>
+              <a:t>8/9/2019</a:t>
+            </a:r>
+          </a:p>
+        </p:txBody>
+      </p:sp>
     </p:spTree>
     <p:extLst>
       <p:ext uri="{BB962C8B-B14F-4D97-AF65-F5344CB8AC3E}">
@@ -43030,34 +43105,6 @@
             <a:r>
               <a:rPr lang="en-US" dirty="0"/>
               <a:t>Charlotte, NC</a:t>
-            </a:r>
-          </a:p>
-        </p:txBody>
-      </p:sp>
-      <p:sp>
-        <p:nvSpPr>
-          <p:cNvPr id="2" name="Date Placeholder 1">
-            <a:extLst>
-              <a:ext uri="{FF2B5EF4-FFF2-40B4-BE49-F238E27FC236}">
-                <a16:creationId xmlns:a16="http://schemas.microsoft.com/office/drawing/2014/main" id="{E5C7501F-05AD-4696-A094-872D500C6BEE}"/>
-              </a:ext>
-            </a:extLst>
-          </p:cNvPr>
-          <p:cNvSpPr>
-            <a:spLocks noGrp="1"/>
-          </p:cNvSpPr>
-          <p:nvPr>
-            <p:ph type="dt" sz="half" idx="10"/>
-          </p:nvPr>
-        </p:nvSpPr>
-        <p:spPr/>
-        <p:txBody>
-          <a:bodyPr/>
-          <a:lstStyle/>
-          <a:p>
-            <a:r>
-              <a:rPr lang="en-US"/>
-              <a:t>8/6/2019</a:t>
             </a:r>
           </a:p>
         </p:txBody>
@@ -43631,6 +43678,39 @@
           </a:p>
         </p:txBody>
       </p:sp>
+      <p:sp>
+        <p:nvSpPr>
+          <p:cNvPr id="17" name="Date Placeholder 1">
+            <a:extLst>
+              <a:ext uri="{FF2B5EF4-FFF2-40B4-BE49-F238E27FC236}">
+                <a16:creationId xmlns:a16="http://schemas.microsoft.com/office/drawing/2014/main" id="{AC34D580-B364-4CE8-BC60-A604505D916C}"/>
+              </a:ext>
+            </a:extLst>
+          </p:cNvPr>
+          <p:cNvSpPr>
+            <a:spLocks noGrp="1"/>
+          </p:cNvSpPr>
+          <p:nvPr>
+            <p:ph type="dt" sz="half" idx="10"/>
+          </p:nvPr>
+        </p:nvSpPr>
+        <p:spPr>
+          <a:xfrm>
+            <a:off x="628650" y="6356351"/>
+            <a:ext cx="2057400" cy="365125"/>
+          </a:xfrm>
+        </p:spPr>
+        <p:txBody>
+          <a:bodyPr/>
+          <a:lstStyle/>
+          <a:p>
+            <a:r>
+              <a:rPr lang="en-US" dirty="0"/>
+              <a:t>8/9/2019</a:t>
+            </a:r>
+          </a:p>
+        </p:txBody>
+      </p:sp>
     </p:spTree>
     <p:extLst>
       <p:ext uri="{BB962C8B-B14F-4D97-AF65-F5344CB8AC3E}">

--- a/wind_solar_time_series_analysis/Wind_Solar_Energy_Modeling_Analysis.pptx
+++ b/wind_solar_time_series_analysis/Wind_Solar_Energy_Modeling_Analysis.pptx
@@ -35317,8 +35317,8 @@
           </p:sp>
         </mc:Fallback>
       </mc:AlternateContent>
-      <mc:AlternateContent xmlns:mc="http://schemas.openxmlformats.org/markup-compatibility/2006" xmlns:a14="http://schemas.microsoft.com/office/drawing/2010/main">
-        <mc:Choice Requires="a14">
+      <mc:AlternateContent xmlns:mc="http://schemas.openxmlformats.org/markup-compatibility/2006">
+        <mc:Choice xmlns:a14="http://schemas.microsoft.com/office/drawing/2010/main" Requires="a14">
           <p:sp>
             <p:nvSpPr>
               <p:cNvPr id="19" name="TextBox 18">
@@ -35334,7 +35334,7 @@
             <p:spPr>
               <a:xfrm>
                 <a:off x="3213886" y="3870938"/>
-                <a:ext cx="2708370" cy="441211"/>
+                <a:ext cx="2560894" cy="441211"/>
               </a:xfrm>
               <a:prstGeom prst="rect">
                 <a:avLst/>
@@ -35402,7 +35402,7 @@
                           <a:rPr lang="en-US" b="0" i="1" smtClean="0">
                             <a:latin typeface="Cambria Math" panose="02040503050406030204" pitchFamily="18" charset="0"/>
                           </a:rPr>
-                          <m:t>𝑀𝑊h</m:t>
+                          <m:t>𝑊h</m:t>
                         </m:r>
                         <m:r>
                           <a:rPr lang="en-US" b="0" i="1" smtClean="0">
@@ -35452,7 +35452,7 @@
                           <a:rPr lang="en-US" b="0" i="1" smtClean="0">
                             <a:latin typeface="Cambria Math" panose="02040503050406030204" pitchFamily="18" charset="0"/>
                           </a:rPr>
-                          <m:t>𝑀𝑊h</m:t>
+                          <m:t>𝑊h</m:t>
                         </m:r>
                         <m:r>
                           <a:rPr lang="en-US" b="0" i="1" smtClean="0">
@@ -35469,7 +35469,7 @@
             </p:txBody>
           </p:sp>
         </mc:Choice>
-        <mc:Fallback xmlns="">
+        <mc:Fallback>
           <p:sp>
             <p:nvSpPr>
               <p:cNvPr id="19" name="TextBox 18">
@@ -35487,7 +35487,7 @@
             <p:spPr>
               <a:xfrm>
                 <a:off x="3213886" y="3870938"/>
-                <a:ext cx="2708370" cy="441211"/>
+                <a:ext cx="2560894" cy="441211"/>
               </a:xfrm>
               <a:prstGeom prst="rect">
                 <a:avLst/>
@@ -35495,7 +35495,7 @@
               <a:blipFill>
                 <a:blip r:embed="rId3"/>
                 <a:stretch>
-                  <a:fillRect l="-5180" t="-2778" r="-2703" b="-18056"/>
+                  <a:fillRect l="-5476" t="-2778" r="-2857" b="-18056"/>
                 </a:stretch>
               </a:blipFill>
             </p:spPr>

--- a/wind_solar_time_series_analysis/Wind_Solar_Energy_Modeling_Analysis.pptx
+++ b/wind_solar_time_series_analysis/Wind_Solar_Energy_Modeling_Analysis.pptx
@@ -5,7 +5,7 @@
     <p:sldMasterId id="2147483660" r:id="rId1"/>
   </p:sldMasterIdLst>
   <p:notesMasterIdLst>
-    <p:notesMasterId r:id="rId22"/>
+    <p:notesMasterId r:id="rId24"/>
   </p:notesMasterIdLst>
   <p:sldIdLst>
     <p:sldId id="326" r:id="rId2"/>
@@ -19,15 +19,17 @@
     <p:sldId id="332" r:id="rId10"/>
     <p:sldId id="333" r:id="rId11"/>
     <p:sldId id="341" r:id="rId12"/>
-    <p:sldId id="339" r:id="rId13"/>
-    <p:sldId id="351" r:id="rId14"/>
-    <p:sldId id="350" r:id="rId15"/>
-    <p:sldId id="348" r:id="rId16"/>
-    <p:sldId id="353" r:id="rId17"/>
-    <p:sldId id="352" r:id="rId18"/>
-    <p:sldId id="340" r:id="rId19"/>
-    <p:sldId id="279" r:id="rId20"/>
-    <p:sldId id="280" r:id="rId21"/>
+    <p:sldId id="356" r:id="rId13"/>
+    <p:sldId id="357" r:id="rId14"/>
+    <p:sldId id="354" r:id="rId15"/>
+    <p:sldId id="351" r:id="rId16"/>
+    <p:sldId id="350" r:id="rId17"/>
+    <p:sldId id="348" r:id="rId18"/>
+    <p:sldId id="353" r:id="rId19"/>
+    <p:sldId id="352" r:id="rId20"/>
+    <p:sldId id="340" r:id="rId21"/>
+    <p:sldId id="279" r:id="rId22"/>
+    <p:sldId id="280" r:id="rId23"/>
   </p:sldIdLst>
   <p:sldSz cx="9144000" cy="6858000" type="screen4x3"/>
   <p:notesSz cx="6858000" cy="9144000"/>
@@ -6932,7 +6934,7 @@
           <a:p>
             <a:fld id="{CA543562-D6DA-4F27-BC22-6D6509F6FC14}" type="datetimeFigureOut">
               <a:rPr lang="en-US" smtClean="0"/>
-              <a:t>8/9/2019</a:t>
+              <a:t>8/10/2019</a:t>
             </a:fld>
             <a:endParaRPr lang="en-US"/>
           </a:p>
@@ -7269,7 +7271,7 @@
           <a:p>
             <a:fld id="{11472842-1580-4E2C-A4E0-1474F4390AED}" type="slidenum">
               <a:rPr lang="en-US" smtClean="0"/>
-              <a:t>19</a:t>
+              <a:t>21</a:t>
             </a:fld>
             <a:endParaRPr lang="en-US" dirty="0"/>
           </a:p>
@@ -7358,7 +7360,7 @@
           <a:p>
             <a:fld id="{11472842-1580-4E2C-A4E0-1474F4390AED}" type="slidenum">
               <a:rPr lang="en-US" smtClean="0"/>
-              <a:t>20</a:t>
+              <a:t>22</a:t>
             </a:fld>
             <a:endParaRPr lang="en-US" dirty="0"/>
           </a:p>
@@ -23294,6 +23296,991 @@
       </p:sp>
       <p:sp>
         <p:nvSpPr>
+          <p:cNvPr id="10" name="Date Placeholder 1">
+            <a:extLst>
+              <a:ext uri="{FF2B5EF4-FFF2-40B4-BE49-F238E27FC236}">
+                <a16:creationId xmlns:a16="http://schemas.microsoft.com/office/drawing/2014/main" id="{FA235993-D4DF-4A80-8660-A6D5FACA9395}"/>
+              </a:ext>
+            </a:extLst>
+          </p:cNvPr>
+          <p:cNvSpPr>
+            <a:spLocks noGrp="1"/>
+          </p:cNvSpPr>
+          <p:nvPr>
+            <p:ph type="dt" sz="half" idx="10"/>
+          </p:nvPr>
+        </p:nvSpPr>
+        <p:spPr>
+          <a:xfrm>
+            <a:off x="628650" y="6356351"/>
+            <a:ext cx="2057400" cy="365125"/>
+          </a:xfrm>
+        </p:spPr>
+        <p:txBody>
+          <a:bodyPr/>
+          <a:lstStyle/>
+          <a:p>
+            <a:r>
+              <a:rPr lang="en-US" dirty="0"/>
+              <a:t>8/9/2019</a:t>
+            </a:r>
+          </a:p>
+        </p:txBody>
+      </p:sp>
+      <p:sp>
+        <p:nvSpPr>
+          <p:cNvPr id="25" name="Rectangle 24">
+            <a:extLst>
+              <a:ext uri="{FF2B5EF4-FFF2-40B4-BE49-F238E27FC236}">
+                <a16:creationId xmlns:a16="http://schemas.microsoft.com/office/drawing/2014/main" id="{6CFE931B-8478-4EA0-BEBF-C165396CC1F2}"/>
+              </a:ext>
+            </a:extLst>
+          </p:cNvPr>
+          <p:cNvSpPr/>
+          <p:nvPr/>
+        </p:nvSpPr>
+        <p:spPr>
+          <a:xfrm>
+            <a:off x="2969815" y="88599"/>
+            <a:ext cx="3346044" cy="369332"/>
+          </a:xfrm>
+          <a:prstGeom prst="rect">
+            <a:avLst/>
+          </a:prstGeom>
+        </p:spPr>
+        <p:txBody>
+          <a:bodyPr wrap="none">
+            <a:spAutoFit/>
+          </a:bodyPr>
+          <a:lstStyle/>
+          <a:p>
+            <a:r>
+              <a:rPr lang="en-US" b="1" dirty="0"/>
+              <a:t>Solar Energy Resources Modeling</a:t>
+            </a:r>
+          </a:p>
+        </p:txBody>
+      </p:sp>
+      <p:sp>
+        <p:nvSpPr>
+          <p:cNvPr id="26" name="TextBox 25">
+            <a:extLst>
+              <a:ext uri="{FF2B5EF4-FFF2-40B4-BE49-F238E27FC236}">
+                <a16:creationId xmlns:a16="http://schemas.microsoft.com/office/drawing/2014/main" id="{9332B689-01F0-4ED5-A70C-CDD7EE10E8DA}"/>
+              </a:ext>
+            </a:extLst>
+          </p:cNvPr>
+          <p:cNvSpPr txBox="1"/>
+          <p:nvPr/>
+        </p:nvSpPr>
+        <p:spPr>
+          <a:xfrm>
+            <a:off x="0" y="797457"/>
+            <a:ext cx="1442061" cy="369332"/>
+          </a:xfrm>
+          <a:prstGeom prst="rect">
+            <a:avLst/>
+          </a:prstGeom>
+          <a:noFill/>
+        </p:spPr>
+        <p:txBody>
+          <a:bodyPr wrap="none" rtlCol="0">
+            <a:spAutoFit/>
+          </a:bodyPr>
+          <a:lstStyle/>
+          <a:p>
+            <a:r>
+              <a:rPr lang="en-US" dirty="0"/>
+              <a:t>Charlotte, NC</a:t>
+            </a:r>
+          </a:p>
+        </p:txBody>
+      </p:sp>
+      <p:sp>
+        <p:nvSpPr>
+          <p:cNvPr id="27" name="TextBox 26">
+            <a:extLst>
+              <a:ext uri="{FF2B5EF4-FFF2-40B4-BE49-F238E27FC236}">
+                <a16:creationId xmlns:a16="http://schemas.microsoft.com/office/drawing/2014/main" id="{9B80F853-1B08-4A6D-869B-A542B03F58BD}"/>
+              </a:ext>
+            </a:extLst>
+          </p:cNvPr>
+          <p:cNvSpPr txBox="1"/>
+          <p:nvPr/>
+        </p:nvSpPr>
+        <p:spPr>
+          <a:xfrm>
+            <a:off x="7845473" y="797457"/>
+            <a:ext cx="1277914" cy="369332"/>
+          </a:xfrm>
+          <a:prstGeom prst="rect">
+            <a:avLst/>
+          </a:prstGeom>
+          <a:noFill/>
+        </p:spPr>
+        <p:txBody>
+          <a:bodyPr wrap="none" rtlCol="0">
+            <a:spAutoFit/>
+          </a:bodyPr>
+          <a:lstStyle/>
+          <a:p>
+            <a:r>
+              <a:rPr lang="en-US" dirty="0"/>
+              <a:t>Boston, MA</a:t>
+            </a:r>
+          </a:p>
+        </p:txBody>
+      </p:sp>
+      <p:sp>
+        <p:nvSpPr>
+          <p:cNvPr id="28" name="TextBox 27">
+            <a:extLst>
+              <a:ext uri="{FF2B5EF4-FFF2-40B4-BE49-F238E27FC236}">
+                <a16:creationId xmlns:a16="http://schemas.microsoft.com/office/drawing/2014/main" id="{5091C739-02E8-4A33-9982-E09DC86FCBF2}"/>
+              </a:ext>
+            </a:extLst>
+          </p:cNvPr>
+          <p:cNvSpPr txBox="1"/>
+          <p:nvPr/>
+        </p:nvSpPr>
+        <p:spPr>
+          <a:xfrm>
+            <a:off x="17742" y="3501606"/>
+            <a:ext cx="1288110" cy="369332"/>
+          </a:xfrm>
+          <a:prstGeom prst="rect">
+            <a:avLst/>
+          </a:prstGeom>
+          <a:noFill/>
+        </p:spPr>
+        <p:txBody>
+          <a:bodyPr wrap="none" rtlCol="0">
+            <a:spAutoFit/>
+          </a:bodyPr>
+          <a:lstStyle/>
+          <a:p>
+            <a:r>
+              <a:rPr lang="en-US" dirty="0"/>
+              <a:t>Boulder, CO</a:t>
+            </a:r>
+          </a:p>
+        </p:txBody>
+      </p:sp>
+      <p:sp>
+        <p:nvSpPr>
+          <p:cNvPr id="29" name="TextBox 28">
+            <a:extLst>
+              <a:ext uri="{FF2B5EF4-FFF2-40B4-BE49-F238E27FC236}">
+                <a16:creationId xmlns:a16="http://schemas.microsoft.com/office/drawing/2014/main" id="{41BF4F89-30D1-4CC4-B77B-462371B0005B}"/>
+              </a:ext>
+            </a:extLst>
+          </p:cNvPr>
+          <p:cNvSpPr txBox="1"/>
+          <p:nvPr/>
+        </p:nvSpPr>
+        <p:spPr>
+          <a:xfrm>
+            <a:off x="7951851" y="3501606"/>
+            <a:ext cx="1186672" cy="369332"/>
+          </a:xfrm>
+          <a:prstGeom prst="rect">
+            <a:avLst/>
+          </a:prstGeom>
+          <a:noFill/>
+        </p:spPr>
+        <p:txBody>
+          <a:bodyPr wrap="none" rtlCol="0">
+            <a:spAutoFit/>
+          </a:bodyPr>
+          <a:lstStyle/>
+          <a:p>
+            <a:r>
+              <a:rPr lang="en-US" dirty="0"/>
+              <a:t>Tucson, AZ</a:t>
+            </a:r>
+          </a:p>
+        </p:txBody>
+      </p:sp>
+      <p:sp>
+        <p:nvSpPr>
+          <p:cNvPr id="30" name="Rectangle 29">
+            <a:extLst>
+              <a:ext uri="{FF2B5EF4-FFF2-40B4-BE49-F238E27FC236}">
+                <a16:creationId xmlns:a16="http://schemas.microsoft.com/office/drawing/2014/main" id="{A1B2F844-3C9B-4B5A-A4D7-42443FF46D94}"/>
+              </a:ext>
+            </a:extLst>
+          </p:cNvPr>
+          <p:cNvSpPr/>
+          <p:nvPr/>
+        </p:nvSpPr>
+        <p:spPr>
+          <a:xfrm>
+            <a:off x="1622490" y="462704"/>
+            <a:ext cx="5901613" cy="369332"/>
+          </a:xfrm>
+          <a:prstGeom prst="rect">
+            <a:avLst/>
+          </a:prstGeom>
+        </p:spPr>
+        <p:txBody>
+          <a:bodyPr wrap="square">
+            <a:spAutoFit/>
+          </a:bodyPr>
+          <a:lstStyle/>
+          <a:p>
+            <a:pPr algn="ctr"/>
+            <a:r>
+              <a:rPr lang="en-US" dirty="0"/>
+              <a:t>Time series of Global Horizontal Solar Irradiance data (W/m</a:t>
+            </a:r>
+            <a:r>
+              <a:rPr lang="en-US" baseline="30000" dirty="0"/>
+              <a:t>2</a:t>
+            </a:r>
+            <a:r>
+              <a:rPr lang="en-US" dirty="0"/>
+              <a:t>)</a:t>
+            </a:r>
+          </a:p>
+        </p:txBody>
+      </p:sp>
+      <p:pic>
+        <p:nvPicPr>
+          <p:cNvPr id="31" name="Picture 2">
+            <a:extLst>
+              <a:ext uri="{FF2B5EF4-FFF2-40B4-BE49-F238E27FC236}">
+                <a16:creationId xmlns:a16="http://schemas.microsoft.com/office/drawing/2014/main" id="{D4B47A24-3B6B-41C3-8B89-DE1B03FDA89F}"/>
+              </a:ext>
+            </a:extLst>
+          </p:cNvPr>
+          <p:cNvPicPr>
+            <a:picLocks noChangeAspect="1" noChangeArrowheads="1"/>
+          </p:cNvPicPr>
+          <p:nvPr/>
+        </p:nvPicPr>
+        <p:blipFill>
+          <a:blip r:embed="rId2">
+            <a:extLst>
+              <a:ext uri="{28A0092B-C50C-407E-A947-70E740481C1C}">
+                <a14:useLocalDpi xmlns:a14="http://schemas.microsoft.com/office/drawing/2010/main" val="0"/>
+              </a:ext>
+            </a:extLst>
+          </a:blip>
+          <a:srcRect/>
+          <a:stretch>
+            <a:fillRect/>
+          </a:stretch>
+        </p:blipFill>
+        <p:spPr bwMode="auto">
+          <a:xfrm>
+            <a:off x="0" y="1166789"/>
+            <a:ext cx="4572000" cy="1796625"/>
+          </a:xfrm>
+          <a:prstGeom prst="rect">
+            <a:avLst/>
+          </a:prstGeom>
+          <a:noFill/>
+          <a:extLst>
+            <a:ext uri="{909E8E84-426E-40DD-AFC4-6F175D3DCCD1}">
+              <a14:hiddenFill xmlns:a14="http://schemas.microsoft.com/office/drawing/2010/main">
+                <a:solidFill>
+                  <a:srgbClr val="FFFFFF"/>
+                </a:solidFill>
+              </a14:hiddenFill>
+            </a:ext>
+          </a:extLst>
+        </p:spPr>
+      </p:pic>
+      <p:pic>
+        <p:nvPicPr>
+          <p:cNvPr id="32" name="Picture 6">
+            <a:extLst>
+              <a:ext uri="{FF2B5EF4-FFF2-40B4-BE49-F238E27FC236}">
+                <a16:creationId xmlns:a16="http://schemas.microsoft.com/office/drawing/2014/main" id="{55778B75-EA57-42D6-ADDC-02F1CE788AE5}"/>
+              </a:ext>
+            </a:extLst>
+          </p:cNvPr>
+          <p:cNvPicPr>
+            <a:picLocks noChangeAspect="1" noChangeArrowheads="1"/>
+          </p:cNvPicPr>
+          <p:nvPr/>
+        </p:nvPicPr>
+        <p:blipFill>
+          <a:blip r:embed="rId3">
+            <a:extLst>
+              <a:ext uri="{28A0092B-C50C-407E-A947-70E740481C1C}">
+                <a14:useLocalDpi xmlns:a14="http://schemas.microsoft.com/office/drawing/2010/main" val="0"/>
+              </a:ext>
+            </a:extLst>
+          </a:blip>
+          <a:srcRect/>
+          <a:stretch>
+            <a:fillRect/>
+          </a:stretch>
+        </p:blipFill>
+        <p:spPr bwMode="auto">
+          <a:xfrm>
+            <a:off x="0" y="3894586"/>
+            <a:ext cx="4572000" cy="1796625"/>
+          </a:xfrm>
+          <a:prstGeom prst="rect">
+            <a:avLst/>
+          </a:prstGeom>
+          <a:noFill/>
+          <a:extLst>
+            <a:ext uri="{909E8E84-426E-40DD-AFC4-6F175D3DCCD1}">
+              <a14:hiddenFill xmlns:a14="http://schemas.microsoft.com/office/drawing/2010/main">
+                <a:solidFill>
+                  <a:srgbClr val="FFFFFF"/>
+                </a:solidFill>
+              </a14:hiddenFill>
+            </a:ext>
+          </a:extLst>
+        </p:spPr>
+      </p:pic>
+      <p:pic>
+        <p:nvPicPr>
+          <p:cNvPr id="33" name="Picture 8">
+            <a:extLst>
+              <a:ext uri="{FF2B5EF4-FFF2-40B4-BE49-F238E27FC236}">
+                <a16:creationId xmlns:a16="http://schemas.microsoft.com/office/drawing/2014/main" id="{7A6B957F-0640-41F1-9EC6-DF5DE5E338B7}"/>
+              </a:ext>
+            </a:extLst>
+          </p:cNvPr>
+          <p:cNvPicPr>
+            <a:picLocks noChangeAspect="1" noChangeArrowheads="1"/>
+          </p:cNvPicPr>
+          <p:nvPr/>
+        </p:nvPicPr>
+        <p:blipFill>
+          <a:blip r:embed="rId4">
+            <a:extLst>
+              <a:ext uri="{28A0092B-C50C-407E-A947-70E740481C1C}">
+                <a14:useLocalDpi xmlns:a14="http://schemas.microsoft.com/office/drawing/2010/main" val="0"/>
+              </a:ext>
+            </a:extLst>
+          </a:blip>
+          <a:srcRect/>
+          <a:stretch>
+            <a:fillRect/>
+          </a:stretch>
+        </p:blipFill>
+        <p:spPr bwMode="auto">
+          <a:xfrm>
+            <a:off x="4572000" y="1130914"/>
+            <a:ext cx="4572000" cy="1796625"/>
+          </a:xfrm>
+          <a:prstGeom prst="rect">
+            <a:avLst/>
+          </a:prstGeom>
+          <a:noFill/>
+          <a:extLst>
+            <a:ext uri="{909E8E84-426E-40DD-AFC4-6F175D3DCCD1}">
+              <a14:hiddenFill xmlns:a14="http://schemas.microsoft.com/office/drawing/2010/main">
+                <a:solidFill>
+                  <a:srgbClr val="FFFFFF"/>
+                </a:solidFill>
+              </a14:hiddenFill>
+            </a:ext>
+          </a:extLst>
+        </p:spPr>
+      </p:pic>
+      <p:pic>
+        <p:nvPicPr>
+          <p:cNvPr id="34" name="Picture 10">
+            <a:extLst>
+              <a:ext uri="{FF2B5EF4-FFF2-40B4-BE49-F238E27FC236}">
+                <a16:creationId xmlns:a16="http://schemas.microsoft.com/office/drawing/2014/main" id="{E250662D-4BFC-43A8-891C-0FF8BFEB7354}"/>
+              </a:ext>
+            </a:extLst>
+          </p:cNvPr>
+          <p:cNvPicPr>
+            <a:picLocks noChangeAspect="1" noChangeArrowheads="1"/>
+          </p:cNvPicPr>
+          <p:nvPr/>
+        </p:nvPicPr>
+        <p:blipFill>
+          <a:blip r:embed="rId5">
+            <a:extLst>
+              <a:ext uri="{28A0092B-C50C-407E-A947-70E740481C1C}">
+                <a14:useLocalDpi xmlns:a14="http://schemas.microsoft.com/office/drawing/2010/main" val="0"/>
+              </a:ext>
+            </a:extLst>
+          </a:blip>
+          <a:srcRect/>
+          <a:stretch>
+            <a:fillRect/>
+          </a:stretch>
+        </p:blipFill>
+        <p:spPr bwMode="auto">
+          <a:xfrm>
+            <a:off x="4551387" y="3870938"/>
+            <a:ext cx="4572000" cy="1796625"/>
+          </a:xfrm>
+          <a:prstGeom prst="rect">
+            <a:avLst/>
+          </a:prstGeom>
+          <a:noFill/>
+          <a:extLst>
+            <a:ext uri="{909E8E84-426E-40DD-AFC4-6F175D3DCCD1}">
+              <a14:hiddenFill xmlns:a14="http://schemas.microsoft.com/office/drawing/2010/main">
+                <a:solidFill>
+                  <a:srgbClr val="FFFFFF"/>
+                </a:solidFill>
+              </a14:hiddenFill>
+            </a:ext>
+          </a:extLst>
+        </p:spPr>
+      </p:pic>
+    </p:spTree>
+    <p:extLst>
+      <p:ext uri="{BB962C8B-B14F-4D97-AF65-F5344CB8AC3E}">
+        <p14:creationId xmlns:p14="http://schemas.microsoft.com/office/powerpoint/2010/main" val="1801853564"/>
+      </p:ext>
+    </p:extLst>
+  </p:cSld>
+  <p:clrMapOvr>
+    <a:masterClrMapping/>
+  </p:clrMapOvr>
+</p:sld>
+</file>
+
+<file path=ppt/slides/slide13.xml><?xml version="1.0" encoding="utf-8"?>
+<p:sld xmlns:a="http://schemas.openxmlformats.org/drawingml/2006/main" xmlns:r="http://schemas.openxmlformats.org/officeDocument/2006/relationships" xmlns:p="http://schemas.openxmlformats.org/presentationml/2006/main">
+  <p:cSld>
+    <p:spTree>
+      <p:nvGrpSpPr>
+        <p:cNvPr id="1" name=""/>
+        <p:cNvGrpSpPr/>
+        <p:nvPr/>
+      </p:nvGrpSpPr>
+      <p:grpSpPr>
+        <a:xfrm>
+          <a:off x="0" y="0"/>
+          <a:ext cx="0" cy="0"/>
+          <a:chOff x="0" y="0"/>
+          <a:chExt cx="0" cy="0"/>
+        </a:xfrm>
+      </p:grpSpPr>
+      <p:sp>
+        <p:nvSpPr>
+          <p:cNvPr id="4" name="Slide Number Placeholder 3">
+            <a:extLst>
+              <a:ext uri="{FF2B5EF4-FFF2-40B4-BE49-F238E27FC236}">
+                <a16:creationId xmlns:a16="http://schemas.microsoft.com/office/drawing/2014/main" id="{025CB2AE-DF2C-4873-8659-B4DBC48FA091}"/>
+              </a:ext>
+            </a:extLst>
+          </p:cNvPr>
+          <p:cNvSpPr>
+            <a:spLocks noGrp="1"/>
+          </p:cNvSpPr>
+          <p:nvPr>
+            <p:ph type="sldNum" sz="quarter" idx="12"/>
+          </p:nvPr>
+        </p:nvSpPr>
+        <p:spPr/>
+        <p:txBody>
+          <a:bodyPr/>
+          <a:lstStyle/>
+          <a:p>
+            <a:fld id="{564B1479-74DF-4380-85F6-AB0A2FFC7165}" type="slidenum">
+              <a:rPr lang="en-US" smtClean="0"/>
+              <a:t>13</a:t>
+            </a:fld>
+            <a:endParaRPr lang="en-US"/>
+          </a:p>
+        </p:txBody>
+      </p:sp>
+      <p:sp>
+        <p:nvSpPr>
+          <p:cNvPr id="10" name="Date Placeholder 1">
+            <a:extLst>
+              <a:ext uri="{FF2B5EF4-FFF2-40B4-BE49-F238E27FC236}">
+                <a16:creationId xmlns:a16="http://schemas.microsoft.com/office/drawing/2014/main" id="{FA235993-D4DF-4A80-8660-A6D5FACA9395}"/>
+              </a:ext>
+            </a:extLst>
+          </p:cNvPr>
+          <p:cNvSpPr>
+            <a:spLocks noGrp="1"/>
+          </p:cNvSpPr>
+          <p:nvPr>
+            <p:ph type="dt" sz="half" idx="10"/>
+          </p:nvPr>
+        </p:nvSpPr>
+        <p:spPr>
+          <a:xfrm>
+            <a:off x="628650" y="6356351"/>
+            <a:ext cx="2057400" cy="365125"/>
+          </a:xfrm>
+        </p:spPr>
+        <p:txBody>
+          <a:bodyPr/>
+          <a:lstStyle/>
+          <a:p>
+            <a:r>
+              <a:rPr lang="en-US" dirty="0"/>
+              <a:t>8/9/2019</a:t>
+            </a:r>
+          </a:p>
+        </p:txBody>
+      </p:sp>
+      <p:sp>
+        <p:nvSpPr>
+          <p:cNvPr id="25" name="Rectangle 24">
+            <a:extLst>
+              <a:ext uri="{FF2B5EF4-FFF2-40B4-BE49-F238E27FC236}">
+                <a16:creationId xmlns:a16="http://schemas.microsoft.com/office/drawing/2014/main" id="{6CFE931B-8478-4EA0-BEBF-C165396CC1F2}"/>
+              </a:ext>
+            </a:extLst>
+          </p:cNvPr>
+          <p:cNvSpPr/>
+          <p:nvPr/>
+        </p:nvSpPr>
+        <p:spPr>
+          <a:xfrm>
+            <a:off x="2969815" y="88599"/>
+            <a:ext cx="3346044" cy="369332"/>
+          </a:xfrm>
+          <a:prstGeom prst="rect">
+            <a:avLst/>
+          </a:prstGeom>
+        </p:spPr>
+        <p:txBody>
+          <a:bodyPr wrap="none">
+            <a:spAutoFit/>
+          </a:bodyPr>
+          <a:lstStyle/>
+          <a:p>
+            <a:r>
+              <a:rPr lang="en-US" b="1" dirty="0"/>
+              <a:t>Solar Energy Resources Modeling</a:t>
+            </a:r>
+          </a:p>
+        </p:txBody>
+      </p:sp>
+      <p:sp>
+        <p:nvSpPr>
+          <p:cNvPr id="26" name="TextBox 25">
+            <a:extLst>
+              <a:ext uri="{FF2B5EF4-FFF2-40B4-BE49-F238E27FC236}">
+                <a16:creationId xmlns:a16="http://schemas.microsoft.com/office/drawing/2014/main" id="{9332B689-01F0-4ED5-A70C-CDD7EE10E8DA}"/>
+              </a:ext>
+            </a:extLst>
+          </p:cNvPr>
+          <p:cNvSpPr txBox="1"/>
+          <p:nvPr/>
+        </p:nvSpPr>
+        <p:spPr>
+          <a:xfrm>
+            <a:off x="0" y="797457"/>
+            <a:ext cx="1442061" cy="369332"/>
+          </a:xfrm>
+          <a:prstGeom prst="rect">
+            <a:avLst/>
+          </a:prstGeom>
+          <a:noFill/>
+        </p:spPr>
+        <p:txBody>
+          <a:bodyPr wrap="none" rtlCol="0">
+            <a:spAutoFit/>
+          </a:bodyPr>
+          <a:lstStyle/>
+          <a:p>
+            <a:r>
+              <a:rPr lang="en-US" dirty="0"/>
+              <a:t>Charlotte, NC</a:t>
+            </a:r>
+          </a:p>
+        </p:txBody>
+      </p:sp>
+      <p:sp>
+        <p:nvSpPr>
+          <p:cNvPr id="27" name="TextBox 26">
+            <a:extLst>
+              <a:ext uri="{FF2B5EF4-FFF2-40B4-BE49-F238E27FC236}">
+                <a16:creationId xmlns:a16="http://schemas.microsoft.com/office/drawing/2014/main" id="{9B80F853-1B08-4A6D-869B-A542B03F58BD}"/>
+              </a:ext>
+            </a:extLst>
+          </p:cNvPr>
+          <p:cNvSpPr txBox="1"/>
+          <p:nvPr/>
+        </p:nvSpPr>
+        <p:spPr>
+          <a:xfrm>
+            <a:off x="7845473" y="797457"/>
+            <a:ext cx="1277914" cy="369332"/>
+          </a:xfrm>
+          <a:prstGeom prst="rect">
+            <a:avLst/>
+          </a:prstGeom>
+          <a:noFill/>
+        </p:spPr>
+        <p:txBody>
+          <a:bodyPr wrap="none" rtlCol="0">
+            <a:spAutoFit/>
+          </a:bodyPr>
+          <a:lstStyle/>
+          <a:p>
+            <a:r>
+              <a:rPr lang="en-US" dirty="0"/>
+              <a:t>Boston, MA</a:t>
+            </a:r>
+          </a:p>
+        </p:txBody>
+      </p:sp>
+      <p:sp>
+        <p:nvSpPr>
+          <p:cNvPr id="28" name="TextBox 27">
+            <a:extLst>
+              <a:ext uri="{FF2B5EF4-FFF2-40B4-BE49-F238E27FC236}">
+                <a16:creationId xmlns:a16="http://schemas.microsoft.com/office/drawing/2014/main" id="{5091C739-02E8-4A33-9982-E09DC86FCBF2}"/>
+              </a:ext>
+            </a:extLst>
+          </p:cNvPr>
+          <p:cNvSpPr txBox="1"/>
+          <p:nvPr/>
+        </p:nvSpPr>
+        <p:spPr>
+          <a:xfrm>
+            <a:off x="17742" y="3501606"/>
+            <a:ext cx="1288110" cy="369332"/>
+          </a:xfrm>
+          <a:prstGeom prst="rect">
+            <a:avLst/>
+          </a:prstGeom>
+          <a:noFill/>
+        </p:spPr>
+        <p:txBody>
+          <a:bodyPr wrap="none" rtlCol="0">
+            <a:spAutoFit/>
+          </a:bodyPr>
+          <a:lstStyle/>
+          <a:p>
+            <a:r>
+              <a:rPr lang="en-US" dirty="0"/>
+              <a:t>Boulder, CO</a:t>
+            </a:r>
+          </a:p>
+        </p:txBody>
+      </p:sp>
+      <p:sp>
+        <p:nvSpPr>
+          <p:cNvPr id="29" name="TextBox 28">
+            <a:extLst>
+              <a:ext uri="{FF2B5EF4-FFF2-40B4-BE49-F238E27FC236}">
+                <a16:creationId xmlns:a16="http://schemas.microsoft.com/office/drawing/2014/main" id="{41BF4F89-30D1-4CC4-B77B-462371B0005B}"/>
+              </a:ext>
+            </a:extLst>
+          </p:cNvPr>
+          <p:cNvSpPr txBox="1"/>
+          <p:nvPr/>
+        </p:nvSpPr>
+        <p:spPr>
+          <a:xfrm>
+            <a:off x="7951851" y="3501606"/>
+            <a:ext cx="1186672" cy="369332"/>
+          </a:xfrm>
+          <a:prstGeom prst="rect">
+            <a:avLst/>
+          </a:prstGeom>
+          <a:noFill/>
+        </p:spPr>
+        <p:txBody>
+          <a:bodyPr wrap="none" rtlCol="0">
+            <a:spAutoFit/>
+          </a:bodyPr>
+          <a:lstStyle/>
+          <a:p>
+            <a:r>
+              <a:rPr lang="en-US" dirty="0"/>
+              <a:t>Tucson, AZ</a:t>
+            </a:r>
+          </a:p>
+        </p:txBody>
+      </p:sp>
+      <p:sp>
+        <p:nvSpPr>
+          <p:cNvPr id="14" name="Rectangle 13">
+            <a:extLst>
+              <a:ext uri="{FF2B5EF4-FFF2-40B4-BE49-F238E27FC236}">
+                <a16:creationId xmlns:a16="http://schemas.microsoft.com/office/drawing/2014/main" id="{5EE5F1B9-7EB5-4C8E-864B-84512014E096}"/>
+              </a:ext>
+            </a:extLst>
+          </p:cNvPr>
+          <p:cNvSpPr/>
+          <p:nvPr/>
+        </p:nvSpPr>
+        <p:spPr>
+          <a:xfrm>
+            <a:off x="1526805" y="489734"/>
+            <a:ext cx="6232064" cy="646331"/>
+          </a:xfrm>
+          <a:prstGeom prst="rect">
+            <a:avLst/>
+          </a:prstGeom>
+        </p:spPr>
+        <p:txBody>
+          <a:bodyPr wrap="square">
+            <a:spAutoFit/>
+          </a:bodyPr>
+          <a:lstStyle/>
+          <a:p>
+            <a:pPr algn="ctr"/>
+            <a:r>
+              <a:rPr lang="en-US" dirty="0"/>
+              <a:t>Boxplots of monthly distribution of Global Horizontal </a:t>
+            </a:r>
+          </a:p>
+          <a:p>
+            <a:pPr algn="ctr"/>
+            <a:r>
+              <a:rPr lang="en-US" dirty="0"/>
+              <a:t>Solar Irradiance (GHI)</a:t>
+            </a:r>
+          </a:p>
+        </p:txBody>
+      </p:sp>
+      <p:pic>
+        <p:nvPicPr>
+          <p:cNvPr id="15" name="Picture 2">
+            <a:extLst>
+              <a:ext uri="{FF2B5EF4-FFF2-40B4-BE49-F238E27FC236}">
+                <a16:creationId xmlns:a16="http://schemas.microsoft.com/office/drawing/2014/main" id="{B87A7B17-3739-4815-BBA3-5EA1D3A069C0}"/>
+              </a:ext>
+            </a:extLst>
+          </p:cNvPr>
+          <p:cNvPicPr>
+            <a:picLocks noChangeAspect="1" noChangeArrowheads="1"/>
+          </p:cNvPicPr>
+          <p:nvPr/>
+        </p:nvPicPr>
+        <p:blipFill rotWithShape="1">
+          <a:blip r:embed="rId2">
+            <a:extLst>
+              <a:ext uri="{28A0092B-C50C-407E-A947-70E740481C1C}">
+                <a14:useLocalDpi xmlns:a14="http://schemas.microsoft.com/office/drawing/2010/main" val="0"/>
+              </a:ext>
+            </a:extLst>
+          </a:blip>
+          <a:srcRect t="6949"/>
+          <a:stretch/>
+        </p:blipFill>
+        <p:spPr bwMode="auto">
+          <a:xfrm>
+            <a:off x="0" y="1214718"/>
+            <a:ext cx="4572000" cy="1740391"/>
+          </a:xfrm>
+          <a:prstGeom prst="rect">
+            <a:avLst/>
+          </a:prstGeom>
+          <a:noFill/>
+          <a:extLst>
+            <a:ext uri="{909E8E84-426E-40DD-AFC4-6F175D3DCCD1}">
+              <a14:hiddenFill xmlns:a14="http://schemas.microsoft.com/office/drawing/2010/main">
+                <a:solidFill>
+                  <a:srgbClr val="FFFFFF"/>
+                </a:solidFill>
+              </a14:hiddenFill>
+            </a:ext>
+          </a:extLst>
+        </p:spPr>
+      </p:pic>
+      <p:pic>
+        <p:nvPicPr>
+          <p:cNvPr id="16" name="Picture 4">
+            <a:extLst>
+              <a:ext uri="{FF2B5EF4-FFF2-40B4-BE49-F238E27FC236}">
+                <a16:creationId xmlns:a16="http://schemas.microsoft.com/office/drawing/2014/main" id="{48EA3230-4707-4905-BB39-B5FF6F4059F7}"/>
+              </a:ext>
+            </a:extLst>
+          </p:cNvPr>
+          <p:cNvPicPr>
+            <a:picLocks noChangeAspect="1" noChangeArrowheads="1"/>
+          </p:cNvPicPr>
+          <p:nvPr/>
+        </p:nvPicPr>
+        <p:blipFill rotWithShape="1">
+          <a:blip r:embed="rId3">
+            <a:extLst>
+              <a:ext uri="{28A0092B-C50C-407E-A947-70E740481C1C}">
+                <a14:useLocalDpi xmlns:a14="http://schemas.microsoft.com/office/drawing/2010/main" val="0"/>
+              </a:ext>
+            </a:extLst>
+          </a:blip>
+          <a:srcRect t="6949"/>
+          <a:stretch/>
+        </p:blipFill>
+        <p:spPr bwMode="auto">
+          <a:xfrm>
+            <a:off x="12904" y="3902891"/>
+            <a:ext cx="4572000" cy="1740391"/>
+          </a:xfrm>
+          <a:prstGeom prst="rect">
+            <a:avLst/>
+          </a:prstGeom>
+          <a:noFill/>
+          <a:extLst>
+            <a:ext uri="{909E8E84-426E-40DD-AFC4-6F175D3DCCD1}">
+              <a14:hiddenFill xmlns:a14="http://schemas.microsoft.com/office/drawing/2010/main">
+                <a:solidFill>
+                  <a:srgbClr val="FFFFFF"/>
+                </a:solidFill>
+              </a14:hiddenFill>
+            </a:ext>
+          </a:extLst>
+        </p:spPr>
+      </p:pic>
+      <p:pic>
+        <p:nvPicPr>
+          <p:cNvPr id="17" name="Picture 6">
+            <a:extLst>
+              <a:ext uri="{FF2B5EF4-FFF2-40B4-BE49-F238E27FC236}">
+                <a16:creationId xmlns:a16="http://schemas.microsoft.com/office/drawing/2014/main" id="{B44DE79F-8813-4F53-A5C2-2669A7243C98}"/>
+              </a:ext>
+            </a:extLst>
+          </p:cNvPr>
+          <p:cNvPicPr>
+            <a:picLocks noChangeAspect="1" noChangeArrowheads="1"/>
+          </p:cNvPicPr>
+          <p:nvPr/>
+        </p:nvPicPr>
+        <p:blipFill rotWithShape="1">
+          <a:blip r:embed="rId4">
+            <a:extLst>
+              <a:ext uri="{28A0092B-C50C-407E-A947-70E740481C1C}">
+                <a14:useLocalDpi xmlns:a14="http://schemas.microsoft.com/office/drawing/2010/main" val="0"/>
+              </a:ext>
+            </a:extLst>
+          </a:blip>
+          <a:srcRect t="6589"/>
+          <a:stretch/>
+        </p:blipFill>
+        <p:spPr bwMode="auto">
+          <a:xfrm>
+            <a:off x="4572000" y="1182765"/>
+            <a:ext cx="4572000" cy="1747134"/>
+          </a:xfrm>
+          <a:prstGeom prst="rect">
+            <a:avLst/>
+          </a:prstGeom>
+          <a:noFill/>
+          <a:extLst>
+            <a:ext uri="{909E8E84-426E-40DD-AFC4-6F175D3DCCD1}">
+              <a14:hiddenFill xmlns:a14="http://schemas.microsoft.com/office/drawing/2010/main">
+                <a:solidFill>
+                  <a:srgbClr val="FFFFFF"/>
+                </a:solidFill>
+              </a14:hiddenFill>
+            </a:ext>
+          </a:extLst>
+        </p:spPr>
+      </p:pic>
+      <p:pic>
+        <p:nvPicPr>
+          <p:cNvPr id="18" name="Picture 8">
+            <a:extLst>
+              <a:ext uri="{FF2B5EF4-FFF2-40B4-BE49-F238E27FC236}">
+                <a16:creationId xmlns:a16="http://schemas.microsoft.com/office/drawing/2014/main" id="{B54FB13D-2FF6-4600-A11C-5E5DC91B4BC3}"/>
+              </a:ext>
+            </a:extLst>
+          </p:cNvPr>
+          <p:cNvPicPr>
+            <a:picLocks noChangeAspect="1" noChangeArrowheads="1"/>
+          </p:cNvPicPr>
+          <p:nvPr/>
+        </p:nvPicPr>
+        <p:blipFill rotWithShape="1">
+          <a:blip r:embed="rId5">
+            <a:extLst>
+              <a:ext uri="{28A0092B-C50C-407E-A947-70E740481C1C}">
+                <a14:useLocalDpi xmlns:a14="http://schemas.microsoft.com/office/drawing/2010/main" val="0"/>
+              </a:ext>
+            </a:extLst>
+          </a:blip>
+          <a:srcRect t="6949"/>
+          <a:stretch/>
+        </p:blipFill>
+        <p:spPr bwMode="auto">
+          <a:xfrm>
+            <a:off x="4578525" y="3870938"/>
+            <a:ext cx="4572000" cy="1740391"/>
+          </a:xfrm>
+          <a:prstGeom prst="rect">
+            <a:avLst/>
+          </a:prstGeom>
+          <a:noFill/>
+          <a:extLst>
+            <a:ext uri="{909E8E84-426E-40DD-AFC4-6F175D3DCCD1}">
+              <a14:hiddenFill xmlns:a14="http://schemas.microsoft.com/office/drawing/2010/main">
+                <a:solidFill>
+                  <a:srgbClr val="FFFFFF"/>
+                </a:solidFill>
+              </a14:hiddenFill>
+            </a:ext>
+          </a:extLst>
+        </p:spPr>
+      </p:pic>
+    </p:spTree>
+    <p:extLst>
+      <p:ext uri="{BB962C8B-B14F-4D97-AF65-F5344CB8AC3E}">
+        <p14:creationId xmlns:p14="http://schemas.microsoft.com/office/powerpoint/2010/main" val="3886004362"/>
+      </p:ext>
+    </p:extLst>
+  </p:cSld>
+  <p:clrMapOvr>
+    <a:masterClrMapping/>
+  </p:clrMapOvr>
+</p:sld>
+</file>
+
+<file path=ppt/slides/slide14.xml><?xml version="1.0" encoding="utf-8"?>
+<p:sld xmlns:a="http://schemas.openxmlformats.org/drawingml/2006/main" xmlns:r="http://schemas.openxmlformats.org/officeDocument/2006/relationships" xmlns:p="http://schemas.openxmlformats.org/presentationml/2006/main">
+  <p:cSld>
+    <p:spTree>
+      <p:nvGrpSpPr>
+        <p:cNvPr id="1" name=""/>
+        <p:cNvGrpSpPr/>
+        <p:nvPr/>
+      </p:nvGrpSpPr>
+      <p:grpSpPr>
+        <a:xfrm>
+          <a:off x="0" y="0"/>
+          <a:ext cx="0" cy="0"/>
+          <a:chOff x="0" y="0"/>
+          <a:chExt cx="0" cy="0"/>
+        </a:xfrm>
+      </p:grpSpPr>
+      <p:sp>
+        <p:nvSpPr>
+          <p:cNvPr id="4" name="Slide Number Placeholder 3">
+            <a:extLst>
+              <a:ext uri="{FF2B5EF4-FFF2-40B4-BE49-F238E27FC236}">
+                <a16:creationId xmlns:a16="http://schemas.microsoft.com/office/drawing/2014/main" id="{025CB2AE-DF2C-4873-8659-B4DBC48FA091}"/>
+              </a:ext>
+            </a:extLst>
+          </p:cNvPr>
+          <p:cNvSpPr>
+            <a:spLocks noGrp="1"/>
+          </p:cNvSpPr>
+          <p:nvPr>
+            <p:ph type="sldNum" sz="quarter" idx="12"/>
+          </p:nvPr>
+        </p:nvSpPr>
+        <p:spPr/>
+        <p:txBody>
+          <a:bodyPr/>
+          <a:lstStyle/>
+          <a:p>
+            <a:fld id="{564B1479-74DF-4380-85F6-AB0A2FFC7165}" type="slidenum">
+              <a:rPr lang="en-US" smtClean="0"/>
+              <a:t>14</a:t>
+            </a:fld>
+            <a:endParaRPr lang="en-US"/>
+          </a:p>
+        </p:txBody>
+      </p:sp>
+      <p:sp>
+        <p:nvSpPr>
           <p:cNvPr id="15" name="Rectangle 14">
             <a:extLst>
               <a:ext uri="{FF2B5EF4-FFF2-40B4-BE49-F238E27FC236}">
@@ -23593,7 +24580,7 @@
     </p:spTree>
     <p:extLst>
       <p:ext uri="{BB962C8B-B14F-4D97-AF65-F5344CB8AC3E}">
-        <p14:creationId xmlns:p14="http://schemas.microsoft.com/office/powerpoint/2010/main" val="541662715"/>
+        <p14:creationId xmlns:p14="http://schemas.microsoft.com/office/powerpoint/2010/main" val="2538385885"/>
       </p:ext>
     </p:extLst>
   </p:cSld>
@@ -23603,7 +24590,7 @@
 </p:sld>
 </file>
 
-<file path=ppt/slides/slide13.xml><?xml version="1.0" encoding="utf-8"?>
+<file path=ppt/slides/slide15.xml><?xml version="1.0" encoding="utf-8"?>
 <p:sld xmlns:a="http://schemas.openxmlformats.org/drawingml/2006/main" xmlns:r="http://schemas.openxmlformats.org/officeDocument/2006/relationships" xmlns:p="http://schemas.openxmlformats.org/presentationml/2006/main">
   <p:cSld>
     <p:spTree>
@@ -23643,7 +24630,7 @@
           <a:p>
             <a:fld id="{564B1479-74DF-4380-85F6-AB0A2FFC7165}" type="slidenum">
               <a:rPr lang="en-US" smtClean="0"/>
-              <a:t>13</a:t>
+              <a:t>15</a:t>
             </a:fld>
             <a:endParaRPr lang="en-US"/>
           </a:p>
@@ -23952,7 +24939,7 @@
 </p:sld>
 </file>
 
-<file path=ppt/slides/slide14.xml><?xml version="1.0" encoding="utf-8"?>
+<file path=ppt/slides/slide16.xml><?xml version="1.0" encoding="utf-8"?>
 <p:sld xmlns:a="http://schemas.openxmlformats.org/drawingml/2006/main" xmlns:r="http://schemas.openxmlformats.org/officeDocument/2006/relationships" xmlns:p="http://schemas.openxmlformats.org/presentationml/2006/main">
   <p:cSld>
     <p:spTree>
@@ -23992,7 +24979,7 @@
           <a:p>
             <a:fld id="{564B1479-74DF-4380-85F6-AB0A2FFC7165}" type="slidenum">
               <a:rPr lang="en-US" smtClean="0"/>
-              <a:t>14</a:t>
+              <a:t>16</a:t>
             </a:fld>
             <a:endParaRPr lang="en-US"/>
           </a:p>
@@ -24930,7 +25917,7 @@
 </p:sld>
 </file>
 
-<file path=ppt/slides/slide15.xml><?xml version="1.0" encoding="utf-8"?>
+<file path=ppt/slides/slide17.xml><?xml version="1.0" encoding="utf-8"?>
 <p:sld xmlns:a="http://schemas.openxmlformats.org/drawingml/2006/main" xmlns:r="http://schemas.openxmlformats.org/officeDocument/2006/relationships" xmlns:p="http://schemas.openxmlformats.org/presentationml/2006/main">
   <p:cSld>
     <p:spTree>
@@ -24970,7 +25957,7 @@
           <a:p>
             <a:fld id="{564B1479-74DF-4380-85F6-AB0A2FFC7165}" type="slidenum">
               <a:rPr lang="en-US" smtClean="0"/>
-              <a:t>15</a:t>
+              <a:t>17</a:t>
             </a:fld>
             <a:endParaRPr lang="en-US"/>
           </a:p>
@@ -25279,7 +26266,7 @@
 </p:sld>
 </file>
 
-<file path=ppt/slides/slide16.xml><?xml version="1.0" encoding="utf-8"?>
+<file path=ppt/slides/slide18.xml><?xml version="1.0" encoding="utf-8"?>
 <p:sld xmlns:a="http://schemas.openxmlformats.org/drawingml/2006/main" xmlns:r="http://schemas.openxmlformats.org/officeDocument/2006/relationships" xmlns:p="http://schemas.openxmlformats.org/presentationml/2006/main">
   <p:cSld>
     <p:spTree>
@@ -25354,7 +26341,7 @@
           <a:p>
             <a:fld id="{564B1479-74DF-4380-85F6-AB0A2FFC7165}" type="slidenum">
               <a:rPr lang="en-US" smtClean="0"/>
-              <a:t>16</a:t>
+              <a:t>18</a:t>
             </a:fld>
             <a:endParaRPr lang="en-US"/>
           </a:p>
@@ -35317,8 +36304,8 @@
           </p:sp>
         </mc:Fallback>
       </mc:AlternateContent>
-      <mc:AlternateContent xmlns:mc="http://schemas.openxmlformats.org/markup-compatibility/2006">
-        <mc:Choice xmlns:a14="http://schemas.microsoft.com/office/drawing/2010/main" Requires="a14">
+      <mc:AlternateContent xmlns:mc="http://schemas.openxmlformats.org/markup-compatibility/2006" xmlns:a14="http://schemas.microsoft.com/office/drawing/2010/main">
+        <mc:Choice Requires="a14">
           <p:sp>
             <p:nvSpPr>
               <p:cNvPr id="19" name="TextBox 18">
@@ -35469,7 +36456,7 @@
             </p:txBody>
           </p:sp>
         </mc:Choice>
-        <mc:Fallback>
+        <mc:Fallback xmlns="">
           <p:sp>
             <p:nvSpPr>
               <p:cNvPr id="19" name="TextBox 18">
@@ -35638,7 +36625,7 @@
 </p:sld>
 </file>
 
-<file path=ppt/slides/slide17.xml><?xml version="1.0" encoding="utf-8"?>
+<file path=ppt/slides/slide19.xml><?xml version="1.0" encoding="utf-8"?>
 <p:sld xmlns:a="http://schemas.openxmlformats.org/drawingml/2006/main" xmlns:r="http://schemas.openxmlformats.org/officeDocument/2006/relationships" xmlns:p="http://schemas.openxmlformats.org/presentationml/2006/main">
   <p:cSld>
     <p:spTree>
@@ -35678,7 +36665,7 @@
           <a:p>
             <a:fld id="{564B1479-74DF-4380-85F6-AB0A2FFC7165}" type="slidenum">
               <a:rPr lang="en-US" smtClean="0"/>
-              <a:t>17</a:t>
+              <a:t>19</a:t>
             </a:fld>
             <a:endParaRPr lang="en-US"/>
           </a:p>
@@ -36903,7 +37890,123 @@
 </p:sld>
 </file>
 
-<file path=ppt/slides/slide18.xml><?xml version="1.0" encoding="utf-8"?>
+<file path=ppt/slides/slide2.xml><?xml version="1.0" encoding="utf-8"?>
+<p:sld xmlns:a="http://schemas.openxmlformats.org/drawingml/2006/main" xmlns:r="http://schemas.openxmlformats.org/officeDocument/2006/relationships" xmlns:p="http://schemas.openxmlformats.org/presentationml/2006/main">
+  <p:cSld>
+    <p:spTree>
+      <p:nvGrpSpPr>
+        <p:cNvPr id="1" name=""/>
+        <p:cNvGrpSpPr/>
+        <p:nvPr/>
+      </p:nvGrpSpPr>
+      <p:grpSpPr>
+        <a:xfrm>
+          <a:off x="0" y="0"/>
+          <a:ext cx="0" cy="0"/>
+          <a:chOff x="0" y="0"/>
+          <a:chExt cx="0" cy="0"/>
+        </a:xfrm>
+      </p:grpSpPr>
+      <p:sp>
+        <p:nvSpPr>
+          <p:cNvPr id="4" name="Slide Number Placeholder 3"/>
+          <p:cNvSpPr>
+            <a:spLocks noGrp="1"/>
+          </p:cNvSpPr>
+          <p:nvPr>
+            <p:ph type="sldNum" sz="quarter" idx="12"/>
+          </p:nvPr>
+        </p:nvSpPr>
+        <p:spPr/>
+        <p:txBody>
+          <a:bodyPr/>
+          <a:lstStyle/>
+          <a:p>
+            <a:fld id="{10038807-1F43-C242-97ED-819D14105488}" type="slidenum">
+              <a:rPr lang="en-US" smtClean="0">
+                <a:solidFill>
+                  <a:schemeClr val="tx1"/>
+                </a:solidFill>
+              </a:rPr>
+              <a:t>2</a:t>
+            </a:fld>
+            <a:endParaRPr lang="en-US" dirty="0">
+              <a:solidFill>
+                <a:schemeClr val="tx1"/>
+              </a:solidFill>
+            </a:endParaRPr>
+          </a:p>
+        </p:txBody>
+      </p:sp>
+      <p:graphicFrame>
+        <p:nvGraphicFramePr>
+          <p:cNvPr id="5" name="Diagram 4"/>
+          <p:cNvGraphicFramePr/>
+          <p:nvPr>
+            <p:extLst>
+              <p:ext uri="{D42A27DB-BD31-4B8C-83A1-F6EECF244321}">
+                <p14:modId xmlns:p14="http://schemas.microsoft.com/office/powerpoint/2010/main" val="464208637"/>
+              </p:ext>
+            </p:extLst>
+          </p:nvPr>
+        </p:nvGraphicFramePr>
+        <p:xfrm>
+          <a:off x="1771650" y="1028701"/>
+          <a:ext cx="5943600" cy="4235450"/>
+        </p:xfrm>
+        <a:graphic>
+          <a:graphicData uri="http://schemas.openxmlformats.org/drawingml/2006/diagram">
+            <dgm:relIds xmlns:dgm="http://schemas.openxmlformats.org/drawingml/2006/diagram" xmlns:r="http://schemas.openxmlformats.org/officeDocument/2006/relationships" r:dm="rId2" r:lo="rId3" r:qs="rId4" r:cs="rId5"/>
+          </a:graphicData>
+        </a:graphic>
+      </p:graphicFrame>
+      <p:sp>
+        <p:nvSpPr>
+          <p:cNvPr id="6" name="Date Placeholder 1">
+            <a:extLst>
+              <a:ext uri="{FF2B5EF4-FFF2-40B4-BE49-F238E27FC236}">
+                <a16:creationId xmlns:a16="http://schemas.microsoft.com/office/drawing/2014/main" id="{692AD37A-9EC1-4F6F-9640-352DD1C6BD89}"/>
+              </a:ext>
+            </a:extLst>
+          </p:cNvPr>
+          <p:cNvSpPr>
+            <a:spLocks noGrp="1"/>
+          </p:cNvSpPr>
+          <p:nvPr>
+            <p:ph type="dt" sz="half" idx="10"/>
+          </p:nvPr>
+        </p:nvSpPr>
+        <p:spPr>
+          <a:xfrm>
+            <a:off x="628650" y="6356351"/>
+            <a:ext cx="2057400" cy="365125"/>
+          </a:xfrm>
+        </p:spPr>
+        <p:txBody>
+          <a:bodyPr/>
+          <a:lstStyle/>
+          <a:p>
+            <a:r>
+              <a:rPr lang="en-US" dirty="0"/>
+              <a:t>8/9/2019</a:t>
+            </a:r>
+          </a:p>
+        </p:txBody>
+      </p:sp>
+    </p:spTree>
+    <p:extLst>
+      <p:ext uri="{BB962C8B-B14F-4D97-AF65-F5344CB8AC3E}">
+        <p14:creationId xmlns:p14="http://schemas.microsoft.com/office/powerpoint/2010/main" val="3405449710"/>
+      </p:ext>
+    </p:extLst>
+  </p:cSld>
+  <p:clrMapOvr>
+    <a:masterClrMapping/>
+  </p:clrMapOvr>
+</p:sld>
+</file>
+
+<file path=ppt/slides/slide20.xml><?xml version="1.0" encoding="utf-8"?>
 <p:sld xmlns:a="http://schemas.openxmlformats.org/drawingml/2006/main" xmlns:r="http://schemas.openxmlformats.org/officeDocument/2006/relationships" xmlns:p="http://schemas.openxmlformats.org/presentationml/2006/main">
   <p:cSld>
     <p:spTree>
@@ -36943,7 +38046,7 @@
           <a:p>
             <a:fld id="{564B1479-74DF-4380-85F6-AB0A2FFC7165}" type="slidenum">
               <a:rPr lang="en-US" smtClean="0"/>
-              <a:t>18</a:t>
+              <a:t>20</a:t>
             </a:fld>
             <a:endParaRPr lang="en-US"/>
           </a:p>
@@ -39340,7 +40443,7 @@
 </p:sld>
 </file>
 
-<file path=ppt/slides/slide19.xml><?xml version="1.0" encoding="utf-8"?>
+<file path=ppt/slides/slide21.xml><?xml version="1.0" encoding="utf-8"?>
 <p:sld xmlns:a="http://schemas.openxmlformats.org/drawingml/2006/main" xmlns:r="http://schemas.openxmlformats.org/officeDocument/2006/relationships" xmlns:p="http://schemas.openxmlformats.org/presentationml/2006/main">
   <p:cSld>
     <p:spTree>
@@ -39419,7 +40522,7 @@
           <a:p>
             <a:fld id="{564B1479-74DF-4380-85F6-AB0A2FFC7165}" type="slidenum">
               <a:rPr lang="en-US" smtClean="0"/>
-              <a:t>19</a:t>
+              <a:t>21</a:t>
             </a:fld>
             <a:endParaRPr lang="en-US"/>
           </a:p>
@@ -39710,123 +40813,7 @@
 </p:sld>
 </file>
 
-<file path=ppt/slides/slide2.xml><?xml version="1.0" encoding="utf-8"?>
-<p:sld xmlns:a="http://schemas.openxmlformats.org/drawingml/2006/main" xmlns:r="http://schemas.openxmlformats.org/officeDocument/2006/relationships" xmlns:p="http://schemas.openxmlformats.org/presentationml/2006/main">
-  <p:cSld>
-    <p:spTree>
-      <p:nvGrpSpPr>
-        <p:cNvPr id="1" name=""/>
-        <p:cNvGrpSpPr/>
-        <p:nvPr/>
-      </p:nvGrpSpPr>
-      <p:grpSpPr>
-        <a:xfrm>
-          <a:off x="0" y="0"/>
-          <a:ext cx="0" cy="0"/>
-          <a:chOff x="0" y="0"/>
-          <a:chExt cx="0" cy="0"/>
-        </a:xfrm>
-      </p:grpSpPr>
-      <p:sp>
-        <p:nvSpPr>
-          <p:cNvPr id="4" name="Slide Number Placeholder 3"/>
-          <p:cNvSpPr>
-            <a:spLocks noGrp="1"/>
-          </p:cNvSpPr>
-          <p:nvPr>
-            <p:ph type="sldNum" sz="quarter" idx="12"/>
-          </p:nvPr>
-        </p:nvSpPr>
-        <p:spPr/>
-        <p:txBody>
-          <a:bodyPr/>
-          <a:lstStyle/>
-          <a:p>
-            <a:fld id="{10038807-1F43-C242-97ED-819D14105488}" type="slidenum">
-              <a:rPr lang="en-US" smtClean="0">
-                <a:solidFill>
-                  <a:schemeClr val="tx1"/>
-                </a:solidFill>
-              </a:rPr>
-              <a:t>2</a:t>
-            </a:fld>
-            <a:endParaRPr lang="en-US" dirty="0">
-              <a:solidFill>
-                <a:schemeClr val="tx1"/>
-              </a:solidFill>
-            </a:endParaRPr>
-          </a:p>
-        </p:txBody>
-      </p:sp>
-      <p:graphicFrame>
-        <p:nvGraphicFramePr>
-          <p:cNvPr id="5" name="Diagram 4"/>
-          <p:cNvGraphicFramePr/>
-          <p:nvPr>
-            <p:extLst>
-              <p:ext uri="{D42A27DB-BD31-4B8C-83A1-F6EECF244321}">
-                <p14:modId xmlns:p14="http://schemas.microsoft.com/office/powerpoint/2010/main" val="464208637"/>
-              </p:ext>
-            </p:extLst>
-          </p:nvPr>
-        </p:nvGraphicFramePr>
-        <p:xfrm>
-          <a:off x="1771650" y="1028701"/>
-          <a:ext cx="5943600" cy="4235450"/>
-        </p:xfrm>
-        <a:graphic>
-          <a:graphicData uri="http://schemas.openxmlformats.org/drawingml/2006/diagram">
-            <dgm:relIds xmlns:dgm="http://schemas.openxmlformats.org/drawingml/2006/diagram" xmlns:r="http://schemas.openxmlformats.org/officeDocument/2006/relationships" r:dm="rId2" r:lo="rId3" r:qs="rId4" r:cs="rId5"/>
-          </a:graphicData>
-        </a:graphic>
-      </p:graphicFrame>
-      <p:sp>
-        <p:nvSpPr>
-          <p:cNvPr id="6" name="Date Placeholder 1">
-            <a:extLst>
-              <a:ext uri="{FF2B5EF4-FFF2-40B4-BE49-F238E27FC236}">
-                <a16:creationId xmlns:a16="http://schemas.microsoft.com/office/drawing/2014/main" id="{692AD37A-9EC1-4F6F-9640-352DD1C6BD89}"/>
-              </a:ext>
-            </a:extLst>
-          </p:cNvPr>
-          <p:cNvSpPr>
-            <a:spLocks noGrp="1"/>
-          </p:cNvSpPr>
-          <p:nvPr>
-            <p:ph type="dt" sz="half" idx="10"/>
-          </p:nvPr>
-        </p:nvSpPr>
-        <p:spPr>
-          <a:xfrm>
-            <a:off x="628650" y="6356351"/>
-            <a:ext cx="2057400" cy="365125"/>
-          </a:xfrm>
-        </p:spPr>
-        <p:txBody>
-          <a:bodyPr/>
-          <a:lstStyle/>
-          <a:p>
-            <a:r>
-              <a:rPr lang="en-US" dirty="0"/>
-              <a:t>8/9/2019</a:t>
-            </a:r>
-          </a:p>
-        </p:txBody>
-      </p:sp>
-    </p:spTree>
-    <p:extLst>
-      <p:ext uri="{BB962C8B-B14F-4D97-AF65-F5344CB8AC3E}">
-        <p14:creationId xmlns:p14="http://schemas.microsoft.com/office/powerpoint/2010/main" val="3405449710"/>
-      </p:ext>
-    </p:extLst>
-  </p:cSld>
-  <p:clrMapOvr>
-    <a:masterClrMapping/>
-  </p:clrMapOvr>
-</p:sld>
-</file>
-
-<file path=ppt/slides/slide20.xml><?xml version="1.0" encoding="utf-8"?>
+<file path=ppt/slides/slide22.xml><?xml version="1.0" encoding="utf-8"?>
 <p:sld xmlns:a="http://schemas.openxmlformats.org/drawingml/2006/main" xmlns:r="http://schemas.openxmlformats.org/officeDocument/2006/relationships" xmlns:p="http://schemas.openxmlformats.org/presentationml/2006/main">
   <p:cSld>
     <p:spTree>
